--- a/Project-Documentation/IMS Starter presentation.pptx
+++ b/Project-Documentation/IMS Starter presentation.pptx
@@ -4,30 +4,47 @@
   <p:sldMasterIdLst>
     <p:sldMasterId id="2147483767" r:id="rId1"/>
   </p:sldMasterIdLst>
+  <p:notesMasterIdLst>
+    <p:notesMasterId r:id="rId39"/>
+  </p:notesMasterIdLst>
   <p:sldIdLst>
     <p:sldId id="256" r:id="rId2"/>
     <p:sldId id="257" r:id="rId3"/>
     <p:sldId id="278" r:id="rId4"/>
-    <p:sldId id="258" r:id="rId5"/>
-    <p:sldId id="259" r:id="rId6"/>
-    <p:sldId id="260" r:id="rId7"/>
-    <p:sldId id="261" r:id="rId8"/>
-    <p:sldId id="262" r:id="rId9"/>
-    <p:sldId id="263" r:id="rId10"/>
-    <p:sldId id="264" r:id="rId11"/>
-    <p:sldId id="265" r:id="rId12"/>
-    <p:sldId id="266" r:id="rId13"/>
-    <p:sldId id="267" r:id="rId14"/>
-    <p:sldId id="268" r:id="rId15"/>
-    <p:sldId id="269" r:id="rId16"/>
-    <p:sldId id="270" r:id="rId17"/>
-    <p:sldId id="271" r:id="rId18"/>
-    <p:sldId id="272" r:id="rId19"/>
-    <p:sldId id="273" r:id="rId20"/>
-    <p:sldId id="274" r:id="rId21"/>
-    <p:sldId id="275" r:id="rId22"/>
-    <p:sldId id="276" r:id="rId23"/>
-    <p:sldId id="277" r:id="rId24"/>
+    <p:sldId id="280" r:id="rId5"/>
+    <p:sldId id="279" r:id="rId6"/>
+    <p:sldId id="281" r:id="rId7"/>
+    <p:sldId id="285" r:id="rId8"/>
+    <p:sldId id="288" r:id="rId9"/>
+    <p:sldId id="289" r:id="rId10"/>
+    <p:sldId id="282" r:id="rId11"/>
+    <p:sldId id="283" r:id="rId12"/>
+    <p:sldId id="291" r:id="rId13"/>
+    <p:sldId id="292" r:id="rId14"/>
+    <p:sldId id="293" r:id="rId15"/>
+    <p:sldId id="284" r:id="rId16"/>
+    <p:sldId id="290" r:id="rId17"/>
+    <p:sldId id="294" r:id="rId18"/>
+    <p:sldId id="295" r:id="rId19"/>
+    <p:sldId id="296" r:id="rId20"/>
+    <p:sldId id="260" r:id="rId21"/>
+    <p:sldId id="261" r:id="rId22"/>
+    <p:sldId id="262" r:id="rId23"/>
+    <p:sldId id="263" r:id="rId24"/>
+    <p:sldId id="264" r:id="rId25"/>
+    <p:sldId id="265" r:id="rId26"/>
+    <p:sldId id="266" r:id="rId27"/>
+    <p:sldId id="267" r:id="rId28"/>
+    <p:sldId id="268" r:id="rId29"/>
+    <p:sldId id="269" r:id="rId30"/>
+    <p:sldId id="270" r:id="rId31"/>
+    <p:sldId id="271" r:id="rId32"/>
+    <p:sldId id="272" r:id="rId33"/>
+    <p:sldId id="273" r:id="rId34"/>
+    <p:sldId id="274" r:id="rId35"/>
+    <p:sldId id="275" r:id="rId36"/>
+    <p:sldId id="276" r:id="rId37"/>
+    <p:sldId id="277" r:id="rId38"/>
   </p:sldIdLst>
   <p:sldSz cx="12192000" cy="6858000"/>
   <p:notesSz cx="6858000" cy="9144000"/>
@@ -126,7 +143,2423 @@
       </a:defRPr>
     </a:lvl9pPr>
   </p:defaultTextStyle>
+  <p:extLst>
+    <p:ext uri="{EFAFB233-063F-42B5-8137-9DF3F51BA10A}">
+      <p15:sldGuideLst xmlns:p15="http://schemas.microsoft.com/office/powerpoint/2012/main"/>
+    </p:ext>
+  </p:extLst>
 </p:presentation>
+</file>
+
+<file path=ppt/commentAuthors.xml><?xml version="1.0" encoding="utf-8"?>
+<p:cmAuthorLst xmlns:a="http://schemas.openxmlformats.org/drawingml/2006/main" xmlns:r="http://schemas.openxmlformats.org/officeDocument/2006/relationships" xmlns:p="http://schemas.openxmlformats.org/presentationml/2006/main">
+  <p:cmAuthor id="1" name="Charles" initials="C" lastIdx="1" clrIdx="0">
+    <p:extLst>
+      <p:ext uri="{19B8F6BF-5375-455C-9EA6-DF929625EA0E}">
+        <p15:presenceInfo xmlns:p15="http://schemas.microsoft.com/office/powerpoint/2012/main" userId="6c0d7d9cb99c972c" providerId="Windows Live"/>
+      </p:ext>
+    </p:extLst>
+  </p:cmAuthor>
+</p:cmAuthorLst>
+</file>
+
+<file path=ppt/comments/comment1.xml><?xml version="1.0" encoding="utf-8"?>
+<p:cmLst xmlns:a="http://schemas.openxmlformats.org/drawingml/2006/main" xmlns:r="http://schemas.openxmlformats.org/officeDocument/2006/relationships" xmlns:p="http://schemas.openxmlformats.org/presentationml/2006/main">
+  <p:cm authorId="1" dt="2021-02-12T09:47:05.852" idx="1">
+    <p:pos x="10" y="10"/>
+    <p:text>This is an important step to describe the relations between the SQL databases.</p:text>
+    <p:extLst>
+      <p:ext uri="{C676402C-5697-4E1C-873F-D02D1690AC5C}">
+        <p15:threadingInfo xmlns:p15="http://schemas.microsoft.com/office/powerpoint/2012/main" timeZoneBias="0"/>
+      </p:ext>
+    </p:extLst>
+  </p:cm>
+</p:cmLst>
+</file>
+
+<file path=ppt/notesMasters/notesMaster1.xml><?xml version="1.0" encoding="utf-8"?>
+<p:notesMaster xmlns:a="http://schemas.openxmlformats.org/drawingml/2006/main" xmlns:r="http://schemas.openxmlformats.org/officeDocument/2006/relationships" xmlns:p="http://schemas.openxmlformats.org/presentationml/2006/main">
+  <p:cSld>
+    <p:bg>
+      <p:bgRef idx="1001">
+        <a:schemeClr val="bg1"/>
+      </p:bgRef>
+    </p:bg>
+    <p:spTree>
+      <p:nvGrpSpPr>
+        <p:cNvPr id="1" name=""/>
+        <p:cNvGrpSpPr/>
+        <p:nvPr/>
+      </p:nvGrpSpPr>
+      <p:grpSpPr>
+        <a:xfrm>
+          <a:off x="0" y="0"/>
+          <a:ext cx="0" cy="0"/>
+          <a:chOff x="0" y="0"/>
+          <a:chExt cx="0" cy="0"/>
+        </a:xfrm>
+      </p:grpSpPr>
+      <p:sp>
+        <p:nvSpPr>
+          <p:cNvPr id="2" name="Header Placeholder 1"/>
+          <p:cNvSpPr>
+            <a:spLocks noGrp="1"/>
+          </p:cNvSpPr>
+          <p:nvPr>
+            <p:ph type="hdr" sz="quarter"/>
+          </p:nvPr>
+        </p:nvSpPr>
+        <p:spPr>
+          <a:xfrm>
+            <a:off x="0" y="0"/>
+            <a:ext cx="2971800" cy="458788"/>
+          </a:xfrm>
+          <a:prstGeom prst="rect">
+            <a:avLst/>
+          </a:prstGeom>
+        </p:spPr>
+        <p:txBody>
+          <a:bodyPr vert="horz" lIns="91440" tIns="45720" rIns="91440" bIns="45720" rtlCol="0"/>
+          <a:lstStyle>
+            <a:lvl1pPr algn="l">
+              <a:defRPr sz="1200"/>
+            </a:lvl1pPr>
+          </a:lstStyle>
+          <a:p>
+            <a:endParaRPr lang="en-GB"/>
+          </a:p>
+        </p:txBody>
+      </p:sp>
+      <p:sp>
+        <p:nvSpPr>
+          <p:cNvPr id="3" name="Date Placeholder 2"/>
+          <p:cNvSpPr>
+            <a:spLocks noGrp="1"/>
+          </p:cNvSpPr>
+          <p:nvPr>
+            <p:ph type="dt" idx="1"/>
+          </p:nvPr>
+        </p:nvSpPr>
+        <p:spPr>
+          <a:xfrm>
+            <a:off x="3884613" y="0"/>
+            <a:ext cx="2971800" cy="458788"/>
+          </a:xfrm>
+          <a:prstGeom prst="rect">
+            <a:avLst/>
+          </a:prstGeom>
+        </p:spPr>
+        <p:txBody>
+          <a:bodyPr vert="horz" lIns="91440" tIns="45720" rIns="91440" bIns="45720" rtlCol="0"/>
+          <a:lstStyle>
+            <a:lvl1pPr algn="r">
+              <a:defRPr sz="1200"/>
+            </a:lvl1pPr>
+          </a:lstStyle>
+          <a:p>
+            <a:fld id="{D58DD600-EDEF-4B95-A611-9F22A1C14F2B}" type="datetimeFigureOut">
+              <a:rPr lang="en-GB" smtClean="0"/>
+              <a:t>12/02/2021</a:t>
+            </a:fld>
+            <a:endParaRPr lang="en-GB"/>
+          </a:p>
+        </p:txBody>
+      </p:sp>
+      <p:sp>
+        <p:nvSpPr>
+          <p:cNvPr id="4" name="Slide Image Placeholder 3"/>
+          <p:cNvSpPr>
+            <a:spLocks noGrp="1" noRot="1" noChangeAspect="1"/>
+          </p:cNvSpPr>
+          <p:nvPr>
+            <p:ph type="sldImg" idx="2"/>
+          </p:nvPr>
+        </p:nvSpPr>
+        <p:spPr>
+          <a:xfrm>
+            <a:off x="685800" y="1143000"/>
+            <a:ext cx="5486400" cy="3086100"/>
+          </a:xfrm>
+          <a:prstGeom prst="rect">
+            <a:avLst/>
+          </a:prstGeom>
+          <a:noFill/>
+          <a:ln w="12700">
+            <a:solidFill>
+              <a:prstClr val="black"/>
+            </a:solidFill>
+          </a:ln>
+        </p:spPr>
+        <p:txBody>
+          <a:bodyPr vert="horz" lIns="91440" tIns="45720" rIns="91440" bIns="45720" rtlCol="0" anchor="ctr"/>
+          <a:lstStyle/>
+          <a:p>
+            <a:endParaRPr lang="en-GB"/>
+          </a:p>
+        </p:txBody>
+      </p:sp>
+      <p:sp>
+        <p:nvSpPr>
+          <p:cNvPr id="5" name="Notes Placeholder 4"/>
+          <p:cNvSpPr>
+            <a:spLocks noGrp="1"/>
+          </p:cNvSpPr>
+          <p:nvPr>
+            <p:ph type="body" sz="quarter" idx="3"/>
+          </p:nvPr>
+        </p:nvSpPr>
+        <p:spPr>
+          <a:xfrm>
+            <a:off x="685800" y="4400550"/>
+            <a:ext cx="5486400" cy="3600450"/>
+          </a:xfrm>
+          <a:prstGeom prst="rect">
+            <a:avLst/>
+          </a:prstGeom>
+        </p:spPr>
+        <p:txBody>
+          <a:bodyPr vert="horz" lIns="91440" tIns="45720" rIns="91440" bIns="45720" rtlCol="0"/>
+          <a:lstStyle/>
+          <a:p>
+            <a:pPr lvl="0"/>
+            <a:r>
+              <a:rPr lang="en-US"/>
+              <a:t>Click to edit Master text styles</a:t>
+            </a:r>
+          </a:p>
+          <a:p>
+            <a:pPr lvl="1"/>
+            <a:r>
+              <a:rPr lang="en-US"/>
+              <a:t>Second level</a:t>
+            </a:r>
+          </a:p>
+          <a:p>
+            <a:pPr lvl="2"/>
+            <a:r>
+              <a:rPr lang="en-US"/>
+              <a:t>Third level</a:t>
+            </a:r>
+          </a:p>
+          <a:p>
+            <a:pPr lvl="3"/>
+            <a:r>
+              <a:rPr lang="en-US"/>
+              <a:t>Fourth level</a:t>
+            </a:r>
+          </a:p>
+          <a:p>
+            <a:pPr lvl="4"/>
+            <a:r>
+              <a:rPr lang="en-US"/>
+              <a:t>Fifth level</a:t>
+            </a:r>
+            <a:endParaRPr lang="en-GB"/>
+          </a:p>
+        </p:txBody>
+      </p:sp>
+      <p:sp>
+        <p:nvSpPr>
+          <p:cNvPr id="6" name="Footer Placeholder 5"/>
+          <p:cNvSpPr>
+            <a:spLocks noGrp="1"/>
+          </p:cNvSpPr>
+          <p:nvPr>
+            <p:ph type="ftr" sz="quarter" idx="4"/>
+          </p:nvPr>
+        </p:nvSpPr>
+        <p:spPr>
+          <a:xfrm>
+            <a:off x="0" y="8685213"/>
+            <a:ext cx="2971800" cy="458787"/>
+          </a:xfrm>
+          <a:prstGeom prst="rect">
+            <a:avLst/>
+          </a:prstGeom>
+        </p:spPr>
+        <p:txBody>
+          <a:bodyPr vert="horz" lIns="91440" tIns="45720" rIns="91440" bIns="45720" rtlCol="0" anchor="b"/>
+          <a:lstStyle>
+            <a:lvl1pPr algn="l">
+              <a:defRPr sz="1200"/>
+            </a:lvl1pPr>
+          </a:lstStyle>
+          <a:p>
+            <a:endParaRPr lang="en-GB"/>
+          </a:p>
+        </p:txBody>
+      </p:sp>
+      <p:sp>
+        <p:nvSpPr>
+          <p:cNvPr id="7" name="Slide Number Placeholder 6"/>
+          <p:cNvSpPr>
+            <a:spLocks noGrp="1"/>
+          </p:cNvSpPr>
+          <p:nvPr>
+            <p:ph type="sldNum" sz="quarter" idx="5"/>
+          </p:nvPr>
+        </p:nvSpPr>
+        <p:spPr>
+          <a:xfrm>
+            <a:off x="3884613" y="8685213"/>
+            <a:ext cx="2971800" cy="458787"/>
+          </a:xfrm>
+          <a:prstGeom prst="rect">
+            <a:avLst/>
+          </a:prstGeom>
+        </p:spPr>
+        <p:txBody>
+          <a:bodyPr vert="horz" lIns="91440" tIns="45720" rIns="91440" bIns="45720" rtlCol="0" anchor="b"/>
+          <a:lstStyle>
+            <a:lvl1pPr algn="r">
+              <a:defRPr sz="1200"/>
+            </a:lvl1pPr>
+          </a:lstStyle>
+          <a:p>
+            <a:fld id="{B72EBEC0-C36F-4B74-860E-91A95937ACAB}" type="slidenum">
+              <a:rPr lang="en-GB" smtClean="0"/>
+              <a:t>‹#›</a:t>
+            </a:fld>
+            <a:endParaRPr lang="en-GB"/>
+          </a:p>
+        </p:txBody>
+      </p:sp>
+    </p:spTree>
+    <p:extLst>
+      <p:ext uri="{BB962C8B-B14F-4D97-AF65-F5344CB8AC3E}">
+        <p14:creationId xmlns:p14="http://schemas.microsoft.com/office/powerpoint/2010/main" val="1875609624"/>
+      </p:ext>
+    </p:extLst>
+  </p:cSld>
+  <p:clrMap bg1="lt1" tx1="dk1" bg2="lt2" tx2="dk2" accent1="accent1" accent2="accent2" accent3="accent3" accent4="accent4" accent5="accent5" accent6="accent6" hlink="hlink" folHlink="folHlink"/>
+  <p:notesStyle>
+    <a:lvl1pPr marL="0" algn="l" defTabSz="914400" rtl="0" eaLnBrk="1" latinLnBrk="0" hangingPunct="1">
+      <a:defRPr sz="1200" kern="1200">
+        <a:solidFill>
+          <a:schemeClr val="tx1"/>
+        </a:solidFill>
+        <a:latin typeface="+mn-lt"/>
+        <a:ea typeface="+mn-ea"/>
+        <a:cs typeface="+mn-cs"/>
+      </a:defRPr>
+    </a:lvl1pPr>
+    <a:lvl2pPr marL="457200" algn="l" defTabSz="914400" rtl="0" eaLnBrk="1" latinLnBrk="0" hangingPunct="1">
+      <a:defRPr sz="1200" kern="1200">
+        <a:solidFill>
+          <a:schemeClr val="tx1"/>
+        </a:solidFill>
+        <a:latin typeface="+mn-lt"/>
+        <a:ea typeface="+mn-ea"/>
+        <a:cs typeface="+mn-cs"/>
+      </a:defRPr>
+    </a:lvl2pPr>
+    <a:lvl3pPr marL="914400" algn="l" defTabSz="914400" rtl="0" eaLnBrk="1" latinLnBrk="0" hangingPunct="1">
+      <a:defRPr sz="1200" kern="1200">
+        <a:solidFill>
+          <a:schemeClr val="tx1"/>
+        </a:solidFill>
+        <a:latin typeface="+mn-lt"/>
+        <a:ea typeface="+mn-ea"/>
+        <a:cs typeface="+mn-cs"/>
+      </a:defRPr>
+    </a:lvl3pPr>
+    <a:lvl4pPr marL="1371600" algn="l" defTabSz="914400" rtl="0" eaLnBrk="1" latinLnBrk="0" hangingPunct="1">
+      <a:defRPr sz="1200" kern="1200">
+        <a:solidFill>
+          <a:schemeClr val="tx1"/>
+        </a:solidFill>
+        <a:latin typeface="+mn-lt"/>
+        <a:ea typeface="+mn-ea"/>
+        <a:cs typeface="+mn-cs"/>
+      </a:defRPr>
+    </a:lvl4pPr>
+    <a:lvl5pPr marL="1828800" algn="l" defTabSz="914400" rtl="0" eaLnBrk="1" latinLnBrk="0" hangingPunct="1">
+      <a:defRPr sz="1200" kern="1200">
+        <a:solidFill>
+          <a:schemeClr val="tx1"/>
+        </a:solidFill>
+        <a:latin typeface="+mn-lt"/>
+        <a:ea typeface="+mn-ea"/>
+        <a:cs typeface="+mn-cs"/>
+      </a:defRPr>
+    </a:lvl5pPr>
+    <a:lvl6pPr marL="2286000" algn="l" defTabSz="914400" rtl="0" eaLnBrk="1" latinLnBrk="0" hangingPunct="1">
+      <a:defRPr sz="1200" kern="1200">
+        <a:solidFill>
+          <a:schemeClr val="tx1"/>
+        </a:solidFill>
+        <a:latin typeface="+mn-lt"/>
+        <a:ea typeface="+mn-ea"/>
+        <a:cs typeface="+mn-cs"/>
+      </a:defRPr>
+    </a:lvl6pPr>
+    <a:lvl7pPr marL="2743200" algn="l" defTabSz="914400" rtl="0" eaLnBrk="1" latinLnBrk="0" hangingPunct="1">
+      <a:defRPr sz="1200" kern="1200">
+        <a:solidFill>
+          <a:schemeClr val="tx1"/>
+        </a:solidFill>
+        <a:latin typeface="+mn-lt"/>
+        <a:ea typeface="+mn-ea"/>
+        <a:cs typeface="+mn-cs"/>
+      </a:defRPr>
+    </a:lvl7pPr>
+    <a:lvl8pPr marL="3200400" algn="l" defTabSz="914400" rtl="0" eaLnBrk="1" latinLnBrk="0" hangingPunct="1">
+      <a:defRPr sz="1200" kern="1200">
+        <a:solidFill>
+          <a:schemeClr val="tx1"/>
+        </a:solidFill>
+        <a:latin typeface="+mn-lt"/>
+        <a:ea typeface="+mn-ea"/>
+        <a:cs typeface="+mn-cs"/>
+      </a:defRPr>
+    </a:lvl8pPr>
+    <a:lvl9pPr marL="3657600" algn="l" defTabSz="914400" rtl="0" eaLnBrk="1" latinLnBrk="0" hangingPunct="1">
+      <a:defRPr sz="1200" kern="1200">
+        <a:solidFill>
+          <a:schemeClr val="tx1"/>
+        </a:solidFill>
+        <a:latin typeface="+mn-lt"/>
+        <a:ea typeface="+mn-ea"/>
+        <a:cs typeface="+mn-cs"/>
+      </a:defRPr>
+    </a:lvl9pPr>
+  </p:notesStyle>
+</p:notesMaster>
+</file>
+
+<file path=ppt/notesSlides/notesSlide1.xml><?xml version="1.0" encoding="utf-8"?>
+<p:notes xmlns:a="http://schemas.openxmlformats.org/drawingml/2006/main" xmlns:r="http://schemas.openxmlformats.org/officeDocument/2006/relationships" xmlns:p="http://schemas.openxmlformats.org/presentationml/2006/main">
+  <p:cSld>
+    <p:spTree>
+      <p:nvGrpSpPr>
+        <p:cNvPr id="1" name=""/>
+        <p:cNvGrpSpPr/>
+        <p:nvPr/>
+      </p:nvGrpSpPr>
+      <p:grpSpPr>
+        <a:xfrm>
+          <a:off x="0" y="0"/>
+          <a:ext cx="0" cy="0"/>
+          <a:chOff x="0" y="0"/>
+          <a:chExt cx="0" cy="0"/>
+        </a:xfrm>
+      </p:grpSpPr>
+      <p:sp>
+        <p:nvSpPr>
+          <p:cNvPr id="2" name="Slide Image Placeholder 1"/>
+          <p:cNvSpPr>
+            <a:spLocks noGrp="1" noRot="1" noChangeAspect="1"/>
+          </p:cNvSpPr>
+          <p:nvPr>
+            <p:ph type="sldImg"/>
+          </p:nvPr>
+        </p:nvSpPr>
+        <p:spPr/>
+      </p:sp>
+      <p:sp>
+        <p:nvSpPr>
+          <p:cNvPr id="3" name="Notes Placeholder 2"/>
+          <p:cNvSpPr>
+            <a:spLocks noGrp="1"/>
+          </p:cNvSpPr>
+          <p:nvPr>
+            <p:ph type="body" idx="1"/>
+          </p:nvPr>
+        </p:nvSpPr>
+        <p:spPr/>
+        <p:txBody>
+          <a:bodyPr/>
+          <a:lstStyle/>
+          <a:p>
+            <a:r>
+              <a:rPr lang="en-GB" dirty="0"/>
+              <a:t>Hi, my name is Charlie Herriott. This is my IMS project presentation.</a:t>
+            </a:r>
+          </a:p>
+        </p:txBody>
+      </p:sp>
+      <p:sp>
+        <p:nvSpPr>
+          <p:cNvPr id="4" name="Slide Number Placeholder 3"/>
+          <p:cNvSpPr>
+            <a:spLocks noGrp="1"/>
+          </p:cNvSpPr>
+          <p:nvPr>
+            <p:ph type="sldNum" sz="quarter" idx="5"/>
+          </p:nvPr>
+        </p:nvSpPr>
+        <p:spPr/>
+        <p:txBody>
+          <a:bodyPr/>
+          <a:lstStyle/>
+          <a:p>
+            <a:fld id="{B72EBEC0-C36F-4B74-860E-91A95937ACAB}" type="slidenum">
+              <a:rPr lang="en-GB" smtClean="0"/>
+              <a:t>1</a:t>
+            </a:fld>
+            <a:endParaRPr lang="en-GB"/>
+          </a:p>
+        </p:txBody>
+      </p:sp>
+    </p:spTree>
+    <p:extLst>
+      <p:ext uri="{BB962C8B-B14F-4D97-AF65-F5344CB8AC3E}">
+        <p14:creationId xmlns:p14="http://schemas.microsoft.com/office/powerpoint/2010/main" val="57893496"/>
+      </p:ext>
+    </p:extLst>
+  </p:cSld>
+  <p:clrMapOvr>
+    <a:masterClrMapping/>
+  </p:clrMapOvr>
+</p:notes>
+</file>
+
+<file path=ppt/notesSlides/notesSlide10.xml><?xml version="1.0" encoding="utf-8"?>
+<p:notes xmlns:a="http://schemas.openxmlformats.org/drawingml/2006/main" xmlns:r="http://schemas.openxmlformats.org/officeDocument/2006/relationships" xmlns:p="http://schemas.openxmlformats.org/presentationml/2006/main">
+  <p:cSld>
+    <p:spTree>
+      <p:nvGrpSpPr>
+        <p:cNvPr id="1" name=""/>
+        <p:cNvGrpSpPr/>
+        <p:nvPr/>
+      </p:nvGrpSpPr>
+      <p:grpSpPr>
+        <a:xfrm>
+          <a:off x="0" y="0"/>
+          <a:ext cx="0" cy="0"/>
+          <a:chOff x="0" y="0"/>
+          <a:chExt cx="0" cy="0"/>
+        </a:xfrm>
+      </p:grpSpPr>
+      <p:sp>
+        <p:nvSpPr>
+          <p:cNvPr id="2" name="Slide Image Placeholder 1"/>
+          <p:cNvSpPr>
+            <a:spLocks noGrp="1" noRot="1" noChangeAspect="1"/>
+          </p:cNvSpPr>
+          <p:nvPr>
+            <p:ph type="sldImg"/>
+          </p:nvPr>
+        </p:nvSpPr>
+        <p:spPr/>
+      </p:sp>
+      <p:sp>
+        <p:nvSpPr>
+          <p:cNvPr id="3" name="Notes Placeholder 2"/>
+          <p:cNvSpPr>
+            <a:spLocks noGrp="1"/>
+          </p:cNvSpPr>
+          <p:nvPr>
+            <p:ph type="body" idx="1"/>
+          </p:nvPr>
+        </p:nvSpPr>
+        <p:spPr/>
+        <p:txBody>
+          <a:bodyPr/>
+          <a:lstStyle/>
+          <a:p>
+            <a:r>
+              <a:rPr lang="en-GB" dirty="0"/>
+              <a:t>Jira has been an exceptionally powerful tool that has been utilised within this project. </a:t>
+            </a:r>
+          </a:p>
+          <a:p>
+            <a:r>
+              <a:rPr lang="en-GB" dirty="0"/>
+              <a:t>It has helped to map out the development process, how to maintain tasks and priorities.</a:t>
+            </a:r>
+          </a:p>
+          <a:p>
+            <a:endParaRPr lang="en-GB" dirty="0"/>
+          </a:p>
+        </p:txBody>
+      </p:sp>
+      <p:sp>
+        <p:nvSpPr>
+          <p:cNvPr id="4" name="Slide Number Placeholder 3"/>
+          <p:cNvSpPr>
+            <a:spLocks noGrp="1"/>
+          </p:cNvSpPr>
+          <p:nvPr>
+            <p:ph type="sldNum" sz="quarter" idx="5"/>
+          </p:nvPr>
+        </p:nvSpPr>
+        <p:spPr/>
+        <p:txBody>
+          <a:bodyPr/>
+          <a:lstStyle/>
+          <a:p>
+            <a:fld id="{B72EBEC0-C36F-4B74-860E-91A95937ACAB}" type="slidenum">
+              <a:rPr lang="en-GB" smtClean="0"/>
+              <a:t>10</a:t>
+            </a:fld>
+            <a:endParaRPr lang="en-GB"/>
+          </a:p>
+        </p:txBody>
+      </p:sp>
+    </p:spTree>
+    <p:extLst>
+      <p:ext uri="{BB962C8B-B14F-4D97-AF65-F5344CB8AC3E}">
+        <p14:creationId xmlns:p14="http://schemas.microsoft.com/office/powerpoint/2010/main" val="4049100569"/>
+      </p:ext>
+    </p:extLst>
+  </p:cSld>
+  <p:clrMapOvr>
+    <a:masterClrMapping/>
+  </p:clrMapOvr>
+</p:notes>
+</file>
+
+<file path=ppt/notesSlides/notesSlide11.xml><?xml version="1.0" encoding="utf-8"?>
+<p:notes xmlns:a="http://schemas.openxmlformats.org/drawingml/2006/main" xmlns:r="http://schemas.openxmlformats.org/officeDocument/2006/relationships" xmlns:p="http://schemas.openxmlformats.org/presentationml/2006/main">
+  <p:cSld>
+    <p:spTree>
+      <p:nvGrpSpPr>
+        <p:cNvPr id="1" name=""/>
+        <p:cNvGrpSpPr/>
+        <p:nvPr/>
+      </p:nvGrpSpPr>
+      <p:grpSpPr>
+        <a:xfrm>
+          <a:off x="0" y="0"/>
+          <a:ext cx="0" cy="0"/>
+          <a:chOff x="0" y="0"/>
+          <a:chExt cx="0" cy="0"/>
+        </a:xfrm>
+      </p:grpSpPr>
+      <p:sp>
+        <p:nvSpPr>
+          <p:cNvPr id="2" name="Slide Image Placeholder 1"/>
+          <p:cNvSpPr>
+            <a:spLocks noGrp="1" noRot="1" noChangeAspect="1"/>
+          </p:cNvSpPr>
+          <p:nvPr>
+            <p:ph type="sldImg"/>
+          </p:nvPr>
+        </p:nvSpPr>
+        <p:spPr/>
+      </p:sp>
+      <p:sp>
+        <p:nvSpPr>
+          <p:cNvPr id="3" name="Notes Placeholder 2"/>
+          <p:cNvSpPr>
+            <a:spLocks noGrp="1"/>
+          </p:cNvSpPr>
+          <p:nvPr>
+            <p:ph type="body" idx="1"/>
+          </p:nvPr>
+        </p:nvSpPr>
+        <p:spPr/>
+        <p:txBody>
+          <a:bodyPr/>
+          <a:lstStyle/>
+          <a:p>
+            <a:r>
+              <a:rPr lang="en-GB" dirty="0"/>
+              <a:t>I have attempted to utilise the full power of Jira, by applying subtasks, story points, </a:t>
+            </a:r>
+            <a:r>
+              <a:rPr lang="en-GB" dirty="0" err="1"/>
+              <a:t>MoSCoW</a:t>
+            </a:r>
+            <a:r>
+              <a:rPr lang="en-GB" dirty="0"/>
+              <a:t> prioritisation, utilising smart commits, creating and completing sprints.</a:t>
+            </a:r>
+          </a:p>
+        </p:txBody>
+      </p:sp>
+      <p:sp>
+        <p:nvSpPr>
+          <p:cNvPr id="4" name="Slide Number Placeholder 3"/>
+          <p:cNvSpPr>
+            <a:spLocks noGrp="1"/>
+          </p:cNvSpPr>
+          <p:nvPr>
+            <p:ph type="sldNum" sz="quarter" idx="5"/>
+          </p:nvPr>
+        </p:nvSpPr>
+        <p:spPr/>
+        <p:txBody>
+          <a:bodyPr/>
+          <a:lstStyle/>
+          <a:p>
+            <a:fld id="{B72EBEC0-C36F-4B74-860E-91A95937ACAB}" type="slidenum">
+              <a:rPr lang="en-GB" smtClean="0"/>
+              <a:t>11</a:t>
+            </a:fld>
+            <a:endParaRPr lang="en-GB"/>
+          </a:p>
+        </p:txBody>
+      </p:sp>
+    </p:spTree>
+    <p:extLst>
+      <p:ext uri="{BB962C8B-B14F-4D97-AF65-F5344CB8AC3E}">
+        <p14:creationId xmlns:p14="http://schemas.microsoft.com/office/powerpoint/2010/main" val="82980921"/>
+      </p:ext>
+    </p:extLst>
+  </p:cSld>
+  <p:clrMapOvr>
+    <a:masterClrMapping/>
+  </p:clrMapOvr>
+</p:notes>
+</file>
+
+<file path=ppt/notesSlides/notesSlide12.xml><?xml version="1.0" encoding="utf-8"?>
+<p:notes xmlns:a="http://schemas.openxmlformats.org/drawingml/2006/main" xmlns:r="http://schemas.openxmlformats.org/officeDocument/2006/relationships" xmlns:p="http://schemas.openxmlformats.org/presentationml/2006/main">
+  <p:cSld>
+    <p:spTree>
+      <p:nvGrpSpPr>
+        <p:cNvPr id="1" name=""/>
+        <p:cNvGrpSpPr/>
+        <p:nvPr/>
+      </p:nvGrpSpPr>
+      <p:grpSpPr>
+        <a:xfrm>
+          <a:off x="0" y="0"/>
+          <a:ext cx="0" cy="0"/>
+          <a:chOff x="0" y="0"/>
+          <a:chExt cx="0" cy="0"/>
+        </a:xfrm>
+      </p:grpSpPr>
+      <p:sp>
+        <p:nvSpPr>
+          <p:cNvPr id="2" name="Slide Image Placeholder 1"/>
+          <p:cNvSpPr>
+            <a:spLocks noGrp="1" noRot="1" noChangeAspect="1"/>
+          </p:cNvSpPr>
+          <p:nvPr>
+            <p:ph type="sldImg"/>
+          </p:nvPr>
+        </p:nvSpPr>
+        <p:spPr/>
+      </p:sp>
+      <p:sp>
+        <p:nvSpPr>
+          <p:cNvPr id="3" name="Notes Placeholder 2"/>
+          <p:cNvSpPr>
+            <a:spLocks noGrp="1"/>
+          </p:cNvSpPr>
+          <p:nvPr>
+            <p:ph type="body" idx="1"/>
+          </p:nvPr>
+        </p:nvSpPr>
+        <p:spPr/>
+        <p:txBody>
+          <a:bodyPr/>
+          <a:lstStyle/>
+          <a:p>
+            <a:r>
+              <a:rPr lang="en-GB" dirty="0"/>
+              <a:t>The screenshot on the left shows the user story with the relevant subtasks. </a:t>
+            </a:r>
+          </a:p>
+          <a:p>
+            <a:endParaRPr lang="en-GB" dirty="0"/>
+          </a:p>
+          <a:p>
+            <a:r>
+              <a:rPr lang="en-GB" dirty="0"/>
+              <a:t>The screenshot in the middle shows the epic link, the story points and the priority</a:t>
+            </a:r>
+          </a:p>
+          <a:p>
+            <a:endParaRPr lang="en-GB" dirty="0"/>
+          </a:p>
+          <a:p>
+            <a:r>
+              <a:rPr lang="en-GB" dirty="0"/>
+              <a:t>The screenshot on the right shows the smart commits that have been used with the integration of </a:t>
+            </a:r>
+            <a:r>
+              <a:rPr lang="en-GB" dirty="0" err="1"/>
+              <a:t>github</a:t>
+            </a:r>
+            <a:r>
+              <a:rPr lang="en-GB" dirty="0"/>
+              <a:t> and </a:t>
+            </a:r>
+            <a:r>
+              <a:rPr lang="en-GB" dirty="0" err="1"/>
+              <a:t>jira</a:t>
+            </a:r>
+            <a:endParaRPr lang="en-GB" dirty="0"/>
+          </a:p>
+        </p:txBody>
+      </p:sp>
+      <p:sp>
+        <p:nvSpPr>
+          <p:cNvPr id="4" name="Slide Number Placeholder 3"/>
+          <p:cNvSpPr>
+            <a:spLocks noGrp="1"/>
+          </p:cNvSpPr>
+          <p:nvPr>
+            <p:ph type="sldNum" sz="quarter" idx="5"/>
+          </p:nvPr>
+        </p:nvSpPr>
+        <p:spPr/>
+        <p:txBody>
+          <a:bodyPr/>
+          <a:lstStyle/>
+          <a:p>
+            <a:fld id="{B72EBEC0-C36F-4B74-860E-91A95937ACAB}" type="slidenum">
+              <a:rPr lang="en-GB" smtClean="0"/>
+              <a:t>12</a:t>
+            </a:fld>
+            <a:endParaRPr lang="en-GB"/>
+          </a:p>
+        </p:txBody>
+      </p:sp>
+    </p:spTree>
+    <p:extLst>
+      <p:ext uri="{BB962C8B-B14F-4D97-AF65-F5344CB8AC3E}">
+        <p14:creationId xmlns:p14="http://schemas.microsoft.com/office/powerpoint/2010/main" val="2081329684"/>
+      </p:ext>
+    </p:extLst>
+  </p:cSld>
+  <p:clrMapOvr>
+    <a:masterClrMapping/>
+  </p:clrMapOvr>
+</p:notes>
+</file>
+
+<file path=ppt/notesSlides/notesSlide13.xml><?xml version="1.0" encoding="utf-8"?>
+<p:notes xmlns:a="http://schemas.openxmlformats.org/drawingml/2006/main" xmlns:r="http://schemas.openxmlformats.org/officeDocument/2006/relationships" xmlns:p="http://schemas.openxmlformats.org/presentationml/2006/main">
+  <p:cSld>
+    <p:spTree>
+      <p:nvGrpSpPr>
+        <p:cNvPr id="1" name=""/>
+        <p:cNvGrpSpPr/>
+        <p:nvPr/>
+      </p:nvGrpSpPr>
+      <p:grpSpPr>
+        <a:xfrm>
+          <a:off x="0" y="0"/>
+          <a:ext cx="0" cy="0"/>
+          <a:chOff x="0" y="0"/>
+          <a:chExt cx="0" cy="0"/>
+        </a:xfrm>
+      </p:grpSpPr>
+      <p:sp>
+        <p:nvSpPr>
+          <p:cNvPr id="2" name="Slide Image Placeholder 1"/>
+          <p:cNvSpPr>
+            <a:spLocks noGrp="1" noRot="1" noChangeAspect="1"/>
+          </p:cNvSpPr>
+          <p:nvPr>
+            <p:ph type="sldImg"/>
+          </p:nvPr>
+        </p:nvSpPr>
+        <p:spPr/>
+      </p:sp>
+      <p:sp>
+        <p:nvSpPr>
+          <p:cNvPr id="3" name="Notes Placeholder 2"/>
+          <p:cNvSpPr>
+            <a:spLocks noGrp="1"/>
+          </p:cNvSpPr>
+          <p:nvPr>
+            <p:ph type="body" idx="1"/>
+          </p:nvPr>
+        </p:nvSpPr>
+        <p:spPr/>
+        <p:txBody>
+          <a:bodyPr/>
+          <a:lstStyle/>
+          <a:p>
+            <a:r>
+              <a:rPr lang="en-GB" dirty="0"/>
+              <a:t>This is a sprint report showing the story points over time.</a:t>
+            </a:r>
+          </a:p>
+        </p:txBody>
+      </p:sp>
+      <p:sp>
+        <p:nvSpPr>
+          <p:cNvPr id="4" name="Slide Number Placeholder 3"/>
+          <p:cNvSpPr>
+            <a:spLocks noGrp="1"/>
+          </p:cNvSpPr>
+          <p:nvPr>
+            <p:ph type="sldNum" sz="quarter" idx="5"/>
+          </p:nvPr>
+        </p:nvSpPr>
+        <p:spPr/>
+        <p:txBody>
+          <a:bodyPr/>
+          <a:lstStyle/>
+          <a:p>
+            <a:fld id="{B72EBEC0-C36F-4B74-860E-91A95937ACAB}" type="slidenum">
+              <a:rPr lang="en-GB" smtClean="0"/>
+              <a:t>13</a:t>
+            </a:fld>
+            <a:endParaRPr lang="en-GB"/>
+          </a:p>
+        </p:txBody>
+      </p:sp>
+    </p:spTree>
+    <p:extLst>
+      <p:ext uri="{BB962C8B-B14F-4D97-AF65-F5344CB8AC3E}">
+        <p14:creationId xmlns:p14="http://schemas.microsoft.com/office/powerpoint/2010/main" val="1742032921"/>
+      </p:ext>
+    </p:extLst>
+  </p:cSld>
+  <p:clrMapOvr>
+    <a:masterClrMapping/>
+  </p:clrMapOvr>
+</p:notes>
+</file>
+
+<file path=ppt/notesSlides/notesSlide14.xml><?xml version="1.0" encoding="utf-8"?>
+<p:notes xmlns:a="http://schemas.openxmlformats.org/drawingml/2006/main" xmlns:r="http://schemas.openxmlformats.org/officeDocument/2006/relationships" xmlns:p="http://schemas.openxmlformats.org/presentationml/2006/main">
+  <p:cSld>
+    <p:spTree>
+      <p:nvGrpSpPr>
+        <p:cNvPr id="1" name=""/>
+        <p:cNvGrpSpPr/>
+        <p:nvPr/>
+      </p:nvGrpSpPr>
+      <p:grpSpPr>
+        <a:xfrm>
+          <a:off x="0" y="0"/>
+          <a:ext cx="0" cy="0"/>
+          <a:chOff x="0" y="0"/>
+          <a:chExt cx="0" cy="0"/>
+        </a:xfrm>
+      </p:grpSpPr>
+      <p:sp>
+        <p:nvSpPr>
+          <p:cNvPr id="2" name="Slide Image Placeholder 1"/>
+          <p:cNvSpPr>
+            <a:spLocks noGrp="1" noRot="1" noChangeAspect="1"/>
+          </p:cNvSpPr>
+          <p:nvPr>
+            <p:ph type="sldImg"/>
+          </p:nvPr>
+        </p:nvSpPr>
+        <p:spPr/>
+      </p:sp>
+      <p:sp>
+        <p:nvSpPr>
+          <p:cNvPr id="3" name="Notes Placeholder 2"/>
+          <p:cNvSpPr>
+            <a:spLocks noGrp="1"/>
+          </p:cNvSpPr>
+          <p:nvPr>
+            <p:ph type="body" idx="1"/>
+          </p:nvPr>
+        </p:nvSpPr>
+        <p:spPr/>
+        <p:txBody>
+          <a:bodyPr/>
+          <a:lstStyle/>
+          <a:p>
+            <a:r>
+              <a:rPr lang="en-GB" dirty="0"/>
+              <a:t>This is a sprint status report, showing the completed or completed stories and their relevant assignments</a:t>
+            </a:r>
+          </a:p>
+        </p:txBody>
+      </p:sp>
+      <p:sp>
+        <p:nvSpPr>
+          <p:cNvPr id="4" name="Slide Number Placeholder 3"/>
+          <p:cNvSpPr>
+            <a:spLocks noGrp="1"/>
+          </p:cNvSpPr>
+          <p:nvPr>
+            <p:ph type="sldNum" sz="quarter" idx="5"/>
+          </p:nvPr>
+        </p:nvSpPr>
+        <p:spPr/>
+        <p:txBody>
+          <a:bodyPr/>
+          <a:lstStyle/>
+          <a:p>
+            <a:fld id="{B72EBEC0-C36F-4B74-860E-91A95937ACAB}" type="slidenum">
+              <a:rPr lang="en-GB" smtClean="0"/>
+              <a:t>14</a:t>
+            </a:fld>
+            <a:endParaRPr lang="en-GB"/>
+          </a:p>
+        </p:txBody>
+      </p:sp>
+    </p:spTree>
+    <p:extLst>
+      <p:ext uri="{BB962C8B-B14F-4D97-AF65-F5344CB8AC3E}">
+        <p14:creationId xmlns:p14="http://schemas.microsoft.com/office/powerpoint/2010/main" val="2939486689"/>
+      </p:ext>
+    </p:extLst>
+  </p:cSld>
+  <p:clrMapOvr>
+    <a:masterClrMapping/>
+  </p:clrMapOvr>
+</p:notes>
+</file>
+
+<file path=ppt/notesSlides/notesSlide15.xml><?xml version="1.0" encoding="utf-8"?>
+<p:notes xmlns:a="http://schemas.openxmlformats.org/drawingml/2006/main" xmlns:r="http://schemas.openxmlformats.org/officeDocument/2006/relationships" xmlns:p="http://schemas.openxmlformats.org/presentationml/2006/main">
+  <p:cSld>
+    <p:spTree>
+      <p:nvGrpSpPr>
+        <p:cNvPr id="1" name=""/>
+        <p:cNvGrpSpPr/>
+        <p:nvPr/>
+      </p:nvGrpSpPr>
+      <p:grpSpPr>
+        <a:xfrm>
+          <a:off x="0" y="0"/>
+          <a:ext cx="0" cy="0"/>
+          <a:chOff x="0" y="0"/>
+          <a:chExt cx="0" cy="0"/>
+        </a:xfrm>
+      </p:grpSpPr>
+      <p:sp>
+        <p:nvSpPr>
+          <p:cNvPr id="2" name="Slide Image Placeholder 1"/>
+          <p:cNvSpPr>
+            <a:spLocks noGrp="1" noRot="1" noChangeAspect="1"/>
+          </p:cNvSpPr>
+          <p:nvPr>
+            <p:ph type="sldImg"/>
+          </p:nvPr>
+        </p:nvSpPr>
+        <p:spPr/>
+      </p:sp>
+      <p:sp>
+        <p:nvSpPr>
+          <p:cNvPr id="3" name="Notes Placeholder 2"/>
+          <p:cNvSpPr>
+            <a:spLocks noGrp="1"/>
+          </p:cNvSpPr>
+          <p:nvPr>
+            <p:ph type="body" idx="1"/>
+          </p:nvPr>
+        </p:nvSpPr>
+        <p:spPr/>
+        <p:txBody>
+          <a:bodyPr/>
+          <a:lstStyle/>
+          <a:p>
+            <a:r>
+              <a:rPr lang="en-GB" dirty="0"/>
+              <a:t>GitHub has been an integral component to this project, allowing for easily maintainable version control, and files tracking.</a:t>
+            </a:r>
+          </a:p>
+          <a:p>
+            <a:endParaRPr lang="en-GB" dirty="0"/>
+          </a:p>
+          <a:p>
+            <a:r>
+              <a:rPr lang="en-GB" dirty="0"/>
+              <a:t>I have used GitHub regularly throughout the project, and the entire flow of the project should be visible throughout the commit history graph.</a:t>
+            </a:r>
+          </a:p>
+        </p:txBody>
+      </p:sp>
+      <p:sp>
+        <p:nvSpPr>
+          <p:cNvPr id="4" name="Slide Number Placeholder 3"/>
+          <p:cNvSpPr>
+            <a:spLocks noGrp="1"/>
+          </p:cNvSpPr>
+          <p:nvPr>
+            <p:ph type="sldNum" sz="quarter" idx="5"/>
+          </p:nvPr>
+        </p:nvSpPr>
+        <p:spPr/>
+        <p:txBody>
+          <a:bodyPr/>
+          <a:lstStyle/>
+          <a:p>
+            <a:fld id="{B72EBEC0-C36F-4B74-860E-91A95937ACAB}" type="slidenum">
+              <a:rPr lang="en-GB" smtClean="0"/>
+              <a:t>15</a:t>
+            </a:fld>
+            <a:endParaRPr lang="en-GB"/>
+          </a:p>
+        </p:txBody>
+      </p:sp>
+    </p:spTree>
+    <p:extLst>
+      <p:ext uri="{BB962C8B-B14F-4D97-AF65-F5344CB8AC3E}">
+        <p14:creationId xmlns:p14="http://schemas.microsoft.com/office/powerpoint/2010/main" val="2416146818"/>
+      </p:ext>
+    </p:extLst>
+  </p:cSld>
+  <p:clrMapOvr>
+    <a:masterClrMapping/>
+  </p:clrMapOvr>
+</p:notes>
+</file>
+
+<file path=ppt/notesSlides/notesSlide16.xml><?xml version="1.0" encoding="utf-8"?>
+<p:notes xmlns:a="http://schemas.openxmlformats.org/drawingml/2006/main" xmlns:r="http://schemas.openxmlformats.org/officeDocument/2006/relationships" xmlns:p="http://schemas.openxmlformats.org/presentationml/2006/main">
+  <p:cSld>
+    <p:spTree>
+      <p:nvGrpSpPr>
+        <p:cNvPr id="1" name=""/>
+        <p:cNvGrpSpPr/>
+        <p:nvPr/>
+      </p:nvGrpSpPr>
+      <p:grpSpPr>
+        <a:xfrm>
+          <a:off x="0" y="0"/>
+          <a:ext cx="0" cy="0"/>
+          <a:chOff x="0" y="0"/>
+          <a:chExt cx="0" cy="0"/>
+        </a:xfrm>
+      </p:grpSpPr>
+      <p:sp>
+        <p:nvSpPr>
+          <p:cNvPr id="2" name="Slide Image Placeholder 1"/>
+          <p:cNvSpPr>
+            <a:spLocks noGrp="1" noRot="1" noChangeAspect="1"/>
+          </p:cNvSpPr>
+          <p:nvPr>
+            <p:ph type="sldImg"/>
+          </p:nvPr>
+        </p:nvSpPr>
+        <p:spPr/>
+      </p:sp>
+      <p:sp>
+        <p:nvSpPr>
+          <p:cNvPr id="3" name="Notes Placeholder 2"/>
+          <p:cNvSpPr>
+            <a:spLocks noGrp="1"/>
+          </p:cNvSpPr>
+          <p:nvPr>
+            <p:ph type="body" idx="1"/>
+          </p:nvPr>
+        </p:nvSpPr>
+        <p:spPr/>
+        <p:txBody>
+          <a:bodyPr/>
+          <a:lstStyle/>
+          <a:p>
+            <a:r>
+              <a:rPr lang="en-GB" dirty="0"/>
+              <a:t>I have attempted to utilise the full power of GitHub, making commits at the proper time, in the proper feature branches. </a:t>
+            </a:r>
+          </a:p>
+          <a:p>
+            <a:r>
+              <a:rPr lang="en-GB" dirty="0"/>
+              <a:t>This was particularly useful when ensuring that new implementation was compatible with the master code.</a:t>
+            </a:r>
+          </a:p>
+          <a:p>
+            <a:endParaRPr lang="en-GB" dirty="0"/>
+          </a:p>
+          <a:p>
+            <a:r>
+              <a:rPr lang="en-GB" dirty="0"/>
+              <a:t>GitHub allows for controlled commits of features through </a:t>
+            </a:r>
+            <a:r>
+              <a:rPr lang="en-GB" dirty="0" err="1"/>
+              <a:t>GitBash</a:t>
+            </a:r>
+            <a:r>
+              <a:rPr lang="en-GB" dirty="0"/>
+              <a:t>.</a:t>
+            </a:r>
+          </a:p>
+          <a:p>
+            <a:endParaRPr lang="en-GB" dirty="0"/>
+          </a:p>
+          <a:p>
+            <a:r>
+              <a:rPr lang="en-GB" dirty="0"/>
+              <a:t>This allows for projects to be worked on in tandem with other developers.</a:t>
+            </a:r>
+          </a:p>
+          <a:p>
+            <a:endParaRPr lang="en-GB" dirty="0"/>
+          </a:p>
+          <a:p>
+            <a:pPr marL="0" marR="0" lvl="0" indent="0" algn="l" defTabSz="914400" rtl="0" eaLnBrk="1" fontAlgn="auto" latinLnBrk="0" hangingPunct="1">
+              <a:lnSpc>
+                <a:spcPct val="100000"/>
+              </a:lnSpc>
+              <a:spcBef>
+                <a:spcPts val="0"/>
+              </a:spcBef>
+              <a:spcAft>
+                <a:spcPts val="0"/>
+              </a:spcAft>
+              <a:buClrTx/>
+              <a:buSzTx/>
+              <a:buFontTx/>
+              <a:buNone/>
+              <a:tabLst/>
+              <a:defRPr/>
+            </a:pPr>
+            <a:r>
+              <a:rPr lang="en-GB" dirty="0"/>
+              <a:t>The power of version control really shines when a version rollback is needed, and the previous can be simply pulled from GitHub.</a:t>
+            </a:r>
+          </a:p>
+          <a:p>
+            <a:endParaRPr lang="en-GB" dirty="0"/>
+          </a:p>
+          <a:p>
+            <a:endParaRPr lang="en-GB" dirty="0"/>
+          </a:p>
+          <a:p>
+            <a:endParaRPr lang="en-GB" dirty="0"/>
+          </a:p>
+        </p:txBody>
+      </p:sp>
+      <p:sp>
+        <p:nvSpPr>
+          <p:cNvPr id="4" name="Slide Number Placeholder 3"/>
+          <p:cNvSpPr>
+            <a:spLocks noGrp="1"/>
+          </p:cNvSpPr>
+          <p:nvPr>
+            <p:ph type="sldNum" sz="quarter" idx="5"/>
+          </p:nvPr>
+        </p:nvSpPr>
+        <p:spPr/>
+        <p:txBody>
+          <a:bodyPr/>
+          <a:lstStyle/>
+          <a:p>
+            <a:fld id="{B72EBEC0-C36F-4B74-860E-91A95937ACAB}" type="slidenum">
+              <a:rPr lang="en-GB" smtClean="0"/>
+              <a:t>16</a:t>
+            </a:fld>
+            <a:endParaRPr lang="en-GB"/>
+          </a:p>
+        </p:txBody>
+      </p:sp>
+    </p:spTree>
+    <p:extLst>
+      <p:ext uri="{BB962C8B-B14F-4D97-AF65-F5344CB8AC3E}">
+        <p14:creationId xmlns:p14="http://schemas.microsoft.com/office/powerpoint/2010/main" val="2266561343"/>
+      </p:ext>
+    </p:extLst>
+  </p:cSld>
+  <p:clrMapOvr>
+    <a:masterClrMapping/>
+  </p:clrMapOvr>
+</p:notes>
+</file>
+
+<file path=ppt/notesSlides/notesSlide17.xml><?xml version="1.0" encoding="utf-8"?>
+<p:notes xmlns:a="http://schemas.openxmlformats.org/drawingml/2006/main" xmlns:r="http://schemas.openxmlformats.org/officeDocument/2006/relationships" xmlns:p="http://schemas.openxmlformats.org/presentationml/2006/main">
+  <p:cSld>
+    <p:spTree>
+      <p:nvGrpSpPr>
+        <p:cNvPr id="1" name=""/>
+        <p:cNvGrpSpPr/>
+        <p:nvPr/>
+      </p:nvGrpSpPr>
+      <p:grpSpPr>
+        <a:xfrm>
+          <a:off x="0" y="0"/>
+          <a:ext cx="0" cy="0"/>
+          <a:chOff x="0" y="0"/>
+          <a:chExt cx="0" cy="0"/>
+        </a:xfrm>
+      </p:grpSpPr>
+      <p:sp>
+        <p:nvSpPr>
+          <p:cNvPr id="2" name="Slide Image Placeholder 1"/>
+          <p:cNvSpPr>
+            <a:spLocks noGrp="1" noRot="1" noChangeAspect="1"/>
+          </p:cNvSpPr>
+          <p:nvPr>
+            <p:ph type="sldImg"/>
+          </p:nvPr>
+        </p:nvSpPr>
+        <p:spPr/>
+      </p:sp>
+      <p:sp>
+        <p:nvSpPr>
+          <p:cNvPr id="3" name="Notes Placeholder 2"/>
+          <p:cNvSpPr>
+            <a:spLocks noGrp="1"/>
+          </p:cNvSpPr>
+          <p:nvPr>
+            <p:ph type="body" idx="1"/>
+          </p:nvPr>
+        </p:nvSpPr>
+        <p:spPr/>
+        <p:txBody>
+          <a:bodyPr/>
+          <a:lstStyle/>
+          <a:p>
+            <a:r>
+              <a:rPr lang="en-GB" dirty="0"/>
+              <a:t>This screenshot shows my </a:t>
+            </a:r>
+            <a:r>
+              <a:rPr lang="en-GB" dirty="0" err="1"/>
+              <a:t>github</a:t>
+            </a:r>
+            <a:r>
+              <a:rPr lang="en-GB" dirty="0"/>
+              <a:t> repository, which highlights the file structure that been implemented for the project. This allows me to maintain versions of my project documentation as well as my code.</a:t>
+            </a:r>
+          </a:p>
+        </p:txBody>
+      </p:sp>
+      <p:sp>
+        <p:nvSpPr>
+          <p:cNvPr id="4" name="Slide Number Placeholder 3"/>
+          <p:cNvSpPr>
+            <a:spLocks noGrp="1"/>
+          </p:cNvSpPr>
+          <p:nvPr>
+            <p:ph type="sldNum" sz="quarter" idx="5"/>
+          </p:nvPr>
+        </p:nvSpPr>
+        <p:spPr/>
+        <p:txBody>
+          <a:bodyPr/>
+          <a:lstStyle/>
+          <a:p>
+            <a:fld id="{B72EBEC0-C36F-4B74-860E-91A95937ACAB}" type="slidenum">
+              <a:rPr lang="en-GB" smtClean="0"/>
+              <a:t>17</a:t>
+            </a:fld>
+            <a:endParaRPr lang="en-GB"/>
+          </a:p>
+        </p:txBody>
+      </p:sp>
+    </p:spTree>
+    <p:extLst>
+      <p:ext uri="{BB962C8B-B14F-4D97-AF65-F5344CB8AC3E}">
+        <p14:creationId xmlns:p14="http://schemas.microsoft.com/office/powerpoint/2010/main" val="3019723630"/>
+      </p:ext>
+    </p:extLst>
+  </p:cSld>
+  <p:clrMapOvr>
+    <a:masterClrMapping/>
+  </p:clrMapOvr>
+</p:notes>
+</file>
+
+<file path=ppt/notesSlides/notesSlide18.xml><?xml version="1.0" encoding="utf-8"?>
+<p:notes xmlns:a="http://schemas.openxmlformats.org/drawingml/2006/main" xmlns:r="http://schemas.openxmlformats.org/officeDocument/2006/relationships" xmlns:p="http://schemas.openxmlformats.org/presentationml/2006/main">
+  <p:cSld>
+    <p:spTree>
+      <p:nvGrpSpPr>
+        <p:cNvPr id="1" name=""/>
+        <p:cNvGrpSpPr/>
+        <p:nvPr/>
+      </p:nvGrpSpPr>
+      <p:grpSpPr>
+        <a:xfrm>
+          <a:off x="0" y="0"/>
+          <a:ext cx="0" cy="0"/>
+          <a:chOff x="0" y="0"/>
+          <a:chExt cx="0" cy="0"/>
+        </a:xfrm>
+      </p:grpSpPr>
+      <p:sp>
+        <p:nvSpPr>
+          <p:cNvPr id="2" name="Slide Image Placeholder 1"/>
+          <p:cNvSpPr>
+            <a:spLocks noGrp="1" noRot="1" noChangeAspect="1"/>
+          </p:cNvSpPr>
+          <p:nvPr>
+            <p:ph type="sldImg"/>
+          </p:nvPr>
+        </p:nvSpPr>
+        <p:spPr/>
+      </p:sp>
+      <p:sp>
+        <p:nvSpPr>
+          <p:cNvPr id="3" name="Notes Placeholder 2"/>
+          <p:cNvSpPr>
+            <a:spLocks noGrp="1"/>
+          </p:cNvSpPr>
+          <p:nvPr>
+            <p:ph type="body" idx="1"/>
+          </p:nvPr>
+        </p:nvSpPr>
+        <p:spPr/>
+        <p:txBody>
+          <a:bodyPr/>
+          <a:lstStyle/>
+          <a:p>
+            <a:r>
+              <a:rPr lang="en-GB" dirty="0"/>
+              <a:t>The first timed I committed, I committed the item feature branch, and then merged that with develop branch.</a:t>
+            </a:r>
+          </a:p>
+          <a:p>
+            <a:endParaRPr lang="en-GB" dirty="0"/>
+          </a:p>
+          <a:p>
+            <a:r>
+              <a:rPr lang="en-GB" dirty="0"/>
+              <a:t>I then decided I wanted to work more on the item branch so I didn’t delete the branch, and committed and merged again further down the line. </a:t>
+            </a:r>
+          </a:p>
+          <a:p>
+            <a:endParaRPr lang="en-GB" dirty="0"/>
+          </a:p>
+          <a:p>
+            <a:r>
+              <a:rPr lang="en-GB" dirty="0"/>
+              <a:t>At this time I also created a Jira branch, and I was working on that at the same time.</a:t>
+            </a:r>
+          </a:p>
+          <a:p>
+            <a:endParaRPr lang="en-GB" dirty="0"/>
+          </a:p>
+          <a:p>
+            <a:r>
+              <a:rPr lang="en-GB" dirty="0"/>
+              <a:t>In the second image, I had finished what I had wanted to do with the orders branch, so I committed and merged. I then created a new branch to work on created some </a:t>
+            </a:r>
+            <a:r>
+              <a:rPr lang="en-GB" dirty="0" err="1"/>
+              <a:t>enums</a:t>
+            </a:r>
+            <a:r>
+              <a:rPr lang="en-GB" dirty="0"/>
+              <a:t> to clean up my code.</a:t>
+            </a:r>
+          </a:p>
+          <a:p>
+            <a:endParaRPr lang="en-GB" dirty="0"/>
+          </a:p>
+          <a:p>
+            <a:endParaRPr lang="en-GB" dirty="0"/>
+          </a:p>
+          <a:p>
+            <a:endParaRPr lang="en-GB" dirty="0"/>
+          </a:p>
+        </p:txBody>
+      </p:sp>
+      <p:sp>
+        <p:nvSpPr>
+          <p:cNvPr id="4" name="Slide Number Placeholder 3"/>
+          <p:cNvSpPr>
+            <a:spLocks noGrp="1"/>
+          </p:cNvSpPr>
+          <p:nvPr>
+            <p:ph type="sldNum" sz="quarter" idx="5"/>
+          </p:nvPr>
+        </p:nvSpPr>
+        <p:spPr/>
+        <p:txBody>
+          <a:bodyPr/>
+          <a:lstStyle/>
+          <a:p>
+            <a:fld id="{B72EBEC0-C36F-4B74-860E-91A95937ACAB}" type="slidenum">
+              <a:rPr lang="en-GB" smtClean="0"/>
+              <a:t>18</a:t>
+            </a:fld>
+            <a:endParaRPr lang="en-GB"/>
+          </a:p>
+        </p:txBody>
+      </p:sp>
+    </p:spTree>
+    <p:extLst>
+      <p:ext uri="{BB962C8B-B14F-4D97-AF65-F5344CB8AC3E}">
+        <p14:creationId xmlns:p14="http://schemas.microsoft.com/office/powerpoint/2010/main" val="1215781163"/>
+      </p:ext>
+    </p:extLst>
+  </p:cSld>
+  <p:clrMapOvr>
+    <a:masterClrMapping/>
+  </p:clrMapOvr>
+</p:notes>
+</file>
+
+<file path=ppt/notesSlides/notesSlide19.xml><?xml version="1.0" encoding="utf-8"?>
+<p:notes xmlns:a="http://schemas.openxmlformats.org/drawingml/2006/main" xmlns:r="http://schemas.openxmlformats.org/officeDocument/2006/relationships" xmlns:p="http://schemas.openxmlformats.org/presentationml/2006/main">
+  <p:cSld>
+    <p:spTree>
+      <p:nvGrpSpPr>
+        <p:cNvPr id="1" name=""/>
+        <p:cNvGrpSpPr/>
+        <p:nvPr/>
+      </p:nvGrpSpPr>
+      <p:grpSpPr>
+        <a:xfrm>
+          <a:off x="0" y="0"/>
+          <a:ext cx="0" cy="0"/>
+          <a:chOff x="0" y="0"/>
+          <a:chExt cx="0" cy="0"/>
+        </a:xfrm>
+      </p:grpSpPr>
+      <p:sp>
+        <p:nvSpPr>
+          <p:cNvPr id="2" name="Slide Image Placeholder 1"/>
+          <p:cNvSpPr>
+            <a:spLocks noGrp="1" noRot="1" noChangeAspect="1"/>
+          </p:cNvSpPr>
+          <p:nvPr>
+            <p:ph type="sldImg"/>
+          </p:nvPr>
+        </p:nvSpPr>
+        <p:spPr/>
+      </p:sp>
+      <p:sp>
+        <p:nvSpPr>
+          <p:cNvPr id="3" name="Notes Placeholder 2"/>
+          <p:cNvSpPr>
+            <a:spLocks noGrp="1"/>
+          </p:cNvSpPr>
+          <p:nvPr>
+            <p:ph type="body" idx="1"/>
+          </p:nvPr>
+        </p:nvSpPr>
+        <p:spPr/>
+        <p:txBody>
+          <a:bodyPr/>
+          <a:lstStyle/>
+          <a:p>
+            <a:r>
+              <a:rPr lang="en-GB"/>
+              <a:t>Around </a:t>
+            </a:r>
+            <a:r>
+              <a:rPr lang="en-GB" dirty="0"/>
+              <a:t>the middle of my project I started to utilise smart commits</a:t>
+            </a:r>
+          </a:p>
+        </p:txBody>
+      </p:sp>
+      <p:sp>
+        <p:nvSpPr>
+          <p:cNvPr id="4" name="Slide Number Placeholder 3"/>
+          <p:cNvSpPr>
+            <a:spLocks noGrp="1"/>
+          </p:cNvSpPr>
+          <p:nvPr>
+            <p:ph type="sldNum" sz="quarter" idx="5"/>
+          </p:nvPr>
+        </p:nvSpPr>
+        <p:spPr/>
+        <p:txBody>
+          <a:bodyPr/>
+          <a:lstStyle/>
+          <a:p>
+            <a:fld id="{B72EBEC0-C36F-4B74-860E-91A95937ACAB}" type="slidenum">
+              <a:rPr lang="en-GB" smtClean="0"/>
+              <a:t>19</a:t>
+            </a:fld>
+            <a:endParaRPr lang="en-GB"/>
+          </a:p>
+        </p:txBody>
+      </p:sp>
+    </p:spTree>
+    <p:extLst>
+      <p:ext uri="{BB962C8B-B14F-4D97-AF65-F5344CB8AC3E}">
+        <p14:creationId xmlns:p14="http://schemas.microsoft.com/office/powerpoint/2010/main" val="1205441361"/>
+      </p:ext>
+    </p:extLst>
+  </p:cSld>
+  <p:clrMapOvr>
+    <a:masterClrMapping/>
+  </p:clrMapOvr>
+</p:notes>
+</file>
+
+<file path=ppt/notesSlides/notesSlide2.xml><?xml version="1.0" encoding="utf-8"?>
+<p:notes xmlns:a="http://schemas.openxmlformats.org/drawingml/2006/main" xmlns:r="http://schemas.openxmlformats.org/officeDocument/2006/relationships" xmlns:p="http://schemas.openxmlformats.org/presentationml/2006/main">
+  <p:cSld>
+    <p:spTree>
+      <p:nvGrpSpPr>
+        <p:cNvPr id="1" name=""/>
+        <p:cNvGrpSpPr/>
+        <p:nvPr/>
+      </p:nvGrpSpPr>
+      <p:grpSpPr>
+        <a:xfrm>
+          <a:off x="0" y="0"/>
+          <a:ext cx="0" cy="0"/>
+          <a:chOff x="0" y="0"/>
+          <a:chExt cx="0" cy="0"/>
+        </a:xfrm>
+      </p:grpSpPr>
+      <p:sp>
+        <p:nvSpPr>
+          <p:cNvPr id="2" name="Slide Image Placeholder 1"/>
+          <p:cNvSpPr>
+            <a:spLocks noGrp="1" noRot="1" noChangeAspect="1"/>
+          </p:cNvSpPr>
+          <p:nvPr>
+            <p:ph type="sldImg"/>
+          </p:nvPr>
+        </p:nvSpPr>
+        <p:spPr/>
+      </p:sp>
+      <p:sp>
+        <p:nvSpPr>
+          <p:cNvPr id="3" name="Notes Placeholder 2"/>
+          <p:cNvSpPr>
+            <a:spLocks noGrp="1"/>
+          </p:cNvSpPr>
+          <p:nvPr>
+            <p:ph type="body" idx="1"/>
+          </p:nvPr>
+        </p:nvSpPr>
+        <p:spPr/>
+        <p:txBody>
+          <a:bodyPr/>
+          <a:lstStyle/>
+          <a:p>
+            <a:r>
+              <a:rPr lang="en-GB" dirty="0"/>
+              <a:t>When considering how I would approach progressing with the project, my first step was to create Entity Relationship Diagram which would depict the relationships and layouts of the database tables.</a:t>
+            </a:r>
+          </a:p>
+          <a:p>
+            <a:endParaRPr lang="en-GB" dirty="0"/>
+          </a:p>
+          <a:p>
+            <a:r>
+              <a:rPr lang="en-GB" dirty="0"/>
+              <a:t>This also describes the Key values present within each table, the data types and constraints applied to each value or column.</a:t>
+            </a:r>
+          </a:p>
+          <a:p>
+            <a:endParaRPr lang="en-GB" dirty="0"/>
+          </a:p>
+          <a:p>
+            <a:endParaRPr lang="en-GB" dirty="0"/>
+          </a:p>
+        </p:txBody>
+      </p:sp>
+      <p:sp>
+        <p:nvSpPr>
+          <p:cNvPr id="4" name="Slide Number Placeholder 3"/>
+          <p:cNvSpPr>
+            <a:spLocks noGrp="1"/>
+          </p:cNvSpPr>
+          <p:nvPr>
+            <p:ph type="sldNum" sz="quarter" idx="5"/>
+          </p:nvPr>
+        </p:nvSpPr>
+        <p:spPr/>
+        <p:txBody>
+          <a:bodyPr/>
+          <a:lstStyle/>
+          <a:p>
+            <a:fld id="{B72EBEC0-C36F-4B74-860E-91A95937ACAB}" type="slidenum">
+              <a:rPr lang="en-GB" smtClean="0"/>
+              <a:t>2</a:t>
+            </a:fld>
+            <a:endParaRPr lang="en-GB"/>
+          </a:p>
+        </p:txBody>
+      </p:sp>
+    </p:spTree>
+    <p:extLst>
+      <p:ext uri="{BB962C8B-B14F-4D97-AF65-F5344CB8AC3E}">
+        <p14:creationId xmlns:p14="http://schemas.microsoft.com/office/powerpoint/2010/main" val="3581604220"/>
+      </p:ext>
+    </p:extLst>
+  </p:cSld>
+  <p:clrMapOvr>
+    <a:masterClrMapping/>
+  </p:clrMapOvr>
+</p:notes>
+</file>
+
+<file path=ppt/notesSlides/notesSlide3.xml><?xml version="1.0" encoding="utf-8"?>
+<p:notes xmlns:a="http://schemas.openxmlformats.org/drawingml/2006/main" xmlns:r="http://schemas.openxmlformats.org/officeDocument/2006/relationships" xmlns:p="http://schemas.openxmlformats.org/presentationml/2006/main">
+  <p:cSld>
+    <p:spTree>
+      <p:nvGrpSpPr>
+        <p:cNvPr id="1" name=""/>
+        <p:cNvGrpSpPr/>
+        <p:nvPr/>
+      </p:nvGrpSpPr>
+      <p:grpSpPr>
+        <a:xfrm>
+          <a:off x="0" y="0"/>
+          <a:ext cx="0" cy="0"/>
+          <a:chOff x="0" y="0"/>
+          <a:chExt cx="0" cy="0"/>
+        </a:xfrm>
+      </p:grpSpPr>
+      <p:sp>
+        <p:nvSpPr>
+          <p:cNvPr id="2" name="Slide Image Placeholder 1"/>
+          <p:cNvSpPr>
+            <a:spLocks noGrp="1" noRot="1" noChangeAspect="1"/>
+          </p:cNvSpPr>
+          <p:nvPr>
+            <p:ph type="sldImg"/>
+          </p:nvPr>
+        </p:nvSpPr>
+        <p:spPr/>
+      </p:sp>
+      <p:sp>
+        <p:nvSpPr>
+          <p:cNvPr id="3" name="Notes Placeholder 2"/>
+          <p:cNvSpPr>
+            <a:spLocks noGrp="1"/>
+          </p:cNvSpPr>
+          <p:nvPr>
+            <p:ph type="body" idx="1"/>
+          </p:nvPr>
+        </p:nvSpPr>
+        <p:spPr/>
+        <p:txBody>
+          <a:bodyPr/>
+          <a:lstStyle/>
+          <a:p>
+            <a:r>
+              <a:rPr lang="en-GB" dirty="0"/>
+              <a:t>I then went on to considering how I would structure the project development moving forward.</a:t>
+            </a:r>
+          </a:p>
+          <a:p>
+            <a:endParaRPr lang="en-GB" dirty="0"/>
+          </a:p>
+          <a:p>
+            <a:r>
+              <a:rPr lang="en-GB" dirty="0"/>
+              <a:t>This meant creating a workflow to adhere to.</a:t>
+            </a:r>
+          </a:p>
+          <a:p>
+            <a:endParaRPr lang="en-GB" dirty="0"/>
+          </a:p>
+          <a:p>
+            <a:r>
+              <a:rPr lang="en-GB" dirty="0"/>
+              <a:t>I considered the key elements of the project and created a simple process flow that I would apply to each new implementation.</a:t>
+            </a:r>
+          </a:p>
+          <a:p>
+            <a:endParaRPr lang="en-GB" dirty="0"/>
+          </a:p>
+          <a:p>
+            <a:r>
+              <a:rPr lang="en-GB" dirty="0"/>
+              <a:t>For example,</a:t>
+            </a:r>
+          </a:p>
+          <a:p>
+            <a:r>
+              <a:rPr lang="en-GB" dirty="0"/>
+              <a:t>Adding items to the system.</a:t>
+            </a:r>
+          </a:p>
+          <a:p>
+            <a:endParaRPr lang="en-GB" dirty="0"/>
+          </a:p>
+          <a:p>
+            <a:r>
+              <a:rPr lang="en-GB" dirty="0"/>
+              <a:t>I created a user story, describing who would use it, what it would do, and why it would be done</a:t>
+            </a:r>
+          </a:p>
+          <a:p>
+            <a:endParaRPr lang="en-GB" dirty="0"/>
+          </a:p>
+          <a:p>
+            <a:r>
+              <a:rPr lang="en-GB" dirty="0"/>
+              <a:t>I then moved onto working on the actual code implementation.</a:t>
+            </a:r>
+          </a:p>
+          <a:p>
+            <a:endParaRPr lang="en-GB" dirty="0"/>
+          </a:p>
+          <a:p>
+            <a:r>
+              <a:rPr lang="en-GB" dirty="0"/>
+              <a:t>I then added, committed and pushed my changes to GitHub.</a:t>
+            </a:r>
+          </a:p>
+          <a:p>
+            <a:endParaRPr lang="en-GB" dirty="0"/>
+          </a:p>
+        </p:txBody>
+      </p:sp>
+      <p:sp>
+        <p:nvSpPr>
+          <p:cNvPr id="4" name="Slide Number Placeholder 3"/>
+          <p:cNvSpPr>
+            <a:spLocks noGrp="1"/>
+          </p:cNvSpPr>
+          <p:nvPr>
+            <p:ph type="sldNum" sz="quarter" idx="5"/>
+          </p:nvPr>
+        </p:nvSpPr>
+        <p:spPr/>
+        <p:txBody>
+          <a:bodyPr/>
+          <a:lstStyle/>
+          <a:p>
+            <a:fld id="{B72EBEC0-C36F-4B74-860E-91A95937ACAB}" type="slidenum">
+              <a:rPr lang="en-GB" smtClean="0"/>
+              <a:t>3</a:t>
+            </a:fld>
+            <a:endParaRPr lang="en-GB"/>
+          </a:p>
+        </p:txBody>
+      </p:sp>
+    </p:spTree>
+    <p:extLst>
+      <p:ext uri="{BB962C8B-B14F-4D97-AF65-F5344CB8AC3E}">
+        <p14:creationId xmlns:p14="http://schemas.microsoft.com/office/powerpoint/2010/main" val="933989913"/>
+      </p:ext>
+    </p:extLst>
+  </p:cSld>
+  <p:clrMapOvr>
+    <a:masterClrMapping/>
+  </p:clrMapOvr>
+</p:notes>
+</file>
+
+<file path=ppt/notesSlides/notesSlide4.xml><?xml version="1.0" encoding="utf-8"?>
+<p:notes xmlns:a="http://schemas.openxmlformats.org/drawingml/2006/main" xmlns:r="http://schemas.openxmlformats.org/officeDocument/2006/relationships" xmlns:p="http://schemas.openxmlformats.org/presentationml/2006/main">
+  <p:cSld>
+    <p:spTree>
+      <p:nvGrpSpPr>
+        <p:cNvPr id="1" name=""/>
+        <p:cNvGrpSpPr/>
+        <p:nvPr/>
+      </p:nvGrpSpPr>
+      <p:grpSpPr>
+        <a:xfrm>
+          <a:off x="0" y="0"/>
+          <a:ext cx="0" cy="0"/>
+          <a:chOff x="0" y="0"/>
+          <a:chExt cx="0" cy="0"/>
+        </a:xfrm>
+      </p:grpSpPr>
+      <p:sp>
+        <p:nvSpPr>
+          <p:cNvPr id="2" name="Slide Image Placeholder 1"/>
+          <p:cNvSpPr>
+            <a:spLocks noGrp="1" noRot="1" noChangeAspect="1"/>
+          </p:cNvSpPr>
+          <p:nvPr>
+            <p:ph type="sldImg"/>
+          </p:nvPr>
+        </p:nvSpPr>
+        <p:spPr/>
+      </p:sp>
+      <p:sp>
+        <p:nvSpPr>
+          <p:cNvPr id="3" name="Notes Placeholder 2"/>
+          <p:cNvSpPr>
+            <a:spLocks noGrp="1"/>
+          </p:cNvSpPr>
+          <p:nvPr>
+            <p:ph type="body" idx="1"/>
+          </p:nvPr>
+        </p:nvSpPr>
+        <p:spPr/>
+        <p:txBody>
+          <a:bodyPr/>
+          <a:lstStyle/>
+          <a:p>
+            <a:r>
+              <a:rPr lang="en-GB" dirty="0"/>
+              <a:t>This is a screenshot of the first draft of my Jira board where I have added user stories to their relevant epics.</a:t>
+            </a:r>
+          </a:p>
+          <a:p>
+            <a:endParaRPr lang="en-GB" dirty="0"/>
+          </a:p>
+          <a:p>
+            <a:r>
+              <a:rPr lang="en-GB" dirty="0"/>
+              <a:t>This was used to map out the base functionality that I wanted to implement into the program, along with non-code related tasks. For example, creating a risk assessment. </a:t>
+            </a:r>
+          </a:p>
+          <a:p>
+            <a:endParaRPr lang="en-GB" dirty="0"/>
+          </a:p>
+          <a:p>
+            <a:endParaRPr lang="en-GB" dirty="0"/>
+          </a:p>
+        </p:txBody>
+      </p:sp>
+      <p:sp>
+        <p:nvSpPr>
+          <p:cNvPr id="4" name="Slide Number Placeholder 3"/>
+          <p:cNvSpPr>
+            <a:spLocks noGrp="1"/>
+          </p:cNvSpPr>
+          <p:nvPr>
+            <p:ph type="sldNum" sz="quarter" idx="5"/>
+          </p:nvPr>
+        </p:nvSpPr>
+        <p:spPr/>
+        <p:txBody>
+          <a:bodyPr/>
+          <a:lstStyle/>
+          <a:p>
+            <a:fld id="{B72EBEC0-C36F-4B74-860E-91A95937ACAB}" type="slidenum">
+              <a:rPr lang="en-GB" smtClean="0"/>
+              <a:t>4</a:t>
+            </a:fld>
+            <a:endParaRPr lang="en-GB"/>
+          </a:p>
+        </p:txBody>
+      </p:sp>
+    </p:spTree>
+    <p:extLst>
+      <p:ext uri="{BB962C8B-B14F-4D97-AF65-F5344CB8AC3E}">
+        <p14:creationId xmlns:p14="http://schemas.microsoft.com/office/powerpoint/2010/main" val="701636230"/>
+      </p:ext>
+    </p:extLst>
+  </p:cSld>
+  <p:clrMapOvr>
+    <a:masterClrMapping/>
+  </p:clrMapOvr>
+</p:notes>
+</file>
+
+<file path=ppt/notesSlides/notesSlide5.xml><?xml version="1.0" encoding="utf-8"?>
+<p:notes xmlns:a="http://schemas.openxmlformats.org/drawingml/2006/main" xmlns:r="http://schemas.openxmlformats.org/officeDocument/2006/relationships" xmlns:p="http://schemas.openxmlformats.org/presentationml/2006/main">
+  <p:cSld>
+    <p:spTree>
+      <p:nvGrpSpPr>
+        <p:cNvPr id="1" name=""/>
+        <p:cNvGrpSpPr/>
+        <p:nvPr/>
+      </p:nvGrpSpPr>
+      <p:grpSpPr>
+        <a:xfrm>
+          <a:off x="0" y="0"/>
+          <a:ext cx="0" cy="0"/>
+          <a:chOff x="0" y="0"/>
+          <a:chExt cx="0" cy="0"/>
+        </a:xfrm>
+      </p:grpSpPr>
+      <p:sp>
+        <p:nvSpPr>
+          <p:cNvPr id="2" name="Slide Image Placeholder 1"/>
+          <p:cNvSpPr>
+            <a:spLocks noGrp="1" noRot="1" noChangeAspect="1"/>
+          </p:cNvSpPr>
+          <p:nvPr>
+            <p:ph type="sldImg"/>
+          </p:nvPr>
+        </p:nvSpPr>
+        <p:spPr/>
+      </p:sp>
+      <p:sp>
+        <p:nvSpPr>
+          <p:cNvPr id="3" name="Notes Placeholder 2"/>
+          <p:cNvSpPr>
+            <a:spLocks noGrp="1"/>
+          </p:cNvSpPr>
+          <p:nvPr>
+            <p:ph type="body" idx="1"/>
+          </p:nvPr>
+        </p:nvSpPr>
+        <p:spPr/>
+        <p:txBody>
+          <a:bodyPr/>
+          <a:lstStyle/>
+          <a:p>
+            <a:r>
+              <a:rPr lang="en-GB" dirty="0"/>
+              <a:t>When I was considering how to approach developing the code for a requirement, I broke each task down into smaller tasks, figuring out how the logical flow would work.</a:t>
+            </a:r>
+          </a:p>
+          <a:p>
+            <a:r>
+              <a:rPr lang="en-GB" dirty="0"/>
+              <a:t> So, back to the Add Item example. The first thing that I need to be able to do is take in a user input. </a:t>
+            </a:r>
+          </a:p>
+          <a:p>
+            <a:endParaRPr lang="en-GB" dirty="0"/>
+          </a:p>
+          <a:p>
+            <a:r>
+              <a:rPr lang="en-GB" dirty="0"/>
+              <a:t>After capturing the input, this was passed through the </a:t>
+            </a:r>
+            <a:r>
+              <a:rPr lang="en-GB" dirty="0" err="1"/>
+              <a:t>ItemController</a:t>
+            </a:r>
+            <a:r>
+              <a:rPr lang="en-GB" dirty="0"/>
+              <a:t> create function.</a:t>
+            </a:r>
+          </a:p>
+          <a:p>
+            <a:endParaRPr lang="en-GB" dirty="0"/>
+          </a:p>
+          <a:p>
+            <a:r>
+              <a:rPr lang="en-GB" dirty="0"/>
+              <a:t>Which was then passed through to the </a:t>
+            </a:r>
+            <a:r>
+              <a:rPr lang="en-GB" dirty="0" err="1"/>
+              <a:t>ItemDAO</a:t>
+            </a:r>
+            <a:r>
+              <a:rPr lang="en-GB" dirty="0"/>
+              <a:t>, which executed the relevant SQL query.</a:t>
+            </a:r>
+          </a:p>
+          <a:p>
+            <a:endParaRPr lang="en-GB" dirty="0"/>
+          </a:p>
+          <a:p>
+            <a:r>
+              <a:rPr lang="en-GB" dirty="0"/>
+              <a:t>Which then returned a created Item Object with the respective values applied.</a:t>
+            </a:r>
+          </a:p>
+        </p:txBody>
+      </p:sp>
+      <p:sp>
+        <p:nvSpPr>
+          <p:cNvPr id="4" name="Slide Number Placeholder 3"/>
+          <p:cNvSpPr>
+            <a:spLocks noGrp="1"/>
+          </p:cNvSpPr>
+          <p:nvPr>
+            <p:ph type="sldNum" sz="quarter" idx="5"/>
+          </p:nvPr>
+        </p:nvSpPr>
+        <p:spPr/>
+        <p:txBody>
+          <a:bodyPr/>
+          <a:lstStyle/>
+          <a:p>
+            <a:fld id="{B72EBEC0-C36F-4B74-860E-91A95937ACAB}" type="slidenum">
+              <a:rPr lang="en-GB" smtClean="0"/>
+              <a:t>5</a:t>
+            </a:fld>
+            <a:endParaRPr lang="en-GB"/>
+          </a:p>
+        </p:txBody>
+      </p:sp>
+    </p:spTree>
+    <p:extLst>
+      <p:ext uri="{BB962C8B-B14F-4D97-AF65-F5344CB8AC3E}">
+        <p14:creationId xmlns:p14="http://schemas.microsoft.com/office/powerpoint/2010/main" val="551552142"/>
+      </p:ext>
+    </p:extLst>
+  </p:cSld>
+  <p:clrMapOvr>
+    <a:masterClrMapping/>
+  </p:clrMapOvr>
+</p:notes>
+</file>
+
+<file path=ppt/notesSlides/notesSlide6.xml><?xml version="1.0" encoding="utf-8"?>
+<p:notes xmlns:a="http://schemas.openxmlformats.org/drawingml/2006/main" xmlns:r="http://schemas.openxmlformats.org/officeDocument/2006/relationships" xmlns:p="http://schemas.openxmlformats.org/presentationml/2006/main">
+  <p:cSld>
+    <p:spTree>
+      <p:nvGrpSpPr>
+        <p:cNvPr id="1" name=""/>
+        <p:cNvGrpSpPr/>
+        <p:nvPr/>
+      </p:nvGrpSpPr>
+      <p:grpSpPr>
+        <a:xfrm>
+          <a:off x="0" y="0"/>
+          <a:ext cx="0" cy="0"/>
+          <a:chOff x="0" y="0"/>
+          <a:chExt cx="0" cy="0"/>
+        </a:xfrm>
+      </p:grpSpPr>
+      <p:sp>
+        <p:nvSpPr>
+          <p:cNvPr id="2" name="Slide Image Placeholder 1"/>
+          <p:cNvSpPr>
+            <a:spLocks noGrp="1" noRot="1" noChangeAspect="1"/>
+          </p:cNvSpPr>
+          <p:nvPr>
+            <p:ph type="sldImg"/>
+          </p:nvPr>
+        </p:nvSpPr>
+        <p:spPr/>
+      </p:sp>
+      <p:sp>
+        <p:nvSpPr>
+          <p:cNvPr id="3" name="Notes Placeholder 2"/>
+          <p:cNvSpPr>
+            <a:spLocks noGrp="1"/>
+          </p:cNvSpPr>
+          <p:nvPr>
+            <p:ph type="body" idx="1"/>
+          </p:nvPr>
+        </p:nvSpPr>
+        <p:spPr/>
+        <p:txBody>
+          <a:bodyPr/>
+          <a:lstStyle/>
+          <a:p>
+            <a:r>
+              <a:rPr lang="en-GB" dirty="0"/>
+              <a:t>Over the next few slides I am going to cover the technologies that I have learnt over previous weeks, and how I used them within the scope of my project.</a:t>
+            </a:r>
+          </a:p>
+        </p:txBody>
+      </p:sp>
+      <p:sp>
+        <p:nvSpPr>
+          <p:cNvPr id="4" name="Slide Number Placeholder 3"/>
+          <p:cNvSpPr>
+            <a:spLocks noGrp="1"/>
+          </p:cNvSpPr>
+          <p:nvPr>
+            <p:ph type="sldNum" sz="quarter" idx="5"/>
+          </p:nvPr>
+        </p:nvSpPr>
+        <p:spPr/>
+        <p:txBody>
+          <a:bodyPr/>
+          <a:lstStyle/>
+          <a:p>
+            <a:fld id="{B72EBEC0-C36F-4B74-860E-91A95937ACAB}" type="slidenum">
+              <a:rPr lang="en-GB" smtClean="0"/>
+              <a:t>6</a:t>
+            </a:fld>
+            <a:endParaRPr lang="en-GB"/>
+          </a:p>
+        </p:txBody>
+      </p:sp>
+    </p:spTree>
+    <p:extLst>
+      <p:ext uri="{BB962C8B-B14F-4D97-AF65-F5344CB8AC3E}">
+        <p14:creationId xmlns:p14="http://schemas.microsoft.com/office/powerpoint/2010/main" val="4137721117"/>
+      </p:ext>
+    </p:extLst>
+  </p:cSld>
+  <p:clrMapOvr>
+    <a:masterClrMapping/>
+  </p:clrMapOvr>
+</p:notes>
+</file>
+
+<file path=ppt/notesSlides/notesSlide7.xml><?xml version="1.0" encoding="utf-8"?>
+<p:notes xmlns:a="http://schemas.openxmlformats.org/drawingml/2006/main" xmlns:r="http://schemas.openxmlformats.org/officeDocument/2006/relationships" xmlns:p="http://schemas.openxmlformats.org/presentationml/2006/main">
+  <p:cSld>
+    <p:spTree>
+      <p:nvGrpSpPr>
+        <p:cNvPr id="1" name=""/>
+        <p:cNvGrpSpPr/>
+        <p:nvPr/>
+      </p:nvGrpSpPr>
+      <p:grpSpPr>
+        <a:xfrm>
+          <a:off x="0" y="0"/>
+          <a:ext cx="0" cy="0"/>
+          <a:chOff x="0" y="0"/>
+          <a:chExt cx="0" cy="0"/>
+        </a:xfrm>
+      </p:grpSpPr>
+      <p:sp>
+        <p:nvSpPr>
+          <p:cNvPr id="2" name="Slide Image Placeholder 1"/>
+          <p:cNvSpPr>
+            <a:spLocks noGrp="1" noRot="1" noChangeAspect="1"/>
+          </p:cNvSpPr>
+          <p:nvPr>
+            <p:ph type="sldImg"/>
+          </p:nvPr>
+        </p:nvSpPr>
+        <p:spPr/>
+      </p:sp>
+      <p:sp>
+        <p:nvSpPr>
+          <p:cNvPr id="3" name="Notes Placeholder 2"/>
+          <p:cNvSpPr>
+            <a:spLocks noGrp="1"/>
+          </p:cNvSpPr>
+          <p:nvPr>
+            <p:ph type="body" idx="1"/>
+          </p:nvPr>
+        </p:nvSpPr>
+        <p:spPr/>
+        <p:txBody>
+          <a:bodyPr/>
+          <a:lstStyle/>
+          <a:p>
+            <a:r>
+              <a:rPr lang="en-GB" dirty="0"/>
+              <a:t>Eclipse has been the heart of this project, where all of my code development and implementation of my project planning has come to life. </a:t>
+            </a:r>
+          </a:p>
+          <a:p>
+            <a:endParaRPr lang="en-GB" dirty="0"/>
+          </a:p>
+          <a:p>
+            <a:r>
+              <a:rPr lang="en-GB" dirty="0"/>
+              <a:t>Java is the language used to develop this project, and there are many techniques and principles that I have recently learnt that I have applied to the project.</a:t>
+            </a:r>
+          </a:p>
+        </p:txBody>
+      </p:sp>
+      <p:sp>
+        <p:nvSpPr>
+          <p:cNvPr id="4" name="Slide Number Placeholder 3"/>
+          <p:cNvSpPr>
+            <a:spLocks noGrp="1"/>
+          </p:cNvSpPr>
+          <p:nvPr>
+            <p:ph type="sldNum" sz="quarter" idx="5"/>
+          </p:nvPr>
+        </p:nvSpPr>
+        <p:spPr/>
+        <p:txBody>
+          <a:bodyPr/>
+          <a:lstStyle/>
+          <a:p>
+            <a:fld id="{B72EBEC0-C36F-4B74-860E-91A95937ACAB}" type="slidenum">
+              <a:rPr lang="en-GB" smtClean="0"/>
+              <a:t>7</a:t>
+            </a:fld>
+            <a:endParaRPr lang="en-GB"/>
+          </a:p>
+        </p:txBody>
+      </p:sp>
+    </p:spTree>
+    <p:extLst>
+      <p:ext uri="{BB962C8B-B14F-4D97-AF65-F5344CB8AC3E}">
+        <p14:creationId xmlns:p14="http://schemas.microsoft.com/office/powerpoint/2010/main" val="1387064594"/>
+      </p:ext>
+    </p:extLst>
+  </p:cSld>
+  <p:clrMapOvr>
+    <a:masterClrMapping/>
+  </p:clrMapOvr>
+</p:notes>
+</file>
+
+<file path=ppt/notesSlides/notesSlide8.xml><?xml version="1.0" encoding="utf-8"?>
+<p:notes xmlns:a="http://schemas.openxmlformats.org/drawingml/2006/main" xmlns:r="http://schemas.openxmlformats.org/officeDocument/2006/relationships" xmlns:p="http://schemas.openxmlformats.org/presentationml/2006/main">
+  <p:cSld>
+    <p:spTree>
+      <p:nvGrpSpPr>
+        <p:cNvPr id="1" name=""/>
+        <p:cNvGrpSpPr/>
+        <p:nvPr/>
+      </p:nvGrpSpPr>
+      <p:grpSpPr>
+        <a:xfrm>
+          <a:off x="0" y="0"/>
+          <a:ext cx="0" cy="0"/>
+          <a:chOff x="0" y="0"/>
+          <a:chExt cx="0" cy="0"/>
+        </a:xfrm>
+      </p:grpSpPr>
+      <p:sp>
+        <p:nvSpPr>
+          <p:cNvPr id="2" name="Slide Image Placeholder 1"/>
+          <p:cNvSpPr>
+            <a:spLocks noGrp="1" noRot="1" noChangeAspect="1"/>
+          </p:cNvSpPr>
+          <p:nvPr>
+            <p:ph type="sldImg"/>
+          </p:nvPr>
+        </p:nvSpPr>
+        <p:spPr/>
+      </p:sp>
+      <p:sp>
+        <p:nvSpPr>
+          <p:cNvPr id="3" name="Notes Placeholder 2"/>
+          <p:cNvSpPr>
+            <a:spLocks noGrp="1"/>
+          </p:cNvSpPr>
+          <p:nvPr>
+            <p:ph type="body" idx="1"/>
+          </p:nvPr>
+        </p:nvSpPr>
+        <p:spPr/>
+        <p:txBody>
+          <a:bodyPr/>
+          <a:lstStyle/>
+          <a:p>
+            <a:pPr marL="0" marR="0" lvl="0" indent="0" algn="l" defTabSz="914400" rtl="0" eaLnBrk="1" fontAlgn="auto" latinLnBrk="0" hangingPunct="1">
+              <a:lnSpc>
+                <a:spcPct val="100000"/>
+              </a:lnSpc>
+              <a:spcBef>
+                <a:spcPts val="0"/>
+              </a:spcBef>
+              <a:spcAft>
+                <a:spcPts val="0"/>
+              </a:spcAft>
+              <a:buClrTx/>
+              <a:buSzTx/>
+              <a:buFontTx/>
+              <a:buNone/>
+              <a:tabLst/>
+              <a:defRPr/>
+            </a:pPr>
+            <a:r>
+              <a:rPr lang="en-GB" dirty="0"/>
+              <a:t>The OOP principles are a very powerful tool that can be used, to create elegant and efficient code. They are applied to many languages, including Java. I have attempted to stick to the OOP principles throughout my project, making understandable, clean and efficient code under this structure.</a:t>
+            </a:r>
+          </a:p>
+          <a:p>
+            <a:endParaRPr lang="en-GB" dirty="0"/>
+          </a:p>
+        </p:txBody>
+      </p:sp>
+      <p:sp>
+        <p:nvSpPr>
+          <p:cNvPr id="4" name="Slide Number Placeholder 3"/>
+          <p:cNvSpPr>
+            <a:spLocks noGrp="1"/>
+          </p:cNvSpPr>
+          <p:nvPr>
+            <p:ph type="sldNum" sz="quarter" idx="5"/>
+          </p:nvPr>
+        </p:nvSpPr>
+        <p:spPr/>
+        <p:txBody>
+          <a:bodyPr/>
+          <a:lstStyle/>
+          <a:p>
+            <a:fld id="{B72EBEC0-C36F-4B74-860E-91A95937ACAB}" type="slidenum">
+              <a:rPr lang="en-GB" smtClean="0"/>
+              <a:t>8</a:t>
+            </a:fld>
+            <a:endParaRPr lang="en-GB"/>
+          </a:p>
+        </p:txBody>
+      </p:sp>
+    </p:spTree>
+    <p:extLst>
+      <p:ext uri="{BB962C8B-B14F-4D97-AF65-F5344CB8AC3E}">
+        <p14:creationId xmlns:p14="http://schemas.microsoft.com/office/powerpoint/2010/main" val="2142565325"/>
+      </p:ext>
+    </p:extLst>
+  </p:cSld>
+  <p:clrMapOvr>
+    <a:masterClrMapping/>
+  </p:clrMapOvr>
+</p:notes>
+</file>
+
+<file path=ppt/notesSlides/notesSlide9.xml><?xml version="1.0" encoding="utf-8"?>
+<p:notes xmlns:a="http://schemas.openxmlformats.org/drawingml/2006/main" xmlns:r="http://schemas.openxmlformats.org/officeDocument/2006/relationships" xmlns:p="http://schemas.openxmlformats.org/presentationml/2006/main">
+  <p:cSld>
+    <p:spTree>
+      <p:nvGrpSpPr>
+        <p:cNvPr id="1" name=""/>
+        <p:cNvGrpSpPr/>
+        <p:nvPr/>
+      </p:nvGrpSpPr>
+      <p:grpSpPr>
+        <a:xfrm>
+          <a:off x="0" y="0"/>
+          <a:ext cx="0" cy="0"/>
+          <a:chOff x="0" y="0"/>
+          <a:chExt cx="0" cy="0"/>
+        </a:xfrm>
+      </p:grpSpPr>
+      <p:sp>
+        <p:nvSpPr>
+          <p:cNvPr id="2" name="Slide Image Placeholder 1"/>
+          <p:cNvSpPr>
+            <a:spLocks noGrp="1" noRot="1" noChangeAspect="1"/>
+          </p:cNvSpPr>
+          <p:nvPr>
+            <p:ph type="sldImg"/>
+          </p:nvPr>
+        </p:nvSpPr>
+        <p:spPr/>
+      </p:sp>
+      <p:sp>
+        <p:nvSpPr>
+          <p:cNvPr id="3" name="Notes Placeholder 2"/>
+          <p:cNvSpPr>
+            <a:spLocks noGrp="1"/>
+          </p:cNvSpPr>
+          <p:nvPr>
+            <p:ph type="body" idx="1"/>
+          </p:nvPr>
+        </p:nvSpPr>
+        <p:spPr/>
+        <p:txBody>
+          <a:bodyPr/>
+          <a:lstStyle/>
+          <a:p>
+            <a:r>
+              <a:rPr lang="en-GB" dirty="0"/>
+              <a:t>I have attempted to apply SOLID principles throughout the entire development process of this project. </a:t>
+            </a:r>
+          </a:p>
+          <a:p>
+            <a:endParaRPr lang="en-GB" dirty="0"/>
+          </a:p>
+          <a:p>
+            <a:r>
+              <a:rPr lang="en-GB" dirty="0"/>
+              <a:t>Each class present within my project has singular responsibility.</a:t>
+            </a:r>
+          </a:p>
+          <a:p>
+            <a:endParaRPr lang="en-GB" dirty="0"/>
+          </a:p>
+          <a:p>
+            <a:r>
+              <a:rPr lang="en-GB" dirty="0"/>
+              <a:t>Each method within each class, is independent and does not rely on any other method, meaning that they could be used within a different class by another developer.</a:t>
+            </a:r>
+          </a:p>
+          <a:p>
+            <a:endParaRPr lang="en-GB" dirty="0"/>
+          </a:p>
+          <a:p>
+            <a:r>
+              <a:rPr lang="en-GB" dirty="0" err="1"/>
+              <a:t>Liskov</a:t>
+            </a:r>
+            <a:r>
+              <a:rPr lang="en-GB" dirty="0"/>
+              <a:t> substation couldn’t really be applied as there is no inheritance in this project, only implementations.</a:t>
+            </a:r>
+          </a:p>
+        </p:txBody>
+      </p:sp>
+      <p:sp>
+        <p:nvSpPr>
+          <p:cNvPr id="4" name="Slide Number Placeholder 3"/>
+          <p:cNvSpPr>
+            <a:spLocks noGrp="1"/>
+          </p:cNvSpPr>
+          <p:nvPr>
+            <p:ph type="sldNum" sz="quarter" idx="5"/>
+          </p:nvPr>
+        </p:nvSpPr>
+        <p:spPr/>
+        <p:txBody>
+          <a:bodyPr/>
+          <a:lstStyle/>
+          <a:p>
+            <a:fld id="{B72EBEC0-C36F-4B74-860E-91A95937ACAB}" type="slidenum">
+              <a:rPr lang="en-GB" smtClean="0"/>
+              <a:t>9</a:t>
+            </a:fld>
+            <a:endParaRPr lang="en-GB"/>
+          </a:p>
+        </p:txBody>
+      </p:sp>
+    </p:spTree>
+    <p:extLst>
+      <p:ext uri="{BB962C8B-B14F-4D97-AF65-F5344CB8AC3E}">
+        <p14:creationId xmlns:p14="http://schemas.microsoft.com/office/powerpoint/2010/main" val="532300926"/>
+      </p:ext>
+    </p:extLst>
+  </p:cSld>
+  <p:clrMapOvr>
+    <a:masterClrMapping/>
+  </p:clrMapOvr>
+</p:notes>
 </file>
 
 <file path=ppt/slideLayouts/slideLayout1.xml><?xml version="1.0" encoding="utf-8"?>
@@ -268,7 +2701,7 @@
           <a:p>
             <a:fld id="{AFC39FD6-B2C4-4902-B1AA-A7440901BD74}" type="datetimeFigureOut">
               <a:rPr lang="en-GB" smtClean="0"/>
-              <a:t>11/02/2021</a:t>
+              <a:t>12/02/2021</a:t>
             </a:fld>
             <a:endParaRPr lang="en-GB"/>
           </a:p>
@@ -479,7 +2912,7 @@
           <a:p>
             <a:fld id="{AFC39FD6-B2C4-4902-B1AA-A7440901BD74}" type="datetimeFigureOut">
               <a:rPr lang="en-GB" smtClean="0"/>
-              <a:t>11/02/2021</a:t>
+              <a:t>12/02/2021</a:t>
             </a:fld>
             <a:endParaRPr lang="en-GB"/>
           </a:p>
@@ -694,7 +3127,7 @@
           <a:p>
             <a:fld id="{AFC39FD6-B2C4-4902-B1AA-A7440901BD74}" type="datetimeFigureOut">
               <a:rPr lang="en-GB" smtClean="0"/>
-              <a:t>11/02/2021</a:t>
+              <a:t>12/02/2021</a:t>
             </a:fld>
             <a:endParaRPr lang="en-GB"/>
           </a:p>
@@ -895,7 +3328,7 @@
           <a:p>
             <a:fld id="{AFC39FD6-B2C4-4902-B1AA-A7440901BD74}" type="datetimeFigureOut">
               <a:rPr lang="en-GB" smtClean="0"/>
-              <a:t>11/02/2021</a:t>
+              <a:t>12/02/2021</a:t>
             </a:fld>
             <a:endParaRPr lang="en-GB"/>
           </a:p>
@@ -1174,7 +3607,7 @@
           <a:p>
             <a:fld id="{AFC39FD6-B2C4-4902-B1AA-A7440901BD74}" type="datetimeFigureOut">
               <a:rPr lang="en-GB" smtClean="0"/>
-              <a:t>11/02/2021</a:t>
+              <a:t>12/02/2021</a:t>
             </a:fld>
             <a:endParaRPr lang="en-GB"/>
           </a:p>
@@ -1442,7 +3875,7 @@
           <a:p>
             <a:fld id="{AFC39FD6-B2C4-4902-B1AA-A7440901BD74}" type="datetimeFigureOut">
               <a:rPr lang="en-GB" smtClean="0"/>
-              <a:t>11/02/2021</a:t>
+              <a:t>12/02/2021</a:t>
             </a:fld>
             <a:endParaRPr lang="en-GB"/>
           </a:p>
@@ -1858,7 +4291,7 @@
           <a:p>
             <a:fld id="{AFC39FD6-B2C4-4902-B1AA-A7440901BD74}" type="datetimeFigureOut">
               <a:rPr lang="en-GB" smtClean="0"/>
-              <a:t>11/02/2021</a:t>
+              <a:t>12/02/2021</a:t>
             </a:fld>
             <a:endParaRPr lang="en-GB"/>
           </a:p>
@@ -2007,7 +4440,7 @@
           <a:p>
             <a:fld id="{AFC39FD6-B2C4-4902-B1AA-A7440901BD74}" type="datetimeFigureOut">
               <a:rPr lang="en-GB" smtClean="0"/>
-              <a:t>11/02/2021</a:t>
+              <a:t>12/02/2021</a:t>
             </a:fld>
             <a:endParaRPr lang="en-GB"/>
           </a:p>
@@ -2133,7 +4566,7 @@
           <a:p>
             <a:fld id="{AFC39FD6-B2C4-4902-B1AA-A7440901BD74}" type="datetimeFigureOut">
               <a:rPr lang="en-GB" smtClean="0"/>
-              <a:t>11/02/2021</a:t>
+              <a:t>12/02/2021</a:t>
             </a:fld>
             <a:endParaRPr lang="en-GB"/>
           </a:p>
@@ -2384,7 +4817,7 @@
           <a:p>
             <a:fld id="{AFC39FD6-B2C4-4902-B1AA-A7440901BD74}" type="datetimeFigureOut">
               <a:rPr lang="en-GB" smtClean="0"/>
-              <a:t>11/02/2021</a:t>
+              <a:t>12/02/2021</a:t>
             </a:fld>
             <a:endParaRPr lang="en-GB"/>
           </a:p>
@@ -2829,7 +5262,7 @@
           <a:p>
             <a:fld id="{AFC39FD6-B2C4-4902-B1AA-A7440901BD74}" type="datetimeFigureOut">
               <a:rPr lang="en-GB" smtClean="0"/>
-              <a:t>11/02/2021</a:t>
+              <a:t>12/02/2021</a:t>
             </a:fld>
             <a:endParaRPr lang="en-GB"/>
           </a:p>
@@ -3156,7 +5589,7 @@
           <a:p>
             <a:fld id="{AFC39FD6-B2C4-4902-B1AA-A7440901BD74}" type="datetimeFigureOut">
               <a:rPr lang="en-GB" smtClean="0"/>
-              <a:t>11/02/2021</a:t>
+              <a:t>12/02/2021</a:t>
             </a:fld>
             <a:endParaRPr lang="en-GB"/>
           </a:p>
@@ -3665,7 +6098,7 @@
           <p:nvPr/>
         </p:nvPicPr>
         <p:blipFill rotWithShape="1">
-          <a:blip r:embed="rId2">
+          <a:blip r:embed="rId3">
             <a:alphaModFix amt="50000"/>
           </a:blip>
           <a:srcRect t="2971" r="-1" b="12757"/>
@@ -3773,30 +6206,6 @@
 <file path=ppt/slides/slide10.xml><?xml version="1.0" encoding="utf-8"?>
 <p:sld xmlns:a="http://schemas.openxmlformats.org/drawingml/2006/main" xmlns:r="http://schemas.openxmlformats.org/officeDocument/2006/relationships" xmlns:p="http://schemas.openxmlformats.org/presentationml/2006/main">
   <p:cSld>
-    <p:bg>
-      <p:bgPr>
-        <a:gradFill rotWithShape="1">
-          <a:gsLst>
-            <a:gs pos="0">
-              <a:schemeClr val="bg1">
-                <a:tint val="94000"/>
-                <a:satMod val="80000"/>
-                <a:lumMod val="106000"/>
-              </a:schemeClr>
-            </a:gs>
-            <a:gs pos="100000">
-              <a:schemeClr val="bg1">
-                <a:shade val="80000"/>
-              </a:schemeClr>
-            </a:gs>
-          </a:gsLst>
-          <a:path path="circle">
-            <a:fillToRect l="50000" t="50000" r="50000" b="50000"/>
-          </a:path>
-        </a:gradFill>
-        <a:effectLst/>
-      </p:bgPr>
-    </p:bg>
     <p:spTree>
       <p:nvGrpSpPr>
         <p:cNvPr id="1" name=""/>
@@ -3816,7 +6225,7 @@
           <p:cNvPr id="2" name="Title 1">
             <a:extLst>
               <a:ext uri="{FF2B5EF4-FFF2-40B4-BE49-F238E27FC236}">
-                <a16:creationId xmlns:a16="http://schemas.microsoft.com/office/drawing/2014/main" id="{86F0EB90-DDA1-48D5-8846-E4F86951E33A}"/>
+                <a16:creationId xmlns:a16="http://schemas.microsoft.com/office/drawing/2014/main" id="{4812175F-2B1E-47B1-B321-676A122B3CE6}"/>
               </a:ext>
             </a:extLst>
           </p:cNvPr>
@@ -3829,15 +6238,14 @@
         </p:nvSpPr>
         <p:spPr/>
         <p:txBody>
-          <a:bodyPr>
-            <a:normAutofit/>
-          </a:bodyPr>
-          <a:lstStyle/>
-          <a:p>
-            <a:r>
-              <a:rPr lang="en-GB" dirty="0"/>
-              <a:t>conclusion</a:t>
-            </a:r>
+          <a:bodyPr/>
+          <a:lstStyle/>
+          <a:p>
+            <a:r>
+              <a:rPr lang="en-GB" dirty="0" err="1"/>
+              <a:t>JiRA</a:t>
+            </a:r>
+            <a:endParaRPr lang="en-GB" dirty="0"/>
           </a:p>
         </p:txBody>
       </p:sp>
@@ -3846,7 +6254,7 @@
           <p:cNvPr id="3" name="Content Placeholder 2">
             <a:extLst>
               <a:ext uri="{FF2B5EF4-FFF2-40B4-BE49-F238E27FC236}">
-                <a16:creationId xmlns:a16="http://schemas.microsoft.com/office/drawing/2014/main" id="{DDC75F7A-14AB-4987-A3A0-F57A2ECF0348}"/>
+                <a16:creationId xmlns:a16="http://schemas.microsoft.com/office/drawing/2014/main" id="{150A81F1-20C5-4B34-A690-6F94A5743A93}"/>
               </a:ext>
             </a:extLst>
           </p:cNvPr>
@@ -3859,24 +6267,55 @@
         </p:nvSpPr>
         <p:spPr/>
         <p:txBody>
-          <a:bodyPr>
-            <a:normAutofit/>
-          </a:bodyPr>
-          <a:lstStyle/>
-          <a:p>
-            <a:endParaRPr lang="en-GB"/>
-          </a:p>
-        </p:txBody>
-      </p:sp>
+          <a:bodyPr/>
+          <a:lstStyle/>
+          <a:p>
+            <a:r>
+              <a:rPr lang="en-GB" dirty="0"/>
+              <a:t>Jira is a proprietary issue tracking product developed by Atlassian that allows bug tracking and agile project management.</a:t>
+            </a:r>
+          </a:p>
+        </p:txBody>
+      </p:sp>
+      <p:pic>
+        <p:nvPicPr>
+          <p:cNvPr id="5" name="Picture 4">
+            <a:extLst>
+              <a:ext uri="{FF2B5EF4-FFF2-40B4-BE49-F238E27FC236}">
+                <a16:creationId xmlns:a16="http://schemas.microsoft.com/office/drawing/2014/main" id="{CDC58AF9-ACAB-4551-8A87-D7D4B88B1909}"/>
+              </a:ext>
+            </a:extLst>
+          </p:cNvPr>
+          <p:cNvPicPr>
+            <a:picLocks noChangeAspect="1"/>
+          </p:cNvPicPr>
+          <p:nvPr/>
+        </p:nvPicPr>
+        <p:blipFill>
+          <a:blip r:embed="rId3"/>
+          <a:stretch>
+            <a:fillRect/>
+          </a:stretch>
+        </p:blipFill>
+        <p:spPr>
+          <a:xfrm>
+            <a:off x="8391496" y="4503137"/>
+            <a:ext cx="1943371" cy="666843"/>
+          </a:xfrm>
+          <a:prstGeom prst="rect">
+            <a:avLst/>
+          </a:prstGeom>
+        </p:spPr>
+      </p:pic>
     </p:spTree>
     <p:extLst>
       <p:ext uri="{BB962C8B-B14F-4D97-AF65-F5344CB8AC3E}">
-        <p14:creationId xmlns:p14="http://schemas.microsoft.com/office/powerpoint/2010/main" val="2198706130"/>
+        <p14:creationId xmlns:p14="http://schemas.microsoft.com/office/powerpoint/2010/main" val="1856450235"/>
       </p:ext>
     </p:extLst>
   </p:cSld>
   <p:clrMapOvr>
-    <a:overrideClrMapping bg1="dk1" tx1="lt1" bg2="dk2" tx2="lt2" accent1="accent1" accent2="accent2" accent3="accent3" accent4="accent4" accent5="accent5" accent6="accent6" hlink="hlink" folHlink="folHlink"/>
+    <a:masterClrMapping/>
   </p:clrMapOvr>
 </p:sld>
 </file>
@@ -3884,30 +6323,6 @@
 <file path=ppt/slides/slide11.xml><?xml version="1.0" encoding="utf-8"?>
 <p:sld xmlns:a="http://schemas.openxmlformats.org/drawingml/2006/main" xmlns:r="http://schemas.openxmlformats.org/officeDocument/2006/relationships" xmlns:p="http://schemas.openxmlformats.org/presentationml/2006/main">
   <p:cSld>
-    <p:bg>
-      <p:bgPr>
-        <a:gradFill rotWithShape="1">
-          <a:gsLst>
-            <a:gs pos="0">
-              <a:schemeClr val="bg1">
-                <a:tint val="94000"/>
-                <a:satMod val="80000"/>
-                <a:lumMod val="106000"/>
-              </a:schemeClr>
-            </a:gs>
-            <a:gs pos="100000">
-              <a:schemeClr val="bg1">
-                <a:shade val="80000"/>
-              </a:schemeClr>
-            </a:gs>
-          </a:gsLst>
-          <a:path path="circle">
-            <a:fillToRect l="50000" t="50000" r="50000" b="50000"/>
-          </a:path>
-        </a:gradFill>
-        <a:effectLst/>
-      </p:bgPr>
-    </p:bg>
     <p:spTree>
       <p:nvGrpSpPr>
         <p:cNvPr id="1" name=""/>
@@ -3927,7 +6342,7 @@
           <p:cNvPr id="2" name="Title 1">
             <a:extLst>
               <a:ext uri="{FF2B5EF4-FFF2-40B4-BE49-F238E27FC236}">
-                <a16:creationId xmlns:a16="http://schemas.microsoft.com/office/drawing/2014/main" id="{0C0D4EAF-DD59-430C-90A2-FEB303E30D3C}"/>
+                <a16:creationId xmlns:a16="http://schemas.microsoft.com/office/drawing/2014/main" id="{A616BB5C-C8A6-4F2D-B83F-E62B349D3DD5}"/>
               </a:ext>
             </a:extLst>
           </p:cNvPr>
@@ -3940,14 +6355,12 @@
         </p:nvSpPr>
         <p:spPr/>
         <p:txBody>
-          <a:bodyPr>
-            <a:normAutofit/>
-          </a:bodyPr>
-          <a:lstStyle/>
-          <a:p>
-            <a:r>
-              <a:rPr lang="en-GB" dirty="0"/>
-              <a:t>questions</a:t>
+          <a:bodyPr/>
+          <a:lstStyle/>
+          <a:p>
+            <a:r>
+              <a:rPr lang="en-GB" dirty="0"/>
+              <a:t>Jira uses	</a:t>
             </a:r>
           </a:p>
         </p:txBody>
@@ -3957,7 +6370,7 @@
           <p:cNvPr id="3" name="Content Placeholder 2">
             <a:extLst>
               <a:ext uri="{FF2B5EF4-FFF2-40B4-BE49-F238E27FC236}">
-                <a16:creationId xmlns:a16="http://schemas.microsoft.com/office/drawing/2014/main" id="{6827C1D9-0EAB-4CD6-BDAD-B3874A1671DA}"/>
+                <a16:creationId xmlns:a16="http://schemas.microsoft.com/office/drawing/2014/main" id="{696062EA-2DCB-4250-BC21-B1BBB8B44631}"/>
               </a:ext>
             </a:extLst>
           </p:cNvPr>
@@ -3970,24 +6383,49 @@
         </p:nvSpPr>
         <p:spPr/>
         <p:txBody>
-          <a:bodyPr>
-            <a:normAutofit/>
-          </a:bodyPr>
-          <a:lstStyle/>
-          <a:p>
-            <a:endParaRPr lang="en-GB" dirty="0"/>
+          <a:bodyPr/>
+          <a:lstStyle/>
+          <a:p>
+            <a:r>
+              <a:rPr lang="en-GB" dirty="0"/>
+              <a:t>Jira can be used simply, or in much more detail. For example,  a basic user story allows for a brief description of the task.</a:t>
+            </a:r>
+          </a:p>
+          <a:p>
+            <a:r>
+              <a:rPr lang="en-GB" dirty="0"/>
+              <a:t>Jira story points allow for effort-required values to applied to each task.</a:t>
+            </a:r>
+          </a:p>
+          <a:p>
+            <a:r>
+              <a:rPr lang="en-GB" dirty="0"/>
+              <a:t>Jira priority can be used to denote the urgency of the task.</a:t>
+            </a:r>
+          </a:p>
+          <a:p>
+            <a:r>
+              <a:rPr lang="en-GB" dirty="0"/>
+              <a:t>Descriptions can be added to communicate between members of the team, and to highlight issues.</a:t>
+            </a:r>
+          </a:p>
+          <a:p>
+            <a:r>
+              <a:rPr lang="en-GB" dirty="0"/>
+              <a:t>Smart commits when integrated with GitHub</a:t>
+            </a:r>
           </a:p>
         </p:txBody>
       </p:sp>
     </p:spTree>
     <p:extLst>
       <p:ext uri="{BB962C8B-B14F-4D97-AF65-F5344CB8AC3E}">
-        <p14:creationId xmlns:p14="http://schemas.microsoft.com/office/powerpoint/2010/main" val="3814576168"/>
+        <p14:creationId xmlns:p14="http://schemas.microsoft.com/office/powerpoint/2010/main" val="4216155714"/>
       </p:ext>
     </p:extLst>
   </p:cSld>
   <p:clrMapOvr>
-    <a:overrideClrMapping bg1="dk1" tx1="lt1" bg2="dk2" tx2="lt2" accent1="accent1" accent2="accent2" accent3="accent3" accent4="accent4" accent5="accent5" accent6="accent6" hlink="hlink" folHlink="folHlink"/>
+    <a:masterClrMapping/>
   </p:clrMapOvr>
 </p:sld>
 </file>
@@ -3995,30 +6433,6 @@
 <file path=ppt/slides/slide12.xml><?xml version="1.0" encoding="utf-8"?>
 <p:sld xmlns:a="http://schemas.openxmlformats.org/drawingml/2006/main" xmlns:r="http://schemas.openxmlformats.org/officeDocument/2006/relationships" xmlns:p="http://schemas.openxmlformats.org/presentationml/2006/main">
   <p:cSld>
-    <p:bg>
-      <p:bgPr>
-        <a:gradFill rotWithShape="1">
-          <a:gsLst>
-            <a:gs pos="0">
-              <a:schemeClr val="bg1">
-                <a:tint val="94000"/>
-                <a:satMod val="80000"/>
-                <a:lumMod val="106000"/>
-              </a:schemeClr>
-            </a:gs>
-            <a:gs pos="100000">
-              <a:schemeClr val="bg1">
-                <a:shade val="80000"/>
-              </a:schemeClr>
-            </a:gs>
-          </a:gsLst>
-          <a:path path="circle">
-            <a:fillToRect l="50000" t="50000" r="50000" b="50000"/>
-          </a:path>
-        </a:gradFill>
-        <a:effectLst/>
-      </p:bgPr>
-    </p:bg>
     <p:spTree>
       <p:nvGrpSpPr>
         <p:cNvPr id="1" name=""/>
@@ -4038,7 +6452,7 @@
           <p:cNvPr id="2" name="Title 1">
             <a:extLst>
               <a:ext uri="{FF2B5EF4-FFF2-40B4-BE49-F238E27FC236}">
-                <a16:creationId xmlns:a16="http://schemas.microsoft.com/office/drawing/2014/main" id="{1826DBF8-F135-436B-83B3-0243E987F36D}"/>
+                <a16:creationId xmlns:a16="http://schemas.microsoft.com/office/drawing/2014/main" id="{EFE31D06-6C37-43D2-9E6B-694F02C8575E}"/>
               </a:ext>
             </a:extLst>
           </p:cNvPr>
@@ -4051,51 +6465,114 @@
         </p:nvSpPr>
         <p:spPr/>
         <p:txBody>
-          <a:bodyPr>
-            <a:normAutofit/>
-          </a:bodyPr>
-          <a:lstStyle/>
-          <a:p>
-            <a:endParaRPr lang="en-GB"/>
-          </a:p>
-        </p:txBody>
-      </p:sp>
-      <p:sp>
-        <p:nvSpPr>
-          <p:cNvPr id="3" name="Content Placeholder 2">
+          <a:bodyPr/>
+          <a:lstStyle/>
+          <a:p>
+            <a:r>
+              <a:rPr lang="en-GB" dirty="0"/>
+              <a:t>JIRA User stories</a:t>
+            </a:r>
+          </a:p>
+        </p:txBody>
+      </p:sp>
+      <p:pic>
+        <p:nvPicPr>
+          <p:cNvPr id="11" name="Content Placeholder 10">
             <a:extLst>
               <a:ext uri="{FF2B5EF4-FFF2-40B4-BE49-F238E27FC236}">
-                <a16:creationId xmlns:a16="http://schemas.microsoft.com/office/drawing/2014/main" id="{38BB577B-C196-4313-9B42-B1B4465EC39E}"/>
+                <a16:creationId xmlns:a16="http://schemas.microsoft.com/office/drawing/2014/main" id="{DB6CB975-3BA6-4912-BA45-22F9D549FE49}"/>
               </a:ext>
             </a:extLst>
           </p:cNvPr>
-          <p:cNvSpPr>
-            <a:spLocks noGrp="1"/>
-          </p:cNvSpPr>
+          <p:cNvPicPr>
+            <a:picLocks noGrp="1" noChangeAspect="1"/>
+          </p:cNvPicPr>
           <p:nvPr>
             <p:ph idx="1"/>
           </p:nvPr>
-        </p:nvSpPr>
-        <p:spPr/>
-        <p:txBody>
-          <a:bodyPr>
-            <a:normAutofit/>
-          </a:bodyPr>
-          <a:lstStyle/>
-          <a:p>
-            <a:endParaRPr lang="en-GB"/>
-          </a:p>
-        </p:txBody>
-      </p:sp>
+        </p:nvPicPr>
+        <p:blipFill>
+          <a:blip r:embed="rId3"/>
+          <a:stretch>
+            <a:fillRect/>
+          </a:stretch>
+        </p:blipFill>
+        <p:spPr>
+          <a:xfrm>
+            <a:off x="1451579" y="2129141"/>
+            <a:ext cx="2447542" cy="3449638"/>
+          </a:xfrm>
+        </p:spPr>
+      </p:pic>
+      <p:pic>
+        <p:nvPicPr>
+          <p:cNvPr id="13" name="Picture 12">
+            <a:extLst>
+              <a:ext uri="{FF2B5EF4-FFF2-40B4-BE49-F238E27FC236}">
+                <a16:creationId xmlns:a16="http://schemas.microsoft.com/office/drawing/2014/main" id="{20743102-23F9-45CF-ABF9-0F239232406E}"/>
+              </a:ext>
+            </a:extLst>
+          </p:cNvPr>
+          <p:cNvPicPr>
+            <a:picLocks noChangeAspect="1"/>
+          </p:cNvPicPr>
+          <p:nvPr/>
+        </p:nvPicPr>
+        <p:blipFill>
+          <a:blip r:embed="rId4"/>
+          <a:stretch>
+            <a:fillRect/>
+          </a:stretch>
+        </p:blipFill>
+        <p:spPr>
+          <a:xfrm>
+            <a:off x="8292881" y="2252431"/>
+            <a:ext cx="3553321" cy="2086266"/>
+          </a:xfrm>
+          <a:prstGeom prst="rect">
+            <a:avLst/>
+          </a:prstGeom>
+        </p:spPr>
+      </p:pic>
+      <p:pic>
+        <p:nvPicPr>
+          <p:cNvPr id="15" name="Picture 14">
+            <a:extLst>
+              <a:ext uri="{FF2B5EF4-FFF2-40B4-BE49-F238E27FC236}">
+                <a16:creationId xmlns:a16="http://schemas.microsoft.com/office/drawing/2014/main" id="{F4D21D42-9947-41F9-86EF-A3DDF6FE5704}"/>
+              </a:ext>
+            </a:extLst>
+          </p:cNvPr>
+          <p:cNvPicPr>
+            <a:picLocks noChangeAspect="1"/>
+          </p:cNvPicPr>
+          <p:nvPr/>
+        </p:nvPicPr>
+        <p:blipFill>
+          <a:blip r:embed="rId5"/>
+          <a:stretch>
+            <a:fillRect/>
+          </a:stretch>
+        </p:blipFill>
+        <p:spPr>
+          <a:xfrm>
+            <a:off x="4444758" y="2238141"/>
+            <a:ext cx="2953162" cy="2114845"/>
+          </a:xfrm>
+          <a:prstGeom prst="rect">
+            <a:avLst/>
+          </a:prstGeom>
+        </p:spPr>
+      </p:pic>
     </p:spTree>
     <p:extLst>
       <p:ext uri="{BB962C8B-B14F-4D97-AF65-F5344CB8AC3E}">
-        <p14:creationId xmlns:p14="http://schemas.microsoft.com/office/powerpoint/2010/main" val="2600735630"/>
+        <p14:creationId xmlns:p14="http://schemas.microsoft.com/office/powerpoint/2010/main" val="2713606220"/>
       </p:ext>
     </p:extLst>
   </p:cSld>
   <p:clrMapOvr>
-    <a:overrideClrMapping bg1="dk1" tx1="lt1" bg2="dk2" tx2="lt2" accent1="accent1" accent2="accent2" accent3="accent3" accent4="accent4" accent5="accent5" accent6="accent6" hlink="hlink" folHlink="folHlink"/>
+    <a:masterClrMapping/>
   </p:clrMapOvr>
 </p:sld>
 </file>
@@ -4103,30 +6580,6 @@
 <file path=ppt/slides/slide13.xml><?xml version="1.0" encoding="utf-8"?>
 <p:sld xmlns:a="http://schemas.openxmlformats.org/drawingml/2006/main" xmlns:r="http://schemas.openxmlformats.org/officeDocument/2006/relationships" xmlns:p="http://schemas.openxmlformats.org/presentationml/2006/main">
   <p:cSld>
-    <p:bg>
-      <p:bgPr>
-        <a:gradFill rotWithShape="1">
-          <a:gsLst>
-            <a:gs pos="0">
-              <a:schemeClr val="bg1">
-                <a:tint val="94000"/>
-                <a:satMod val="80000"/>
-                <a:lumMod val="106000"/>
-              </a:schemeClr>
-            </a:gs>
-            <a:gs pos="100000">
-              <a:schemeClr val="bg1">
-                <a:shade val="80000"/>
-              </a:schemeClr>
-            </a:gs>
-          </a:gsLst>
-          <a:path path="circle">
-            <a:fillToRect l="50000" t="50000" r="50000" b="50000"/>
-          </a:path>
-        </a:gradFill>
-        <a:effectLst/>
-      </p:bgPr>
-    </p:bg>
     <p:spTree>
       <p:nvGrpSpPr>
         <p:cNvPr id="1" name=""/>
@@ -4146,7 +6599,7 @@
           <p:cNvPr id="2" name="Title 1">
             <a:extLst>
               <a:ext uri="{FF2B5EF4-FFF2-40B4-BE49-F238E27FC236}">
-                <a16:creationId xmlns:a16="http://schemas.microsoft.com/office/drawing/2014/main" id="{503CD0BF-672F-4C80-A051-E05F766006D0}"/>
+                <a16:creationId xmlns:a16="http://schemas.microsoft.com/office/drawing/2014/main" id="{BB503AEF-E93B-4994-BDAC-FCD65FEFAEDA}"/>
               </a:ext>
             </a:extLst>
           </p:cNvPr>
@@ -4159,51 +6612,54 @@
         </p:nvSpPr>
         <p:spPr/>
         <p:txBody>
-          <a:bodyPr>
-            <a:normAutofit/>
-          </a:bodyPr>
-          <a:lstStyle/>
-          <a:p>
-            <a:endParaRPr lang="en-GB"/>
-          </a:p>
-        </p:txBody>
-      </p:sp>
-      <p:sp>
-        <p:nvSpPr>
-          <p:cNvPr id="3" name="Content Placeholder 2">
+          <a:bodyPr/>
+          <a:lstStyle/>
+          <a:p>
+            <a:r>
+              <a:rPr lang="en-GB" dirty="0"/>
+              <a:t>Sprint report</a:t>
+            </a:r>
+          </a:p>
+        </p:txBody>
+      </p:sp>
+      <p:pic>
+        <p:nvPicPr>
+          <p:cNvPr id="5" name="Content Placeholder 4">
             <a:extLst>
               <a:ext uri="{FF2B5EF4-FFF2-40B4-BE49-F238E27FC236}">
-                <a16:creationId xmlns:a16="http://schemas.microsoft.com/office/drawing/2014/main" id="{DAFEA978-3515-4D5C-A438-A77D01DCC3BF}"/>
+                <a16:creationId xmlns:a16="http://schemas.microsoft.com/office/drawing/2014/main" id="{E8966CFC-184A-4D10-BE81-129395739B21}"/>
               </a:ext>
             </a:extLst>
           </p:cNvPr>
-          <p:cNvSpPr>
-            <a:spLocks noGrp="1"/>
-          </p:cNvSpPr>
+          <p:cNvPicPr>
+            <a:picLocks noGrp="1" noChangeAspect="1"/>
+          </p:cNvPicPr>
           <p:nvPr>
             <p:ph idx="1"/>
           </p:nvPr>
-        </p:nvSpPr>
-        <p:spPr/>
-        <p:txBody>
-          <a:bodyPr>
-            <a:normAutofit/>
-          </a:bodyPr>
-          <a:lstStyle/>
-          <a:p>
-            <a:endParaRPr lang="en-GB"/>
-          </a:p>
-        </p:txBody>
-      </p:sp>
+        </p:nvPicPr>
+        <p:blipFill>
+          <a:blip r:embed="rId3"/>
+          <a:stretch>
+            <a:fillRect/>
+          </a:stretch>
+        </p:blipFill>
+        <p:spPr>
+          <a:xfrm>
+            <a:off x="1450975" y="2686657"/>
+            <a:ext cx="9604375" cy="2108574"/>
+          </a:xfrm>
+        </p:spPr>
+      </p:pic>
     </p:spTree>
     <p:extLst>
       <p:ext uri="{BB962C8B-B14F-4D97-AF65-F5344CB8AC3E}">
-        <p14:creationId xmlns:p14="http://schemas.microsoft.com/office/powerpoint/2010/main" val="2746817408"/>
+        <p14:creationId xmlns:p14="http://schemas.microsoft.com/office/powerpoint/2010/main" val="3183611890"/>
       </p:ext>
     </p:extLst>
   </p:cSld>
   <p:clrMapOvr>
-    <a:overrideClrMapping bg1="dk1" tx1="lt1" bg2="dk2" tx2="lt2" accent1="accent1" accent2="accent2" accent3="accent3" accent4="accent4" accent5="accent5" accent6="accent6" hlink="hlink" folHlink="folHlink"/>
+    <a:masterClrMapping/>
   </p:clrMapOvr>
 </p:sld>
 </file>
@@ -4211,30 +6667,6 @@
 <file path=ppt/slides/slide14.xml><?xml version="1.0" encoding="utf-8"?>
 <p:sld xmlns:a="http://schemas.openxmlformats.org/drawingml/2006/main" xmlns:r="http://schemas.openxmlformats.org/officeDocument/2006/relationships" xmlns:p="http://schemas.openxmlformats.org/presentationml/2006/main">
   <p:cSld>
-    <p:bg>
-      <p:bgPr>
-        <a:gradFill rotWithShape="1">
-          <a:gsLst>
-            <a:gs pos="0">
-              <a:schemeClr val="bg1">
-                <a:tint val="94000"/>
-                <a:satMod val="80000"/>
-                <a:lumMod val="106000"/>
-              </a:schemeClr>
-            </a:gs>
-            <a:gs pos="100000">
-              <a:schemeClr val="bg1">
-                <a:shade val="80000"/>
-              </a:schemeClr>
-            </a:gs>
-          </a:gsLst>
-          <a:path path="circle">
-            <a:fillToRect l="50000" t="50000" r="50000" b="50000"/>
-          </a:path>
-        </a:gradFill>
-        <a:effectLst/>
-      </p:bgPr>
-    </p:bg>
     <p:spTree>
       <p:nvGrpSpPr>
         <p:cNvPr id="1" name=""/>
@@ -4254,7 +6686,7 @@
           <p:cNvPr id="2" name="Title 1">
             <a:extLst>
               <a:ext uri="{FF2B5EF4-FFF2-40B4-BE49-F238E27FC236}">
-                <a16:creationId xmlns:a16="http://schemas.microsoft.com/office/drawing/2014/main" id="{9C92F05B-1300-4BE0-9FCB-E4FD5E9F5ABF}"/>
+                <a16:creationId xmlns:a16="http://schemas.microsoft.com/office/drawing/2014/main" id="{A16CF53A-EF14-437F-8A00-0D1E22D75EDF}"/>
               </a:ext>
             </a:extLst>
           </p:cNvPr>
@@ -4267,51 +6699,83 @@
         </p:nvSpPr>
         <p:spPr/>
         <p:txBody>
-          <a:bodyPr>
-            <a:normAutofit/>
-          </a:bodyPr>
-          <a:lstStyle/>
-          <a:p>
-            <a:endParaRPr lang="en-GB"/>
-          </a:p>
-        </p:txBody>
-      </p:sp>
-      <p:sp>
-        <p:nvSpPr>
-          <p:cNvPr id="3" name="Content Placeholder 2">
+          <a:bodyPr/>
+          <a:lstStyle/>
+          <a:p>
+            <a:r>
+              <a:rPr lang="en-GB" dirty="0"/>
+              <a:t>Sprint status report</a:t>
+            </a:r>
+          </a:p>
+        </p:txBody>
+      </p:sp>
+      <p:pic>
+        <p:nvPicPr>
+          <p:cNvPr id="5" name="Content Placeholder 4">
             <a:extLst>
               <a:ext uri="{FF2B5EF4-FFF2-40B4-BE49-F238E27FC236}">
-                <a16:creationId xmlns:a16="http://schemas.microsoft.com/office/drawing/2014/main" id="{5420F513-0C12-4C35-BB7C-16D98606C0F6}"/>
+                <a16:creationId xmlns:a16="http://schemas.microsoft.com/office/drawing/2014/main" id="{64B76FD4-FD53-4ADA-A96E-8C96D04B92C3}"/>
               </a:ext>
             </a:extLst>
           </p:cNvPr>
-          <p:cNvSpPr>
-            <a:spLocks noGrp="1"/>
-          </p:cNvSpPr>
+          <p:cNvPicPr>
+            <a:picLocks noGrp="1" noChangeAspect="1"/>
+          </p:cNvPicPr>
           <p:nvPr>
             <p:ph idx="1"/>
           </p:nvPr>
-        </p:nvSpPr>
-        <p:spPr/>
-        <p:txBody>
-          <a:bodyPr>
-            <a:normAutofit/>
-          </a:bodyPr>
-          <a:lstStyle/>
-          <a:p>
-            <a:endParaRPr lang="en-GB"/>
-          </a:p>
-        </p:txBody>
-      </p:sp>
+        </p:nvPicPr>
+        <p:blipFill rotWithShape="1">
+          <a:blip r:embed="rId3"/>
+          <a:srcRect r="48908" b="4607"/>
+          <a:stretch/>
+        </p:blipFill>
+        <p:spPr>
+          <a:xfrm>
+            <a:off x="384020" y="2301411"/>
+            <a:ext cx="7292071" cy="2568539"/>
+          </a:xfrm>
+        </p:spPr>
+      </p:pic>
+      <p:pic>
+        <p:nvPicPr>
+          <p:cNvPr id="7" name="Picture 6">
+            <a:extLst>
+              <a:ext uri="{FF2B5EF4-FFF2-40B4-BE49-F238E27FC236}">
+                <a16:creationId xmlns:a16="http://schemas.microsoft.com/office/drawing/2014/main" id="{B631ABAD-F30A-4267-A5F8-97E42C7E2383}"/>
+              </a:ext>
+            </a:extLst>
+          </p:cNvPr>
+          <p:cNvPicPr>
+            <a:picLocks noChangeAspect="1"/>
+          </p:cNvPicPr>
+          <p:nvPr/>
+        </p:nvPicPr>
+        <p:blipFill>
+          <a:blip r:embed="rId4"/>
+          <a:stretch>
+            <a:fillRect/>
+          </a:stretch>
+        </p:blipFill>
+        <p:spPr>
+          <a:xfrm>
+            <a:off x="7690614" y="2301411"/>
+            <a:ext cx="4501386" cy="2568539"/>
+          </a:xfrm>
+          <a:prstGeom prst="rect">
+            <a:avLst/>
+          </a:prstGeom>
+        </p:spPr>
+      </p:pic>
     </p:spTree>
     <p:extLst>
       <p:ext uri="{BB962C8B-B14F-4D97-AF65-F5344CB8AC3E}">
-        <p14:creationId xmlns:p14="http://schemas.microsoft.com/office/powerpoint/2010/main" val="1494098115"/>
+        <p14:creationId xmlns:p14="http://schemas.microsoft.com/office/powerpoint/2010/main" val="3702420122"/>
       </p:ext>
     </p:extLst>
   </p:cSld>
   <p:clrMapOvr>
-    <a:overrideClrMapping bg1="dk1" tx1="lt1" bg2="dk2" tx2="lt2" accent1="accent1" accent2="accent2" accent3="accent3" accent4="accent4" accent5="accent5" accent6="accent6" hlink="hlink" folHlink="folHlink"/>
+    <a:masterClrMapping/>
   </p:clrMapOvr>
 </p:sld>
 </file>
@@ -4319,30 +6783,6 @@
 <file path=ppt/slides/slide15.xml><?xml version="1.0" encoding="utf-8"?>
 <p:sld xmlns:a="http://schemas.openxmlformats.org/drawingml/2006/main" xmlns:r="http://schemas.openxmlformats.org/officeDocument/2006/relationships" xmlns:p="http://schemas.openxmlformats.org/presentationml/2006/main">
   <p:cSld>
-    <p:bg>
-      <p:bgPr>
-        <a:gradFill rotWithShape="1">
-          <a:gsLst>
-            <a:gs pos="0">
-              <a:schemeClr val="bg1">
-                <a:tint val="94000"/>
-                <a:satMod val="80000"/>
-                <a:lumMod val="106000"/>
-              </a:schemeClr>
-            </a:gs>
-            <a:gs pos="100000">
-              <a:schemeClr val="bg1">
-                <a:shade val="80000"/>
-              </a:schemeClr>
-            </a:gs>
-          </a:gsLst>
-          <a:path path="circle">
-            <a:fillToRect l="50000" t="50000" r="50000" b="50000"/>
-          </a:path>
-        </a:gradFill>
-        <a:effectLst/>
-      </p:bgPr>
-    </p:bg>
     <p:spTree>
       <p:nvGrpSpPr>
         <p:cNvPr id="1" name=""/>
@@ -4362,7 +6802,7 @@
           <p:cNvPr id="2" name="Title 1">
             <a:extLst>
               <a:ext uri="{FF2B5EF4-FFF2-40B4-BE49-F238E27FC236}">
-                <a16:creationId xmlns:a16="http://schemas.microsoft.com/office/drawing/2014/main" id="{9D2F0F2F-13B1-48C2-B41F-1B3E018D4C57}"/>
+                <a16:creationId xmlns:a16="http://schemas.microsoft.com/office/drawing/2014/main" id="{CCF5F5F8-9A3A-45CE-9172-887B4F3068E2}"/>
               </a:ext>
             </a:extLst>
           </p:cNvPr>
@@ -4375,12 +6815,14 @@
         </p:nvSpPr>
         <p:spPr/>
         <p:txBody>
-          <a:bodyPr>
-            <a:normAutofit/>
-          </a:bodyPr>
-          <a:lstStyle/>
-          <a:p>
-            <a:endParaRPr lang="en-GB"/>
+          <a:bodyPr/>
+          <a:lstStyle/>
+          <a:p>
+            <a:r>
+              <a:rPr lang="en-GB" dirty="0" err="1"/>
+              <a:t>Github</a:t>
+            </a:r>
+            <a:endParaRPr lang="en-GB" dirty="0"/>
           </a:p>
         </p:txBody>
       </p:sp>
@@ -4389,7 +6831,7 @@
           <p:cNvPr id="3" name="Content Placeholder 2">
             <a:extLst>
               <a:ext uri="{FF2B5EF4-FFF2-40B4-BE49-F238E27FC236}">
-                <a16:creationId xmlns:a16="http://schemas.microsoft.com/office/drawing/2014/main" id="{D7C5F11B-49F2-4590-85D5-0842EF6E272D}"/>
+                <a16:creationId xmlns:a16="http://schemas.microsoft.com/office/drawing/2014/main" id="{2519F9A8-66F5-4A62-B8A2-6F1DE6BBCA3B}"/>
               </a:ext>
             </a:extLst>
           </p:cNvPr>
@@ -4402,24 +6844,58 @@
         </p:nvSpPr>
         <p:spPr/>
         <p:txBody>
-          <a:bodyPr>
-            <a:normAutofit/>
-          </a:bodyPr>
-          <a:lstStyle/>
-          <a:p>
-            <a:endParaRPr lang="en-GB"/>
-          </a:p>
-        </p:txBody>
-      </p:sp>
+          <a:bodyPr/>
+          <a:lstStyle/>
+          <a:p>
+            <a:r>
+              <a:rPr lang="en-GB" dirty="0"/>
+              <a:t>GitHub is a distributed version-control system for tracking changes in any set of files. </a:t>
+            </a:r>
+          </a:p>
+          <a:p>
+            <a:endParaRPr lang="en-GB" dirty="0"/>
+          </a:p>
+        </p:txBody>
+      </p:sp>
+      <p:pic>
+        <p:nvPicPr>
+          <p:cNvPr id="7" name="Picture 6">
+            <a:extLst>
+              <a:ext uri="{FF2B5EF4-FFF2-40B4-BE49-F238E27FC236}">
+                <a16:creationId xmlns:a16="http://schemas.microsoft.com/office/drawing/2014/main" id="{FD3473EF-0E78-47E1-830F-0A0005DD8C2A}"/>
+              </a:ext>
+            </a:extLst>
+          </p:cNvPr>
+          <p:cNvPicPr>
+            <a:picLocks noChangeAspect="1"/>
+          </p:cNvPicPr>
+          <p:nvPr/>
+        </p:nvPicPr>
+        <p:blipFill>
+          <a:blip r:embed="rId3"/>
+          <a:stretch>
+            <a:fillRect/>
+          </a:stretch>
+        </p:blipFill>
+        <p:spPr>
+          <a:xfrm>
+            <a:off x="8863055" y="3741038"/>
+            <a:ext cx="2191799" cy="2085458"/>
+          </a:xfrm>
+          <a:prstGeom prst="rect">
+            <a:avLst/>
+          </a:prstGeom>
+        </p:spPr>
+      </p:pic>
     </p:spTree>
     <p:extLst>
       <p:ext uri="{BB962C8B-B14F-4D97-AF65-F5344CB8AC3E}">
-        <p14:creationId xmlns:p14="http://schemas.microsoft.com/office/powerpoint/2010/main" val="2382283163"/>
+        <p14:creationId xmlns:p14="http://schemas.microsoft.com/office/powerpoint/2010/main" val="1700396867"/>
       </p:ext>
     </p:extLst>
   </p:cSld>
   <p:clrMapOvr>
-    <a:overrideClrMapping bg1="dk1" tx1="lt1" bg2="dk2" tx2="lt2" accent1="accent1" accent2="accent2" accent3="accent3" accent4="accent4" accent5="accent5" accent6="accent6" hlink="hlink" folHlink="folHlink"/>
+    <a:masterClrMapping/>
   </p:clrMapOvr>
 </p:sld>
 </file>
@@ -4427,30 +6903,6 @@
 <file path=ppt/slides/slide16.xml><?xml version="1.0" encoding="utf-8"?>
 <p:sld xmlns:a="http://schemas.openxmlformats.org/drawingml/2006/main" xmlns:r="http://schemas.openxmlformats.org/officeDocument/2006/relationships" xmlns:p="http://schemas.openxmlformats.org/presentationml/2006/main">
   <p:cSld>
-    <p:bg>
-      <p:bgPr>
-        <a:gradFill rotWithShape="1">
-          <a:gsLst>
-            <a:gs pos="0">
-              <a:schemeClr val="bg1">
-                <a:tint val="94000"/>
-                <a:satMod val="80000"/>
-                <a:lumMod val="106000"/>
-              </a:schemeClr>
-            </a:gs>
-            <a:gs pos="100000">
-              <a:schemeClr val="bg1">
-                <a:shade val="80000"/>
-              </a:schemeClr>
-            </a:gs>
-          </a:gsLst>
-          <a:path path="circle">
-            <a:fillToRect l="50000" t="50000" r="50000" b="50000"/>
-          </a:path>
-        </a:gradFill>
-        <a:effectLst/>
-      </p:bgPr>
-    </p:bg>
     <p:spTree>
       <p:nvGrpSpPr>
         <p:cNvPr id="1" name=""/>
@@ -4470,7 +6922,7 @@
           <p:cNvPr id="2" name="Title 1">
             <a:extLst>
               <a:ext uri="{FF2B5EF4-FFF2-40B4-BE49-F238E27FC236}">
-                <a16:creationId xmlns:a16="http://schemas.microsoft.com/office/drawing/2014/main" id="{F8D999EA-FC68-4797-B3FF-D028B55CB472}"/>
+                <a16:creationId xmlns:a16="http://schemas.microsoft.com/office/drawing/2014/main" id="{013EC228-E734-4C6E-8531-DFAB818A0025}"/>
               </a:ext>
             </a:extLst>
           </p:cNvPr>
@@ -4483,12 +6935,17 @@
         </p:nvSpPr>
         <p:spPr/>
         <p:txBody>
-          <a:bodyPr>
-            <a:normAutofit/>
-          </a:bodyPr>
-          <a:lstStyle/>
-          <a:p>
-            <a:endParaRPr lang="en-GB"/>
+          <a:bodyPr/>
+          <a:lstStyle/>
+          <a:p>
+            <a:r>
+              <a:rPr lang="en-GB" dirty="0" err="1"/>
+              <a:t>Github</a:t>
+            </a:r>
+            <a:r>
+              <a:rPr lang="en-GB" dirty="0"/>
+              <a:t> uses</a:t>
+            </a:r>
           </a:p>
         </p:txBody>
       </p:sp>
@@ -4497,7 +6954,7 @@
           <p:cNvPr id="3" name="Content Placeholder 2">
             <a:extLst>
               <a:ext uri="{FF2B5EF4-FFF2-40B4-BE49-F238E27FC236}">
-                <a16:creationId xmlns:a16="http://schemas.microsoft.com/office/drawing/2014/main" id="{37C7679F-D828-471D-B050-8C16854378A2}"/>
+                <a16:creationId xmlns:a16="http://schemas.microsoft.com/office/drawing/2014/main" id="{96CAAAA0-685B-4ABC-A207-C56A6684611A}"/>
               </a:ext>
             </a:extLst>
           </p:cNvPr>
@@ -4510,24 +6967,51 @@
         </p:nvSpPr>
         <p:spPr/>
         <p:txBody>
-          <a:bodyPr>
-            <a:normAutofit/>
-          </a:bodyPr>
-          <a:lstStyle/>
-          <a:p>
-            <a:endParaRPr lang="en-GB"/>
+          <a:bodyPr/>
+          <a:lstStyle/>
+          <a:p>
+            <a:r>
+              <a:rPr lang="en-GB" dirty="0"/>
+              <a:t>GitHub allows for controlled commits of features through </a:t>
+            </a:r>
+            <a:r>
+              <a:rPr lang="en-GB" dirty="0" err="1"/>
+              <a:t>GitBash</a:t>
+            </a:r>
+            <a:r>
+              <a:rPr lang="en-GB" dirty="0"/>
+              <a:t>.</a:t>
+            </a:r>
+          </a:p>
+          <a:p>
+            <a:r>
+              <a:rPr lang="en-GB" dirty="0"/>
+              <a:t>This allows for projects to be worked on in tandem with other developers.</a:t>
+            </a:r>
+          </a:p>
+          <a:p>
+            <a:r>
+              <a:rPr lang="en-GB" dirty="0"/>
+              <a:t>New code can be committed and then merge request can be pulled and reviewed before actually being implemented.</a:t>
+            </a:r>
+          </a:p>
+          <a:p>
+            <a:r>
+              <a:rPr lang="en-GB" dirty="0"/>
+              <a:t>The power of version control really shines when a version rollback is needed, and the previous can be simply pulled from GitHub.</a:t>
+            </a:r>
           </a:p>
         </p:txBody>
       </p:sp>
     </p:spTree>
     <p:extLst>
       <p:ext uri="{BB962C8B-B14F-4D97-AF65-F5344CB8AC3E}">
-        <p14:creationId xmlns:p14="http://schemas.microsoft.com/office/powerpoint/2010/main" val="2331401795"/>
+        <p14:creationId xmlns:p14="http://schemas.microsoft.com/office/powerpoint/2010/main" val="3760041617"/>
       </p:ext>
     </p:extLst>
   </p:cSld>
   <p:clrMapOvr>
-    <a:overrideClrMapping bg1="dk1" tx1="lt1" bg2="dk2" tx2="lt2" accent1="accent1" accent2="accent2" accent3="accent3" accent4="accent4" accent5="accent5" accent6="accent6" hlink="hlink" folHlink="folHlink"/>
+    <a:masterClrMapping/>
   </p:clrMapOvr>
 </p:sld>
 </file>
@@ -4535,30 +7019,6 @@
 <file path=ppt/slides/slide17.xml><?xml version="1.0" encoding="utf-8"?>
 <p:sld xmlns:a="http://schemas.openxmlformats.org/drawingml/2006/main" xmlns:r="http://schemas.openxmlformats.org/officeDocument/2006/relationships" xmlns:p="http://schemas.openxmlformats.org/presentationml/2006/main">
   <p:cSld>
-    <p:bg>
-      <p:bgPr>
-        <a:gradFill rotWithShape="1">
-          <a:gsLst>
-            <a:gs pos="0">
-              <a:schemeClr val="bg1">
-                <a:tint val="94000"/>
-                <a:satMod val="80000"/>
-                <a:lumMod val="106000"/>
-              </a:schemeClr>
-            </a:gs>
-            <a:gs pos="100000">
-              <a:schemeClr val="bg1">
-                <a:shade val="80000"/>
-              </a:schemeClr>
-            </a:gs>
-          </a:gsLst>
-          <a:path path="circle">
-            <a:fillToRect l="50000" t="50000" r="50000" b="50000"/>
-          </a:path>
-        </a:gradFill>
-        <a:effectLst/>
-      </p:bgPr>
-    </p:bg>
     <p:spTree>
       <p:nvGrpSpPr>
         <p:cNvPr id="1" name=""/>
@@ -4578,7 +7038,7 @@
           <p:cNvPr id="2" name="Title 1">
             <a:extLst>
               <a:ext uri="{FF2B5EF4-FFF2-40B4-BE49-F238E27FC236}">
-                <a16:creationId xmlns:a16="http://schemas.microsoft.com/office/drawing/2014/main" id="{FE028D9D-8B00-4170-8EC0-D54E38E1BDAF}"/>
+                <a16:creationId xmlns:a16="http://schemas.microsoft.com/office/drawing/2014/main" id="{CE4CFDE6-38AE-4356-A258-6F801F4A27DC}"/>
               </a:ext>
             </a:extLst>
           </p:cNvPr>
@@ -4591,51 +7051,55 @@
         </p:nvSpPr>
         <p:spPr/>
         <p:txBody>
-          <a:bodyPr>
-            <a:normAutofit/>
-          </a:bodyPr>
-          <a:lstStyle/>
-          <a:p>
-            <a:endParaRPr lang="en-GB"/>
-          </a:p>
-        </p:txBody>
-      </p:sp>
-      <p:sp>
-        <p:nvSpPr>
-          <p:cNvPr id="3" name="Content Placeholder 2">
+          <a:bodyPr/>
+          <a:lstStyle/>
+          <a:p>
+            <a:r>
+              <a:rPr lang="en-GB"/>
+              <a:t>Github repository</a:t>
+            </a:r>
+            <a:endParaRPr lang="en-GB" dirty="0"/>
+          </a:p>
+        </p:txBody>
+      </p:sp>
+      <p:pic>
+        <p:nvPicPr>
+          <p:cNvPr id="5" name="Content Placeholder 4">
             <a:extLst>
               <a:ext uri="{FF2B5EF4-FFF2-40B4-BE49-F238E27FC236}">
-                <a16:creationId xmlns:a16="http://schemas.microsoft.com/office/drawing/2014/main" id="{F093B151-0A59-4AD4-B16C-D6D6ED53A6F0}"/>
+                <a16:creationId xmlns:a16="http://schemas.microsoft.com/office/drawing/2014/main" id="{69A79F57-FA30-4210-960E-244214B681CC}"/>
               </a:ext>
             </a:extLst>
           </p:cNvPr>
-          <p:cNvSpPr>
-            <a:spLocks noGrp="1"/>
-          </p:cNvSpPr>
+          <p:cNvPicPr>
+            <a:picLocks noGrp="1" noChangeAspect="1"/>
+          </p:cNvPicPr>
           <p:nvPr>
             <p:ph idx="1"/>
           </p:nvPr>
-        </p:nvSpPr>
-        <p:spPr/>
-        <p:txBody>
-          <a:bodyPr>
-            <a:normAutofit/>
-          </a:bodyPr>
-          <a:lstStyle/>
-          <a:p>
-            <a:endParaRPr lang="en-GB"/>
-          </a:p>
-        </p:txBody>
-      </p:sp>
+        </p:nvPicPr>
+        <p:blipFill>
+          <a:blip r:embed="rId3"/>
+          <a:stretch>
+            <a:fillRect/>
+          </a:stretch>
+        </p:blipFill>
+        <p:spPr>
+          <a:xfrm>
+            <a:off x="1766315" y="2112218"/>
+            <a:ext cx="8973802" cy="3134162"/>
+          </a:xfrm>
+        </p:spPr>
+      </p:pic>
     </p:spTree>
     <p:extLst>
       <p:ext uri="{BB962C8B-B14F-4D97-AF65-F5344CB8AC3E}">
-        <p14:creationId xmlns:p14="http://schemas.microsoft.com/office/powerpoint/2010/main" val="233368837"/>
+        <p14:creationId xmlns:p14="http://schemas.microsoft.com/office/powerpoint/2010/main" val="3040483222"/>
       </p:ext>
     </p:extLst>
   </p:cSld>
   <p:clrMapOvr>
-    <a:overrideClrMapping bg1="dk1" tx1="lt1" bg2="dk2" tx2="lt2" accent1="accent1" accent2="accent2" accent3="accent3" accent4="accent4" accent5="accent5" accent6="accent6" hlink="hlink" folHlink="folHlink"/>
+    <a:masterClrMapping/>
   </p:clrMapOvr>
 </p:sld>
 </file>
@@ -4643,30 +7107,6 @@
 <file path=ppt/slides/slide18.xml><?xml version="1.0" encoding="utf-8"?>
 <p:sld xmlns:a="http://schemas.openxmlformats.org/drawingml/2006/main" xmlns:r="http://schemas.openxmlformats.org/officeDocument/2006/relationships" xmlns:p="http://schemas.openxmlformats.org/presentationml/2006/main">
   <p:cSld>
-    <p:bg>
-      <p:bgPr>
-        <a:gradFill rotWithShape="1">
-          <a:gsLst>
-            <a:gs pos="0">
-              <a:schemeClr val="bg1">
-                <a:tint val="94000"/>
-                <a:satMod val="80000"/>
-                <a:lumMod val="106000"/>
-              </a:schemeClr>
-            </a:gs>
-            <a:gs pos="100000">
-              <a:schemeClr val="bg1">
-                <a:shade val="80000"/>
-              </a:schemeClr>
-            </a:gs>
-          </a:gsLst>
-          <a:path path="circle">
-            <a:fillToRect l="50000" t="50000" r="50000" b="50000"/>
-          </a:path>
-        </a:gradFill>
-        <a:effectLst/>
-      </p:bgPr>
-    </p:bg>
     <p:spTree>
       <p:nvGrpSpPr>
         <p:cNvPr id="1" name=""/>
@@ -4686,7 +7126,7 @@
           <p:cNvPr id="2" name="Title 1">
             <a:extLst>
               <a:ext uri="{FF2B5EF4-FFF2-40B4-BE49-F238E27FC236}">
-                <a16:creationId xmlns:a16="http://schemas.microsoft.com/office/drawing/2014/main" id="{3AF35285-0174-4500-950A-C49FBFB29724}"/>
+                <a16:creationId xmlns:a16="http://schemas.microsoft.com/office/drawing/2014/main" id="{E99F1930-594C-4B51-9159-C332F6CA8B05}"/>
               </a:ext>
             </a:extLst>
           </p:cNvPr>
@@ -4699,51 +7139,207 @@
         </p:nvSpPr>
         <p:spPr/>
         <p:txBody>
-          <a:bodyPr>
-            <a:normAutofit/>
-          </a:bodyPr>
-          <a:lstStyle/>
-          <a:p>
-            <a:endParaRPr lang="en-GB"/>
-          </a:p>
-        </p:txBody>
-      </p:sp>
-      <p:sp>
-        <p:nvSpPr>
-          <p:cNvPr id="3" name="Content Placeholder 2">
+          <a:bodyPr/>
+          <a:lstStyle/>
+          <a:p>
+            <a:r>
+              <a:rPr lang="en-GB" dirty="0" err="1"/>
+              <a:t>Github</a:t>
+            </a:r>
+            <a:r>
+              <a:rPr lang="en-GB" dirty="0"/>
+              <a:t> commit progression</a:t>
+            </a:r>
+          </a:p>
+        </p:txBody>
+      </p:sp>
+      <p:pic>
+        <p:nvPicPr>
+          <p:cNvPr id="5" name="Content Placeholder 4">
             <a:extLst>
               <a:ext uri="{FF2B5EF4-FFF2-40B4-BE49-F238E27FC236}">
-                <a16:creationId xmlns:a16="http://schemas.microsoft.com/office/drawing/2014/main" id="{52094C5E-8DDB-4097-BF3D-EB739E5234AB}"/>
+                <a16:creationId xmlns:a16="http://schemas.microsoft.com/office/drawing/2014/main" id="{87935E3C-6DC5-4B0B-9527-3CC21DC1A665}"/>
               </a:ext>
             </a:extLst>
           </p:cNvPr>
-          <p:cNvSpPr>
-            <a:spLocks noGrp="1"/>
-          </p:cNvSpPr>
+          <p:cNvPicPr>
+            <a:picLocks noGrp="1" noChangeAspect="1"/>
+          </p:cNvPicPr>
           <p:nvPr>
             <p:ph idx="1"/>
           </p:nvPr>
-        </p:nvSpPr>
-        <p:spPr/>
-        <p:txBody>
-          <a:bodyPr>
-            <a:normAutofit/>
+        </p:nvPicPr>
+        <p:blipFill rotWithShape="1">
+          <a:blip r:embed="rId3"/>
+          <a:srcRect r="53856"/>
+          <a:stretch/>
+        </p:blipFill>
+        <p:spPr>
+          <a:xfrm>
+            <a:off x="3700131" y="2252816"/>
+            <a:ext cx="3477110" cy="1362265"/>
+          </a:xfrm>
+        </p:spPr>
+      </p:pic>
+      <p:sp>
+        <p:nvSpPr>
+          <p:cNvPr id="6" name="TextBox 5">
+            <a:extLst>
+              <a:ext uri="{FF2B5EF4-FFF2-40B4-BE49-F238E27FC236}">
+                <a16:creationId xmlns:a16="http://schemas.microsoft.com/office/drawing/2014/main" id="{22920CC3-2077-40A3-8707-ADACEFE16B72}"/>
+              </a:ext>
+            </a:extLst>
+          </p:cNvPr>
+          <p:cNvSpPr txBox="1"/>
+          <p:nvPr/>
+        </p:nvSpPr>
+        <p:spPr>
+          <a:xfrm>
+            <a:off x="1615965" y="2632981"/>
+            <a:ext cx="1439818" cy="369332"/>
+          </a:xfrm>
+          <a:prstGeom prst="rect">
+            <a:avLst/>
+          </a:prstGeom>
+          <a:noFill/>
+        </p:spPr>
+        <p:txBody>
+          <a:bodyPr wrap="none" rtlCol="0">
+            <a:spAutoFit/>
           </a:bodyPr>
           <a:lstStyle/>
           <a:p>
-            <a:endParaRPr lang="en-GB"/>
+            <a:r>
+              <a:rPr lang="en-GB" dirty="0"/>
+              <a:t>First Commit</a:t>
+            </a:r>
+          </a:p>
+        </p:txBody>
+      </p:sp>
+      <p:pic>
+        <p:nvPicPr>
+          <p:cNvPr id="8" name="Picture 7">
+            <a:extLst>
+              <a:ext uri="{FF2B5EF4-FFF2-40B4-BE49-F238E27FC236}">
+                <a16:creationId xmlns:a16="http://schemas.microsoft.com/office/drawing/2014/main" id="{615C9D6B-5A18-4DF7-9547-BA182C6C199C}"/>
+              </a:ext>
+            </a:extLst>
+          </p:cNvPr>
+          <p:cNvPicPr>
+            <a:picLocks noChangeAspect="1"/>
+          </p:cNvPicPr>
+          <p:nvPr/>
+        </p:nvPicPr>
+        <p:blipFill>
+          <a:blip r:embed="rId4"/>
+          <a:stretch>
+            <a:fillRect/>
+          </a:stretch>
+        </p:blipFill>
+        <p:spPr>
+          <a:xfrm>
+            <a:off x="3700131" y="4024901"/>
+            <a:ext cx="3477110" cy="1476581"/>
+          </a:xfrm>
+          <a:prstGeom prst="rect">
+            <a:avLst/>
+          </a:prstGeom>
+        </p:spPr>
+      </p:pic>
+      <p:sp>
+        <p:nvSpPr>
+          <p:cNvPr id="9" name="TextBox 8">
+            <a:extLst>
+              <a:ext uri="{FF2B5EF4-FFF2-40B4-BE49-F238E27FC236}">
+                <a16:creationId xmlns:a16="http://schemas.microsoft.com/office/drawing/2014/main" id="{6C0DE0F6-014F-4783-8CD1-1EAA59693BFC}"/>
+              </a:ext>
+            </a:extLst>
+          </p:cNvPr>
+          <p:cNvSpPr txBox="1"/>
+          <p:nvPr/>
+        </p:nvSpPr>
+        <p:spPr>
+          <a:xfrm>
+            <a:off x="1615965" y="4301526"/>
+            <a:ext cx="1439819" cy="923330"/>
+          </a:xfrm>
+          <a:prstGeom prst="rect">
+            <a:avLst/>
+          </a:prstGeom>
+          <a:noFill/>
+        </p:spPr>
+        <p:txBody>
+          <a:bodyPr wrap="square" rtlCol="0">
+            <a:spAutoFit/>
+          </a:bodyPr>
+          <a:lstStyle/>
+          <a:p>
+            <a:r>
+              <a:rPr lang="en-GB" dirty="0"/>
+              <a:t>Commit and then create new branch</a:t>
+            </a:r>
+          </a:p>
+        </p:txBody>
+      </p:sp>
+      <p:sp>
+        <p:nvSpPr>
+          <p:cNvPr id="13" name="TextBox 12">
+            <a:extLst>
+              <a:ext uri="{FF2B5EF4-FFF2-40B4-BE49-F238E27FC236}">
+                <a16:creationId xmlns:a16="http://schemas.microsoft.com/office/drawing/2014/main" id="{395E9110-5028-4255-91A4-94456BFBA5FE}"/>
+              </a:ext>
+            </a:extLst>
+          </p:cNvPr>
+          <p:cNvSpPr txBox="1"/>
+          <p:nvPr/>
+        </p:nvSpPr>
+        <p:spPr>
+          <a:xfrm>
+            <a:off x="7510409" y="2434996"/>
+            <a:ext cx="2753474" cy="3139321"/>
+          </a:xfrm>
+          <a:prstGeom prst="rect">
+            <a:avLst/>
+          </a:prstGeom>
+          <a:noFill/>
+        </p:spPr>
+        <p:txBody>
+          <a:bodyPr wrap="square" rtlCol="0">
+            <a:spAutoFit/>
+          </a:bodyPr>
+          <a:lstStyle/>
+          <a:p>
+            <a:r>
+              <a:rPr lang="en-GB" dirty="0"/>
+              <a:t>This was the first commit that I made.  Committing some implementation.</a:t>
+            </a:r>
+          </a:p>
+          <a:p>
+            <a:endParaRPr lang="en-GB" dirty="0"/>
+          </a:p>
+          <a:p>
+            <a:r>
+              <a:rPr lang="en-GB" dirty="0"/>
+              <a:t>w</a:t>
+            </a:r>
+          </a:p>
+          <a:p>
+            <a:r>
+              <a:rPr lang="en-GB" dirty="0"/>
+              <a:t>This commit is from around the middle of the timeline, where I was completing user story tasks and then merging the branches.</a:t>
+            </a:r>
           </a:p>
         </p:txBody>
       </p:sp>
     </p:spTree>
     <p:extLst>
       <p:ext uri="{BB962C8B-B14F-4D97-AF65-F5344CB8AC3E}">
-        <p14:creationId xmlns:p14="http://schemas.microsoft.com/office/powerpoint/2010/main" val="742677373"/>
+        <p14:creationId xmlns:p14="http://schemas.microsoft.com/office/powerpoint/2010/main" val="1238006337"/>
       </p:ext>
     </p:extLst>
   </p:cSld>
   <p:clrMapOvr>
-    <a:overrideClrMapping bg1="dk1" tx1="lt1" bg2="dk2" tx2="lt2" accent1="accent1" accent2="accent2" accent3="accent3" accent4="accent4" accent5="accent5" accent6="accent6" hlink="hlink" folHlink="folHlink"/>
+    <a:masterClrMapping/>
   </p:clrMapOvr>
 </p:sld>
 </file>
@@ -4751,30 +7347,6 @@
 <file path=ppt/slides/slide19.xml><?xml version="1.0" encoding="utf-8"?>
 <p:sld xmlns:a="http://schemas.openxmlformats.org/drawingml/2006/main" xmlns:r="http://schemas.openxmlformats.org/officeDocument/2006/relationships" xmlns:p="http://schemas.openxmlformats.org/presentationml/2006/main">
   <p:cSld>
-    <p:bg>
-      <p:bgPr>
-        <a:gradFill rotWithShape="1">
-          <a:gsLst>
-            <a:gs pos="0">
-              <a:schemeClr val="bg1">
-                <a:tint val="94000"/>
-                <a:satMod val="80000"/>
-                <a:lumMod val="106000"/>
-              </a:schemeClr>
-            </a:gs>
-            <a:gs pos="100000">
-              <a:schemeClr val="bg1">
-                <a:shade val="80000"/>
-              </a:schemeClr>
-            </a:gs>
-          </a:gsLst>
-          <a:path path="circle">
-            <a:fillToRect l="50000" t="50000" r="50000" b="50000"/>
-          </a:path>
-        </a:gradFill>
-        <a:effectLst/>
-      </p:bgPr>
-    </p:bg>
     <p:spTree>
       <p:nvGrpSpPr>
         <p:cNvPr id="1" name=""/>
@@ -4794,7 +7366,7 @@
           <p:cNvPr id="2" name="Title 1">
             <a:extLst>
               <a:ext uri="{FF2B5EF4-FFF2-40B4-BE49-F238E27FC236}">
-                <a16:creationId xmlns:a16="http://schemas.microsoft.com/office/drawing/2014/main" id="{1D1BC341-4188-457A-AD4F-C00F412DEB2A}"/>
+                <a16:creationId xmlns:a16="http://schemas.microsoft.com/office/drawing/2014/main" id="{DFD49EA5-8A97-4C3F-B741-60FAD7B085F5}"/>
               </a:ext>
             </a:extLst>
           </p:cNvPr>
@@ -4807,12 +7379,18 @@
         </p:nvSpPr>
         <p:spPr/>
         <p:txBody>
-          <a:bodyPr>
-            <a:normAutofit/>
-          </a:bodyPr>
-          <a:lstStyle/>
-          <a:p>
-            <a:endParaRPr lang="en-GB"/>
+          <a:bodyPr/>
+          <a:lstStyle/>
+          <a:p>
+            <a:r>
+              <a:rPr lang="en-GB" dirty="0"/>
+              <a:t>GitHub </a:t>
+            </a:r>
+            <a:r>
+              <a:rPr lang="en-GB" dirty="0" err="1"/>
+              <a:t>Smartcommits</a:t>
+            </a:r>
+            <a:endParaRPr lang="en-GB" dirty="0"/>
           </a:p>
         </p:txBody>
       </p:sp>
@@ -4821,7 +7399,7 @@
           <p:cNvPr id="3" name="Content Placeholder 2">
             <a:extLst>
               <a:ext uri="{FF2B5EF4-FFF2-40B4-BE49-F238E27FC236}">
-                <a16:creationId xmlns:a16="http://schemas.microsoft.com/office/drawing/2014/main" id="{87538A31-A611-48C3-BFCF-C777E85B6B96}"/>
+                <a16:creationId xmlns:a16="http://schemas.microsoft.com/office/drawing/2014/main" id="{2E27B651-AC0A-47C2-A4B7-C74236BF43CC}"/>
               </a:ext>
             </a:extLst>
           </p:cNvPr>
@@ -4834,24 +7412,22 @@
         </p:nvSpPr>
         <p:spPr/>
         <p:txBody>
-          <a:bodyPr>
-            <a:normAutofit/>
-          </a:bodyPr>
-          <a:lstStyle/>
-          <a:p>
-            <a:endParaRPr lang="en-GB"/>
+          <a:bodyPr/>
+          <a:lstStyle/>
+          <a:p>
+            <a:endParaRPr lang="en-GB" dirty="0"/>
           </a:p>
         </p:txBody>
       </p:sp>
     </p:spTree>
     <p:extLst>
       <p:ext uri="{BB962C8B-B14F-4D97-AF65-F5344CB8AC3E}">
-        <p14:creationId xmlns:p14="http://schemas.microsoft.com/office/powerpoint/2010/main" val="475639351"/>
+        <p14:creationId xmlns:p14="http://schemas.microsoft.com/office/powerpoint/2010/main" val="2564092250"/>
       </p:ext>
     </p:extLst>
   </p:cSld>
   <p:clrMapOvr>
-    <a:overrideClrMapping bg1="dk1" tx1="lt1" bg2="dk2" tx2="lt2" accent1="accent1" accent2="accent2" accent3="accent3" accent4="accent4" accent5="accent5" accent6="accent6" hlink="hlink" folHlink="folHlink"/>
+    <a:masterClrMapping/>
   </p:clrMapOvr>
 </p:sld>
 </file>
@@ -4965,25 +7541,75 @@
             <a:pPr lvl="1"/>
             <a:r>
               <a:rPr lang="en-GB" dirty="0"/>
-              <a:t>My first step was break down the specification into smaller logical steps.</a:t>
+              <a:t>My first step was to create an ERD diagram to describe what I expected the relationships between the database tables to be. </a:t>
             </a:r>
           </a:p>
           <a:p>
             <a:pPr lvl="1"/>
-            <a:r>
-              <a:rPr lang="en-GB" dirty="0"/>
-              <a:t>For example, ‘Add a customer to the system’. I took this requirement and broke it down into the steps that I would take to accomplish this task. </a:t>
-            </a:r>
+            <a:endParaRPr lang="en-GB" dirty="0"/>
           </a:p>
           <a:p>
             <a:pPr lvl="1"/>
-            <a:r>
-              <a:rPr lang="en-GB" dirty="0"/>
-              <a:t>I would need to be able to: create an object in Java, pass that object through an SQL query, add it to the database and then read the row back from the database, including the primary key.</a:t>
-            </a:r>
-          </a:p>
-        </p:txBody>
-      </p:sp>
+            <a:endParaRPr lang="en-GB" dirty="0"/>
+          </a:p>
+        </p:txBody>
+      </p:sp>
+      <p:pic>
+        <p:nvPicPr>
+          <p:cNvPr id="4" name="Content Placeholder 14">
+            <a:extLst>
+              <a:ext uri="{FF2B5EF4-FFF2-40B4-BE49-F238E27FC236}">
+                <a16:creationId xmlns:a16="http://schemas.microsoft.com/office/drawing/2014/main" id="{73F1F5C0-109B-4BEC-80F8-EDAD16DFA11A}"/>
+              </a:ext>
+            </a:extLst>
+          </p:cNvPr>
+          <p:cNvPicPr>
+            <a:picLocks/>
+          </p:cNvPicPr>
+          <p:nvPr/>
+        </p:nvPicPr>
+        <p:blipFill rotWithShape="1">
+          <a:blip r:embed="rId3"/>
+          <a:srcRect l="6708" t="8459" r="6427" b="8519"/>
+          <a:stretch/>
+        </p:blipFill>
+        <p:spPr>
+          <a:xfrm>
+            <a:off x="550886" y="3741038"/>
+            <a:ext cx="4918353" cy="2873930"/>
+          </a:xfrm>
+          <a:prstGeom prst="rect">
+            <a:avLst/>
+          </a:prstGeom>
+        </p:spPr>
+      </p:pic>
+      <p:pic>
+        <p:nvPicPr>
+          <p:cNvPr id="5" name="Picture 4">
+            <a:extLst>
+              <a:ext uri="{FF2B5EF4-FFF2-40B4-BE49-F238E27FC236}">
+                <a16:creationId xmlns:a16="http://schemas.microsoft.com/office/drawing/2014/main" id="{9F8E84C0-3F1B-4E46-A668-80ED71B98223}"/>
+              </a:ext>
+            </a:extLst>
+          </p:cNvPr>
+          <p:cNvPicPr/>
+          <p:nvPr/>
+        </p:nvPicPr>
+        <p:blipFill rotWithShape="1">
+          <a:blip r:embed="rId4"/>
+          <a:srcRect l="3543" t="8183" r="8954" b="5171"/>
+          <a:stretch/>
+        </p:blipFill>
+        <p:spPr>
+          <a:xfrm>
+            <a:off x="6086902" y="3741349"/>
+            <a:ext cx="5554212" cy="2873930"/>
+          </a:xfrm>
+          <a:prstGeom prst="rect">
+            <a:avLst/>
+          </a:prstGeom>
+        </p:spPr>
+      </p:pic>
     </p:spTree>
     <p:extLst>
       <p:ext uri="{BB962C8B-B14F-4D97-AF65-F5344CB8AC3E}">
@@ -5043,7 +7669,7 @@
           <p:cNvPr id="2" name="Title 1">
             <a:extLst>
               <a:ext uri="{FF2B5EF4-FFF2-40B4-BE49-F238E27FC236}">
-                <a16:creationId xmlns:a16="http://schemas.microsoft.com/office/drawing/2014/main" id="{F19F6BEA-3704-4A7A-8F26-DC32A6256BE1}"/>
+                <a16:creationId xmlns:a16="http://schemas.microsoft.com/office/drawing/2014/main" id="{E2786E95-CA8C-4DCE-A527-C36D314288B1}"/>
               </a:ext>
             </a:extLst>
           </p:cNvPr>
@@ -5061,7 +7687,10 @@
           </a:bodyPr>
           <a:lstStyle/>
           <a:p>
-            <a:endParaRPr lang="en-GB"/>
+            <a:r>
+              <a:rPr lang="en-GB" dirty="0"/>
+              <a:t>Testing</a:t>
+            </a:r>
           </a:p>
         </p:txBody>
       </p:sp>
@@ -5070,7 +7699,7 @@
           <p:cNvPr id="3" name="Content Placeholder 2">
             <a:extLst>
               <a:ext uri="{FF2B5EF4-FFF2-40B4-BE49-F238E27FC236}">
-                <a16:creationId xmlns:a16="http://schemas.microsoft.com/office/drawing/2014/main" id="{9AFEBBC6-5AB8-4DDB-823D-7C78A93A4141}"/>
+                <a16:creationId xmlns:a16="http://schemas.microsoft.com/office/drawing/2014/main" id="{70C001B0-BB7D-4B0B-B684-355C51B5B658}"/>
               </a:ext>
             </a:extLst>
           </p:cNvPr>
@@ -5095,7 +7724,7 @@
     </p:spTree>
     <p:extLst>
       <p:ext uri="{BB962C8B-B14F-4D97-AF65-F5344CB8AC3E}">
-        <p14:creationId xmlns:p14="http://schemas.microsoft.com/office/powerpoint/2010/main" val="2068106069"/>
+        <p14:creationId xmlns:p14="http://schemas.microsoft.com/office/powerpoint/2010/main" val="2980556128"/>
       </p:ext>
     </p:extLst>
   </p:cSld>
@@ -5151,7 +7780,7 @@
           <p:cNvPr id="2" name="Title 1">
             <a:extLst>
               <a:ext uri="{FF2B5EF4-FFF2-40B4-BE49-F238E27FC236}">
-                <a16:creationId xmlns:a16="http://schemas.microsoft.com/office/drawing/2014/main" id="{C7C518AE-3DE0-45ED-9BC7-85B510CF9A26}"/>
+                <a16:creationId xmlns:a16="http://schemas.microsoft.com/office/drawing/2014/main" id="{07C2682B-A05A-44D5-B614-9C9CD28D8B17}"/>
               </a:ext>
             </a:extLst>
           </p:cNvPr>
@@ -5169,7 +7798,10 @@
           </a:bodyPr>
           <a:lstStyle/>
           <a:p>
-            <a:endParaRPr lang="en-GB"/>
+            <a:r>
+              <a:rPr lang="en-GB" dirty="0"/>
+              <a:t>Demonstration</a:t>
+            </a:r>
           </a:p>
         </p:txBody>
       </p:sp>
@@ -5178,7 +7810,7 @@
           <p:cNvPr id="3" name="Content Placeholder 2">
             <a:extLst>
               <a:ext uri="{FF2B5EF4-FFF2-40B4-BE49-F238E27FC236}">
-                <a16:creationId xmlns:a16="http://schemas.microsoft.com/office/drawing/2014/main" id="{84542781-8D9D-4167-8D2E-1B7BA57BB820}"/>
+                <a16:creationId xmlns:a16="http://schemas.microsoft.com/office/drawing/2014/main" id="{F28E3C8B-685F-45ED-B220-1EC04D425E65}"/>
               </a:ext>
             </a:extLst>
           </p:cNvPr>
@@ -5203,7 +7835,7 @@
     </p:spTree>
     <p:extLst>
       <p:ext uri="{BB962C8B-B14F-4D97-AF65-F5344CB8AC3E}">
-        <p14:creationId xmlns:p14="http://schemas.microsoft.com/office/powerpoint/2010/main" val="436210648"/>
+        <p14:creationId xmlns:p14="http://schemas.microsoft.com/office/powerpoint/2010/main" val="1138945526"/>
       </p:ext>
     </p:extLst>
   </p:cSld>
@@ -5259,7 +7891,7 @@
           <p:cNvPr id="2" name="Title 1">
             <a:extLst>
               <a:ext uri="{FF2B5EF4-FFF2-40B4-BE49-F238E27FC236}">
-                <a16:creationId xmlns:a16="http://schemas.microsoft.com/office/drawing/2014/main" id="{8FD8B95D-DD50-4FA4-B14F-E126698418B8}"/>
+                <a16:creationId xmlns:a16="http://schemas.microsoft.com/office/drawing/2014/main" id="{E54EDDD8-E14C-44E6-81F3-C9E983E5EDC2}"/>
               </a:ext>
             </a:extLst>
           </p:cNvPr>
@@ -5277,7 +7909,10 @@
           </a:bodyPr>
           <a:lstStyle/>
           <a:p>
-            <a:endParaRPr lang="en-GB"/>
+            <a:r>
+              <a:rPr lang="en-GB" dirty="0"/>
+              <a:t>Sprint review</a:t>
+            </a:r>
           </a:p>
         </p:txBody>
       </p:sp>
@@ -5286,7 +7921,7 @@
           <p:cNvPr id="3" name="Content Placeholder 2">
             <a:extLst>
               <a:ext uri="{FF2B5EF4-FFF2-40B4-BE49-F238E27FC236}">
-                <a16:creationId xmlns:a16="http://schemas.microsoft.com/office/drawing/2014/main" id="{58E096B6-7999-40B0-9D2B-65BBA1CBD93D}"/>
+                <a16:creationId xmlns:a16="http://schemas.microsoft.com/office/drawing/2014/main" id="{FBA378BE-00FF-407C-BFC2-DD265C6F9DF6}"/>
               </a:ext>
             </a:extLst>
           </p:cNvPr>
@@ -5311,7 +7946,7 @@
     </p:spTree>
     <p:extLst>
       <p:ext uri="{BB962C8B-B14F-4D97-AF65-F5344CB8AC3E}">
-        <p14:creationId xmlns:p14="http://schemas.microsoft.com/office/powerpoint/2010/main" val="1458956517"/>
+        <p14:creationId xmlns:p14="http://schemas.microsoft.com/office/powerpoint/2010/main" val="2986411296"/>
       </p:ext>
     </p:extLst>
   </p:cSld>
@@ -5367,7 +8002,7 @@
           <p:cNvPr id="2" name="Title 1">
             <a:extLst>
               <a:ext uri="{FF2B5EF4-FFF2-40B4-BE49-F238E27FC236}">
-                <a16:creationId xmlns:a16="http://schemas.microsoft.com/office/drawing/2014/main" id="{5F2B8E91-17C4-4014-ABC2-0675A11838A6}"/>
+                <a16:creationId xmlns:a16="http://schemas.microsoft.com/office/drawing/2014/main" id="{9EE87805-82AC-4B67-B4DD-E373BF918965}"/>
               </a:ext>
             </a:extLst>
           </p:cNvPr>
@@ -5385,7 +8020,10 @@
           </a:bodyPr>
           <a:lstStyle/>
           <a:p>
-            <a:endParaRPr lang="en-GB"/>
+            <a:r>
+              <a:rPr lang="en-GB" dirty="0"/>
+              <a:t>Sprint retrospective</a:t>
+            </a:r>
           </a:p>
         </p:txBody>
       </p:sp>
@@ -5394,7 +8032,7 @@
           <p:cNvPr id="3" name="Content Placeholder 2">
             <a:extLst>
               <a:ext uri="{FF2B5EF4-FFF2-40B4-BE49-F238E27FC236}">
-                <a16:creationId xmlns:a16="http://schemas.microsoft.com/office/drawing/2014/main" id="{1E0F060C-692C-4261-A41F-62E6B6A0160D}"/>
+                <a16:creationId xmlns:a16="http://schemas.microsoft.com/office/drawing/2014/main" id="{D050732C-C902-42D3-8D97-EF5002FD76C0}"/>
               </a:ext>
             </a:extLst>
           </p:cNvPr>
@@ -5419,7 +8057,661 @@
     </p:spTree>
     <p:extLst>
       <p:ext uri="{BB962C8B-B14F-4D97-AF65-F5344CB8AC3E}">
-        <p14:creationId xmlns:p14="http://schemas.microsoft.com/office/powerpoint/2010/main" val="3683318301"/>
+        <p14:creationId xmlns:p14="http://schemas.microsoft.com/office/powerpoint/2010/main" val="3986508417"/>
+      </p:ext>
+    </p:extLst>
+  </p:cSld>
+  <p:clrMapOvr>
+    <a:overrideClrMapping bg1="dk1" tx1="lt1" bg2="dk2" tx2="lt2" accent1="accent1" accent2="accent2" accent3="accent3" accent4="accent4" accent5="accent5" accent6="accent6" hlink="hlink" folHlink="folHlink"/>
+  </p:clrMapOvr>
+</p:sld>
+</file>
+
+<file path=ppt/slides/slide24.xml><?xml version="1.0" encoding="utf-8"?>
+<p:sld xmlns:a="http://schemas.openxmlformats.org/drawingml/2006/main" xmlns:r="http://schemas.openxmlformats.org/officeDocument/2006/relationships" xmlns:p="http://schemas.openxmlformats.org/presentationml/2006/main">
+  <p:cSld>
+    <p:bg>
+      <p:bgPr>
+        <a:gradFill rotWithShape="1">
+          <a:gsLst>
+            <a:gs pos="0">
+              <a:schemeClr val="bg1">
+                <a:tint val="94000"/>
+                <a:satMod val="80000"/>
+                <a:lumMod val="106000"/>
+              </a:schemeClr>
+            </a:gs>
+            <a:gs pos="100000">
+              <a:schemeClr val="bg1">
+                <a:shade val="80000"/>
+              </a:schemeClr>
+            </a:gs>
+          </a:gsLst>
+          <a:path path="circle">
+            <a:fillToRect l="50000" t="50000" r="50000" b="50000"/>
+          </a:path>
+        </a:gradFill>
+        <a:effectLst/>
+      </p:bgPr>
+    </p:bg>
+    <p:spTree>
+      <p:nvGrpSpPr>
+        <p:cNvPr id="1" name=""/>
+        <p:cNvGrpSpPr/>
+        <p:nvPr/>
+      </p:nvGrpSpPr>
+      <p:grpSpPr>
+        <a:xfrm>
+          <a:off x="0" y="0"/>
+          <a:ext cx="0" cy="0"/>
+          <a:chOff x="0" y="0"/>
+          <a:chExt cx="0" cy="0"/>
+        </a:xfrm>
+      </p:grpSpPr>
+      <p:sp>
+        <p:nvSpPr>
+          <p:cNvPr id="2" name="Title 1">
+            <a:extLst>
+              <a:ext uri="{FF2B5EF4-FFF2-40B4-BE49-F238E27FC236}">
+                <a16:creationId xmlns:a16="http://schemas.microsoft.com/office/drawing/2014/main" id="{86F0EB90-DDA1-48D5-8846-E4F86951E33A}"/>
+              </a:ext>
+            </a:extLst>
+          </p:cNvPr>
+          <p:cNvSpPr>
+            <a:spLocks noGrp="1"/>
+          </p:cNvSpPr>
+          <p:nvPr>
+            <p:ph type="title"/>
+          </p:nvPr>
+        </p:nvSpPr>
+        <p:spPr/>
+        <p:txBody>
+          <a:bodyPr>
+            <a:normAutofit/>
+          </a:bodyPr>
+          <a:lstStyle/>
+          <a:p>
+            <a:r>
+              <a:rPr lang="en-GB" dirty="0"/>
+              <a:t>conclusion</a:t>
+            </a:r>
+          </a:p>
+        </p:txBody>
+      </p:sp>
+      <p:sp>
+        <p:nvSpPr>
+          <p:cNvPr id="3" name="Content Placeholder 2">
+            <a:extLst>
+              <a:ext uri="{FF2B5EF4-FFF2-40B4-BE49-F238E27FC236}">
+                <a16:creationId xmlns:a16="http://schemas.microsoft.com/office/drawing/2014/main" id="{DDC75F7A-14AB-4987-A3A0-F57A2ECF0348}"/>
+              </a:ext>
+            </a:extLst>
+          </p:cNvPr>
+          <p:cNvSpPr>
+            <a:spLocks noGrp="1"/>
+          </p:cNvSpPr>
+          <p:nvPr>
+            <p:ph idx="1"/>
+          </p:nvPr>
+        </p:nvSpPr>
+        <p:spPr/>
+        <p:txBody>
+          <a:bodyPr>
+            <a:normAutofit/>
+          </a:bodyPr>
+          <a:lstStyle/>
+          <a:p>
+            <a:endParaRPr lang="en-GB"/>
+          </a:p>
+        </p:txBody>
+      </p:sp>
+    </p:spTree>
+    <p:extLst>
+      <p:ext uri="{BB962C8B-B14F-4D97-AF65-F5344CB8AC3E}">
+        <p14:creationId xmlns:p14="http://schemas.microsoft.com/office/powerpoint/2010/main" val="2198706130"/>
+      </p:ext>
+    </p:extLst>
+  </p:cSld>
+  <p:clrMapOvr>
+    <a:overrideClrMapping bg1="dk1" tx1="lt1" bg2="dk2" tx2="lt2" accent1="accent1" accent2="accent2" accent3="accent3" accent4="accent4" accent5="accent5" accent6="accent6" hlink="hlink" folHlink="folHlink"/>
+  </p:clrMapOvr>
+</p:sld>
+</file>
+
+<file path=ppt/slides/slide25.xml><?xml version="1.0" encoding="utf-8"?>
+<p:sld xmlns:a="http://schemas.openxmlformats.org/drawingml/2006/main" xmlns:r="http://schemas.openxmlformats.org/officeDocument/2006/relationships" xmlns:p="http://schemas.openxmlformats.org/presentationml/2006/main">
+  <p:cSld>
+    <p:bg>
+      <p:bgPr>
+        <a:gradFill rotWithShape="1">
+          <a:gsLst>
+            <a:gs pos="0">
+              <a:schemeClr val="bg1">
+                <a:tint val="94000"/>
+                <a:satMod val="80000"/>
+                <a:lumMod val="106000"/>
+              </a:schemeClr>
+            </a:gs>
+            <a:gs pos="100000">
+              <a:schemeClr val="bg1">
+                <a:shade val="80000"/>
+              </a:schemeClr>
+            </a:gs>
+          </a:gsLst>
+          <a:path path="circle">
+            <a:fillToRect l="50000" t="50000" r="50000" b="50000"/>
+          </a:path>
+        </a:gradFill>
+        <a:effectLst/>
+      </p:bgPr>
+    </p:bg>
+    <p:spTree>
+      <p:nvGrpSpPr>
+        <p:cNvPr id="1" name=""/>
+        <p:cNvGrpSpPr/>
+        <p:nvPr/>
+      </p:nvGrpSpPr>
+      <p:grpSpPr>
+        <a:xfrm>
+          <a:off x="0" y="0"/>
+          <a:ext cx="0" cy="0"/>
+          <a:chOff x="0" y="0"/>
+          <a:chExt cx="0" cy="0"/>
+        </a:xfrm>
+      </p:grpSpPr>
+      <p:sp>
+        <p:nvSpPr>
+          <p:cNvPr id="2" name="Title 1">
+            <a:extLst>
+              <a:ext uri="{FF2B5EF4-FFF2-40B4-BE49-F238E27FC236}">
+                <a16:creationId xmlns:a16="http://schemas.microsoft.com/office/drawing/2014/main" id="{0C0D4EAF-DD59-430C-90A2-FEB303E30D3C}"/>
+              </a:ext>
+            </a:extLst>
+          </p:cNvPr>
+          <p:cNvSpPr>
+            <a:spLocks noGrp="1"/>
+          </p:cNvSpPr>
+          <p:nvPr>
+            <p:ph type="title"/>
+          </p:nvPr>
+        </p:nvSpPr>
+        <p:spPr/>
+        <p:txBody>
+          <a:bodyPr>
+            <a:normAutofit/>
+          </a:bodyPr>
+          <a:lstStyle/>
+          <a:p>
+            <a:r>
+              <a:rPr lang="en-GB" dirty="0"/>
+              <a:t>questions</a:t>
+            </a:r>
+          </a:p>
+        </p:txBody>
+      </p:sp>
+      <p:sp>
+        <p:nvSpPr>
+          <p:cNvPr id="3" name="Content Placeholder 2">
+            <a:extLst>
+              <a:ext uri="{FF2B5EF4-FFF2-40B4-BE49-F238E27FC236}">
+                <a16:creationId xmlns:a16="http://schemas.microsoft.com/office/drawing/2014/main" id="{6827C1D9-0EAB-4CD6-BDAD-B3874A1671DA}"/>
+              </a:ext>
+            </a:extLst>
+          </p:cNvPr>
+          <p:cNvSpPr>
+            <a:spLocks noGrp="1"/>
+          </p:cNvSpPr>
+          <p:nvPr>
+            <p:ph idx="1"/>
+          </p:nvPr>
+        </p:nvSpPr>
+        <p:spPr/>
+        <p:txBody>
+          <a:bodyPr>
+            <a:normAutofit/>
+          </a:bodyPr>
+          <a:lstStyle/>
+          <a:p>
+            <a:endParaRPr lang="en-GB" dirty="0"/>
+          </a:p>
+        </p:txBody>
+      </p:sp>
+    </p:spTree>
+    <p:extLst>
+      <p:ext uri="{BB962C8B-B14F-4D97-AF65-F5344CB8AC3E}">
+        <p14:creationId xmlns:p14="http://schemas.microsoft.com/office/powerpoint/2010/main" val="3814576168"/>
+      </p:ext>
+    </p:extLst>
+  </p:cSld>
+  <p:clrMapOvr>
+    <a:overrideClrMapping bg1="dk1" tx1="lt1" bg2="dk2" tx2="lt2" accent1="accent1" accent2="accent2" accent3="accent3" accent4="accent4" accent5="accent5" accent6="accent6" hlink="hlink" folHlink="folHlink"/>
+  </p:clrMapOvr>
+</p:sld>
+</file>
+
+<file path=ppt/slides/slide26.xml><?xml version="1.0" encoding="utf-8"?>
+<p:sld xmlns:a="http://schemas.openxmlformats.org/drawingml/2006/main" xmlns:r="http://schemas.openxmlformats.org/officeDocument/2006/relationships" xmlns:p="http://schemas.openxmlformats.org/presentationml/2006/main">
+  <p:cSld>
+    <p:bg>
+      <p:bgPr>
+        <a:gradFill rotWithShape="1">
+          <a:gsLst>
+            <a:gs pos="0">
+              <a:schemeClr val="bg1">
+                <a:tint val="94000"/>
+                <a:satMod val="80000"/>
+                <a:lumMod val="106000"/>
+              </a:schemeClr>
+            </a:gs>
+            <a:gs pos="100000">
+              <a:schemeClr val="bg1">
+                <a:shade val="80000"/>
+              </a:schemeClr>
+            </a:gs>
+          </a:gsLst>
+          <a:path path="circle">
+            <a:fillToRect l="50000" t="50000" r="50000" b="50000"/>
+          </a:path>
+        </a:gradFill>
+        <a:effectLst/>
+      </p:bgPr>
+    </p:bg>
+    <p:spTree>
+      <p:nvGrpSpPr>
+        <p:cNvPr id="1" name=""/>
+        <p:cNvGrpSpPr/>
+        <p:nvPr/>
+      </p:nvGrpSpPr>
+      <p:grpSpPr>
+        <a:xfrm>
+          <a:off x="0" y="0"/>
+          <a:ext cx="0" cy="0"/>
+          <a:chOff x="0" y="0"/>
+          <a:chExt cx="0" cy="0"/>
+        </a:xfrm>
+      </p:grpSpPr>
+      <p:sp>
+        <p:nvSpPr>
+          <p:cNvPr id="2" name="Title 1">
+            <a:extLst>
+              <a:ext uri="{FF2B5EF4-FFF2-40B4-BE49-F238E27FC236}">
+                <a16:creationId xmlns:a16="http://schemas.microsoft.com/office/drawing/2014/main" id="{1826DBF8-F135-436B-83B3-0243E987F36D}"/>
+              </a:ext>
+            </a:extLst>
+          </p:cNvPr>
+          <p:cNvSpPr>
+            <a:spLocks noGrp="1"/>
+          </p:cNvSpPr>
+          <p:nvPr>
+            <p:ph type="title"/>
+          </p:nvPr>
+        </p:nvSpPr>
+        <p:spPr/>
+        <p:txBody>
+          <a:bodyPr>
+            <a:normAutofit/>
+          </a:bodyPr>
+          <a:lstStyle/>
+          <a:p>
+            <a:endParaRPr lang="en-GB"/>
+          </a:p>
+        </p:txBody>
+      </p:sp>
+      <p:sp>
+        <p:nvSpPr>
+          <p:cNvPr id="3" name="Content Placeholder 2">
+            <a:extLst>
+              <a:ext uri="{FF2B5EF4-FFF2-40B4-BE49-F238E27FC236}">
+                <a16:creationId xmlns:a16="http://schemas.microsoft.com/office/drawing/2014/main" id="{38BB577B-C196-4313-9B42-B1B4465EC39E}"/>
+              </a:ext>
+            </a:extLst>
+          </p:cNvPr>
+          <p:cNvSpPr>
+            <a:spLocks noGrp="1"/>
+          </p:cNvSpPr>
+          <p:nvPr>
+            <p:ph idx="1"/>
+          </p:nvPr>
+        </p:nvSpPr>
+        <p:spPr/>
+        <p:txBody>
+          <a:bodyPr>
+            <a:normAutofit/>
+          </a:bodyPr>
+          <a:lstStyle/>
+          <a:p>
+            <a:endParaRPr lang="en-GB"/>
+          </a:p>
+        </p:txBody>
+      </p:sp>
+    </p:spTree>
+    <p:extLst>
+      <p:ext uri="{BB962C8B-B14F-4D97-AF65-F5344CB8AC3E}">
+        <p14:creationId xmlns:p14="http://schemas.microsoft.com/office/powerpoint/2010/main" val="2600735630"/>
+      </p:ext>
+    </p:extLst>
+  </p:cSld>
+  <p:clrMapOvr>
+    <a:overrideClrMapping bg1="dk1" tx1="lt1" bg2="dk2" tx2="lt2" accent1="accent1" accent2="accent2" accent3="accent3" accent4="accent4" accent5="accent5" accent6="accent6" hlink="hlink" folHlink="folHlink"/>
+  </p:clrMapOvr>
+</p:sld>
+</file>
+
+<file path=ppt/slides/slide27.xml><?xml version="1.0" encoding="utf-8"?>
+<p:sld xmlns:a="http://schemas.openxmlformats.org/drawingml/2006/main" xmlns:r="http://schemas.openxmlformats.org/officeDocument/2006/relationships" xmlns:p="http://schemas.openxmlformats.org/presentationml/2006/main">
+  <p:cSld>
+    <p:bg>
+      <p:bgPr>
+        <a:gradFill rotWithShape="1">
+          <a:gsLst>
+            <a:gs pos="0">
+              <a:schemeClr val="bg1">
+                <a:tint val="94000"/>
+                <a:satMod val="80000"/>
+                <a:lumMod val="106000"/>
+              </a:schemeClr>
+            </a:gs>
+            <a:gs pos="100000">
+              <a:schemeClr val="bg1">
+                <a:shade val="80000"/>
+              </a:schemeClr>
+            </a:gs>
+          </a:gsLst>
+          <a:path path="circle">
+            <a:fillToRect l="50000" t="50000" r="50000" b="50000"/>
+          </a:path>
+        </a:gradFill>
+        <a:effectLst/>
+      </p:bgPr>
+    </p:bg>
+    <p:spTree>
+      <p:nvGrpSpPr>
+        <p:cNvPr id="1" name=""/>
+        <p:cNvGrpSpPr/>
+        <p:nvPr/>
+      </p:nvGrpSpPr>
+      <p:grpSpPr>
+        <a:xfrm>
+          <a:off x="0" y="0"/>
+          <a:ext cx="0" cy="0"/>
+          <a:chOff x="0" y="0"/>
+          <a:chExt cx="0" cy="0"/>
+        </a:xfrm>
+      </p:grpSpPr>
+      <p:sp>
+        <p:nvSpPr>
+          <p:cNvPr id="2" name="Title 1">
+            <a:extLst>
+              <a:ext uri="{FF2B5EF4-FFF2-40B4-BE49-F238E27FC236}">
+                <a16:creationId xmlns:a16="http://schemas.microsoft.com/office/drawing/2014/main" id="{503CD0BF-672F-4C80-A051-E05F766006D0}"/>
+              </a:ext>
+            </a:extLst>
+          </p:cNvPr>
+          <p:cNvSpPr>
+            <a:spLocks noGrp="1"/>
+          </p:cNvSpPr>
+          <p:nvPr>
+            <p:ph type="title"/>
+          </p:nvPr>
+        </p:nvSpPr>
+        <p:spPr/>
+        <p:txBody>
+          <a:bodyPr>
+            <a:normAutofit/>
+          </a:bodyPr>
+          <a:lstStyle/>
+          <a:p>
+            <a:endParaRPr lang="en-GB"/>
+          </a:p>
+        </p:txBody>
+      </p:sp>
+      <p:sp>
+        <p:nvSpPr>
+          <p:cNvPr id="3" name="Content Placeholder 2">
+            <a:extLst>
+              <a:ext uri="{FF2B5EF4-FFF2-40B4-BE49-F238E27FC236}">
+                <a16:creationId xmlns:a16="http://schemas.microsoft.com/office/drawing/2014/main" id="{DAFEA978-3515-4D5C-A438-A77D01DCC3BF}"/>
+              </a:ext>
+            </a:extLst>
+          </p:cNvPr>
+          <p:cNvSpPr>
+            <a:spLocks noGrp="1"/>
+          </p:cNvSpPr>
+          <p:nvPr>
+            <p:ph idx="1"/>
+          </p:nvPr>
+        </p:nvSpPr>
+        <p:spPr/>
+        <p:txBody>
+          <a:bodyPr>
+            <a:normAutofit/>
+          </a:bodyPr>
+          <a:lstStyle/>
+          <a:p>
+            <a:endParaRPr lang="en-GB"/>
+          </a:p>
+        </p:txBody>
+      </p:sp>
+    </p:spTree>
+    <p:extLst>
+      <p:ext uri="{BB962C8B-B14F-4D97-AF65-F5344CB8AC3E}">
+        <p14:creationId xmlns:p14="http://schemas.microsoft.com/office/powerpoint/2010/main" val="2746817408"/>
+      </p:ext>
+    </p:extLst>
+  </p:cSld>
+  <p:clrMapOvr>
+    <a:overrideClrMapping bg1="dk1" tx1="lt1" bg2="dk2" tx2="lt2" accent1="accent1" accent2="accent2" accent3="accent3" accent4="accent4" accent5="accent5" accent6="accent6" hlink="hlink" folHlink="folHlink"/>
+  </p:clrMapOvr>
+</p:sld>
+</file>
+
+<file path=ppt/slides/slide28.xml><?xml version="1.0" encoding="utf-8"?>
+<p:sld xmlns:a="http://schemas.openxmlformats.org/drawingml/2006/main" xmlns:r="http://schemas.openxmlformats.org/officeDocument/2006/relationships" xmlns:p="http://schemas.openxmlformats.org/presentationml/2006/main">
+  <p:cSld>
+    <p:bg>
+      <p:bgPr>
+        <a:gradFill rotWithShape="1">
+          <a:gsLst>
+            <a:gs pos="0">
+              <a:schemeClr val="bg1">
+                <a:tint val="94000"/>
+                <a:satMod val="80000"/>
+                <a:lumMod val="106000"/>
+              </a:schemeClr>
+            </a:gs>
+            <a:gs pos="100000">
+              <a:schemeClr val="bg1">
+                <a:shade val="80000"/>
+              </a:schemeClr>
+            </a:gs>
+          </a:gsLst>
+          <a:path path="circle">
+            <a:fillToRect l="50000" t="50000" r="50000" b="50000"/>
+          </a:path>
+        </a:gradFill>
+        <a:effectLst/>
+      </p:bgPr>
+    </p:bg>
+    <p:spTree>
+      <p:nvGrpSpPr>
+        <p:cNvPr id="1" name=""/>
+        <p:cNvGrpSpPr/>
+        <p:nvPr/>
+      </p:nvGrpSpPr>
+      <p:grpSpPr>
+        <a:xfrm>
+          <a:off x="0" y="0"/>
+          <a:ext cx="0" cy="0"/>
+          <a:chOff x="0" y="0"/>
+          <a:chExt cx="0" cy="0"/>
+        </a:xfrm>
+      </p:grpSpPr>
+      <p:sp>
+        <p:nvSpPr>
+          <p:cNvPr id="2" name="Title 1">
+            <a:extLst>
+              <a:ext uri="{FF2B5EF4-FFF2-40B4-BE49-F238E27FC236}">
+                <a16:creationId xmlns:a16="http://schemas.microsoft.com/office/drawing/2014/main" id="{9C92F05B-1300-4BE0-9FCB-E4FD5E9F5ABF}"/>
+              </a:ext>
+            </a:extLst>
+          </p:cNvPr>
+          <p:cNvSpPr>
+            <a:spLocks noGrp="1"/>
+          </p:cNvSpPr>
+          <p:nvPr>
+            <p:ph type="title"/>
+          </p:nvPr>
+        </p:nvSpPr>
+        <p:spPr/>
+        <p:txBody>
+          <a:bodyPr>
+            <a:normAutofit/>
+          </a:bodyPr>
+          <a:lstStyle/>
+          <a:p>
+            <a:endParaRPr lang="en-GB"/>
+          </a:p>
+        </p:txBody>
+      </p:sp>
+      <p:sp>
+        <p:nvSpPr>
+          <p:cNvPr id="3" name="Content Placeholder 2">
+            <a:extLst>
+              <a:ext uri="{FF2B5EF4-FFF2-40B4-BE49-F238E27FC236}">
+                <a16:creationId xmlns:a16="http://schemas.microsoft.com/office/drawing/2014/main" id="{5420F513-0C12-4C35-BB7C-16D98606C0F6}"/>
+              </a:ext>
+            </a:extLst>
+          </p:cNvPr>
+          <p:cNvSpPr>
+            <a:spLocks noGrp="1"/>
+          </p:cNvSpPr>
+          <p:nvPr>
+            <p:ph idx="1"/>
+          </p:nvPr>
+        </p:nvSpPr>
+        <p:spPr/>
+        <p:txBody>
+          <a:bodyPr>
+            <a:normAutofit/>
+          </a:bodyPr>
+          <a:lstStyle/>
+          <a:p>
+            <a:endParaRPr lang="en-GB"/>
+          </a:p>
+        </p:txBody>
+      </p:sp>
+    </p:spTree>
+    <p:extLst>
+      <p:ext uri="{BB962C8B-B14F-4D97-AF65-F5344CB8AC3E}">
+        <p14:creationId xmlns:p14="http://schemas.microsoft.com/office/powerpoint/2010/main" val="1494098115"/>
+      </p:ext>
+    </p:extLst>
+  </p:cSld>
+  <p:clrMapOvr>
+    <a:overrideClrMapping bg1="dk1" tx1="lt1" bg2="dk2" tx2="lt2" accent1="accent1" accent2="accent2" accent3="accent3" accent4="accent4" accent5="accent5" accent6="accent6" hlink="hlink" folHlink="folHlink"/>
+  </p:clrMapOvr>
+</p:sld>
+</file>
+
+<file path=ppt/slides/slide29.xml><?xml version="1.0" encoding="utf-8"?>
+<p:sld xmlns:a="http://schemas.openxmlformats.org/drawingml/2006/main" xmlns:r="http://schemas.openxmlformats.org/officeDocument/2006/relationships" xmlns:p="http://schemas.openxmlformats.org/presentationml/2006/main">
+  <p:cSld>
+    <p:bg>
+      <p:bgPr>
+        <a:gradFill rotWithShape="1">
+          <a:gsLst>
+            <a:gs pos="0">
+              <a:schemeClr val="bg1">
+                <a:tint val="94000"/>
+                <a:satMod val="80000"/>
+                <a:lumMod val="106000"/>
+              </a:schemeClr>
+            </a:gs>
+            <a:gs pos="100000">
+              <a:schemeClr val="bg1">
+                <a:shade val="80000"/>
+              </a:schemeClr>
+            </a:gs>
+          </a:gsLst>
+          <a:path path="circle">
+            <a:fillToRect l="50000" t="50000" r="50000" b="50000"/>
+          </a:path>
+        </a:gradFill>
+        <a:effectLst/>
+      </p:bgPr>
+    </p:bg>
+    <p:spTree>
+      <p:nvGrpSpPr>
+        <p:cNvPr id="1" name=""/>
+        <p:cNvGrpSpPr/>
+        <p:nvPr/>
+      </p:nvGrpSpPr>
+      <p:grpSpPr>
+        <a:xfrm>
+          <a:off x="0" y="0"/>
+          <a:ext cx="0" cy="0"/>
+          <a:chOff x="0" y="0"/>
+          <a:chExt cx="0" cy="0"/>
+        </a:xfrm>
+      </p:grpSpPr>
+      <p:sp>
+        <p:nvSpPr>
+          <p:cNvPr id="2" name="Title 1">
+            <a:extLst>
+              <a:ext uri="{FF2B5EF4-FFF2-40B4-BE49-F238E27FC236}">
+                <a16:creationId xmlns:a16="http://schemas.microsoft.com/office/drawing/2014/main" id="{9D2F0F2F-13B1-48C2-B41F-1B3E018D4C57}"/>
+              </a:ext>
+            </a:extLst>
+          </p:cNvPr>
+          <p:cNvSpPr>
+            <a:spLocks noGrp="1"/>
+          </p:cNvSpPr>
+          <p:nvPr>
+            <p:ph type="title"/>
+          </p:nvPr>
+        </p:nvSpPr>
+        <p:spPr/>
+        <p:txBody>
+          <a:bodyPr>
+            <a:normAutofit/>
+          </a:bodyPr>
+          <a:lstStyle/>
+          <a:p>
+            <a:endParaRPr lang="en-GB"/>
+          </a:p>
+        </p:txBody>
+      </p:sp>
+      <p:sp>
+        <p:nvSpPr>
+          <p:cNvPr id="3" name="Content Placeholder 2">
+            <a:extLst>
+              <a:ext uri="{FF2B5EF4-FFF2-40B4-BE49-F238E27FC236}">
+                <a16:creationId xmlns:a16="http://schemas.microsoft.com/office/drawing/2014/main" id="{D7C5F11B-49F2-4590-85D5-0842EF6E272D}"/>
+              </a:ext>
+            </a:extLst>
+          </p:cNvPr>
+          <p:cNvSpPr>
+            <a:spLocks noGrp="1"/>
+          </p:cNvSpPr>
+          <p:nvPr>
+            <p:ph idx="1"/>
+          </p:nvPr>
+        </p:nvSpPr>
+        <p:spPr/>
+        <p:txBody>
+          <a:bodyPr>
+            <a:normAutofit/>
+          </a:bodyPr>
+          <a:lstStyle/>
+          <a:p>
+            <a:endParaRPr lang="en-GB"/>
+          </a:p>
+        </p:txBody>
+      </p:sp>
+    </p:spTree>
+    <p:extLst>
+      <p:ext uri="{BB962C8B-B14F-4D97-AF65-F5344CB8AC3E}">
+        <p14:creationId xmlns:p14="http://schemas.microsoft.com/office/powerpoint/2010/main" val="2382283163"/>
       </p:ext>
     </p:extLst>
   </p:cSld>
@@ -5544,7 +8836,7 @@
           <p:nvPr/>
         </p:nvPicPr>
         <p:blipFill rotWithShape="1">
-          <a:blip r:embed="rId2"/>
+          <a:blip r:embed="rId3"/>
           <a:srcRect b="14257"/>
           <a:stretch/>
         </p:blipFill>
@@ -5571,7 +8863,7 @@
 </p:sld>
 </file>
 
-<file path=ppt/slides/slide4.xml><?xml version="1.0" encoding="utf-8"?>
+<file path=ppt/slides/slide30.xml><?xml version="1.0" encoding="utf-8"?>
 <p:sld xmlns:a="http://schemas.openxmlformats.org/drawingml/2006/main" xmlns:r="http://schemas.openxmlformats.org/officeDocument/2006/relationships" xmlns:p="http://schemas.openxmlformats.org/presentationml/2006/main">
   <p:cSld>
     <p:bg>
@@ -5617,7 +8909,7 @@
           <p:cNvPr id="2" name="Title 1">
             <a:extLst>
               <a:ext uri="{FF2B5EF4-FFF2-40B4-BE49-F238E27FC236}">
-                <a16:creationId xmlns:a16="http://schemas.microsoft.com/office/drawing/2014/main" id="{8C09713D-9B74-4990-973A-FB438D8676C1}"/>
+                <a16:creationId xmlns:a16="http://schemas.microsoft.com/office/drawing/2014/main" id="{F8D999EA-FC68-4797-B3FF-D028B55CB472}"/>
               </a:ext>
             </a:extLst>
           </p:cNvPr>
@@ -5635,75 +8927,41 @@
           </a:bodyPr>
           <a:lstStyle/>
           <a:p>
-            <a:br>
-              <a:rPr lang="en-GB" dirty="0"/>
-            </a:br>
-            <a:endParaRPr lang="en-GB" dirty="0"/>
-          </a:p>
-        </p:txBody>
-      </p:sp>
-      <p:pic>
-        <p:nvPicPr>
-          <p:cNvPr id="15" name="Content Placeholder 14">
+            <a:endParaRPr lang="en-GB"/>
+          </a:p>
+        </p:txBody>
+      </p:sp>
+      <p:sp>
+        <p:nvSpPr>
+          <p:cNvPr id="3" name="Content Placeholder 2">
             <a:extLst>
               <a:ext uri="{FF2B5EF4-FFF2-40B4-BE49-F238E27FC236}">
-                <a16:creationId xmlns:a16="http://schemas.microsoft.com/office/drawing/2014/main" id="{882369F7-2F54-463E-962D-1181C16F1D2D}"/>
+                <a16:creationId xmlns:a16="http://schemas.microsoft.com/office/drawing/2014/main" id="{37C7679F-D828-471D-B050-8C16854378A2}"/>
               </a:ext>
             </a:extLst>
           </p:cNvPr>
-          <p:cNvPicPr>
-            <a:picLocks noGrp="1"/>
-          </p:cNvPicPr>
+          <p:cNvSpPr>
+            <a:spLocks noGrp="1"/>
+          </p:cNvSpPr>
           <p:nvPr>
             <p:ph idx="1"/>
           </p:nvPr>
-        </p:nvPicPr>
-        <p:blipFill rotWithShape="1">
-          <a:blip r:embed="rId2"/>
-          <a:srcRect l="6708" t="8459" r="6427" b="8519"/>
-          <a:stretch/>
-        </p:blipFill>
-        <p:spPr>
-          <a:xfrm>
-            <a:off x="184727" y="517236"/>
-            <a:ext cx="5597237" cy="3509819"/>
-          </a:xfrm>
-          <a:prstGeom prst="rect">
-            <a:avLst/>
-          </a:prstGeom>
-        </p:spPr>
-      </p:pic>
-      <p:pic>
-        <p:nvPicPr>
-          <p:cNvPr id="22" name="Picture 21">
-            <a:extLst>
-              <a:ext uri="{FF2B5EF4-FFF2-40B4-BE49-F238E27FC236}">
-                <a16:creationId xmlns:a16="http://schemas.microsoft.com/office/drawing/2014/main" id="{6F4DF576-A1A4-4D62-B4A6-107129BA7F37}"/>
-              </a:ext>
-            </a:extLst>
-          </p:cNvPr>
-          <p:cNvPicPr/>
-          <p:nvPr/>
-        </p:nvPicPr>
-        <p:blipFill rotWithShape="1">
-          <a:blip r:embed="rId3"/>
-          <a:srcRect l="3543" t="8183" r="8954" b="5171"/>
-          <a:stretch/>
-        </p:blipFill>
-        <p:spPr>
-          <a:xfrm>
-            <a:off x="6410038" y="3158836"/>
-            <a:ext cx="5015344" cy="2894645"/>
-          </a:xfrm>
-          <a:prstGeom prst="rect">
-            <a:avLst/>
-          </a:prstGeom>
-        </p:spPr>
-      </p:pic>
+        </p:nvSpPr>
+        <p:spPr/>
+        <p:txBody>
+          <a:bodyPr>
+            <a:normAutofit/>
+          </a:bodyPr>
+          <a:lstStyle/>
+          <a:p>
+            <a:endParaRPr lang="en-GB"/>
+          </a:p>
+        </p:txBody>
+      </p:sp>
     </p:spTree>
     <p:extLst>
       <p:ext uri="{BB962C8B-B14F-4D97-AF65-F5344CB8AC3E}">
-        <p14:creationId xmlns:p14="http://schemas.microsoft.com/office/powerpoint/2010/main" val="564963049"/>
+        <p14:creationId xmlns:p14="http://schemas.microsoft.com/office/powerpoint/2010/main" val="2331401795"/>
       </p:ext>
     </p:extLst>
   </p:cSld>
@@ -5713,7 +8971,7 @@
 </p:sld>
 </file>
 
-<file path=ppt/slides/slide5.xml><?xml version="1.0" encoding="utf-8"?>
+<file path=ppt/slides/slide31.xml><?xml version="1.0" encoding="utf-8"?>
 <p:sld xmlns:a="http://schemas.openxmlformats.org/drawingml/2006/main" xmlns:r="http://schemas.openxmlformats.org/officeDocument/2006/relationships" xmlns:p="http://schemas.openxmlformats.org/presentationml/2006/main">
   <p:cSld>
     <p:bg>
@@ -5759,7 +9017,7 @@
           <p:cNvPr id="2" name="Title 1">
             <a:extLst>
               <a:ext uri="{FF2B5EF4-FFF2-40B4-BE49-F238E27FC236}">
-                <a16:creationId xmlns:a16="http://schemas.microsoft.com/office/drawing/2014/main" id="{B7F9B276-DFFB-4E41-990F-EDE3C4A14830}"/>
+                <a16:creationId xmlns:a16="http://schemas.microsoft.com/office/drawing/2014/main" id="{FE028D9D-8B00-4170-8EC0-D54E38E1BDAF}"/>
               </a:ext>
             </a:extLst>
           </p:cNvPr>
@@ -5777,10 +9035,7 @@
           </a:bodyPr>
           <a:lstStyle/>
           <a:p>
-            <a:r>
-              <a:rPr lang="en-GB" dirty="0"/>
-              <a:t>Continuous Integration</a:t>
-            </a:r>
+            <a:endParaRPr lang="en-GB"/>
           </a:p>
         </p:txBody>
       </p:sp>
@@ -5789,7 +9044,7 @@
           <p:cNvPr id="3" name="Content Placeholder 2">
             <a:extLst>
               <a:ext uri="{FF2B5EF4-FFF2-40B4-BE49-F238E27FC236}">
-                <a16:creationId xmlns:a16="http://schemas.microsoft.com/office/drawing/2014/main" id="{B515E61A-F898-4046-BAB7-2D0DB8C58E7A}"/>
+                <a16:creationId xmlns:a16="http://schemas.microsoft.com/office/drawing/2014/main" id="{F093B151-0A59-4AD4-B16C-D6D6ED53A6F0}"/>
               </a:ext>
             </a:extLst>
           </p:cNvPr>
@@ -5814,7 +9069,7 @@
     </p:spTree>
     <p:extLst>
       <p:ext uri="{BB962C8B-B14F-4D97-AF65-F5344CB8AC3E}">
-        <p14:creationId xmlns:p14="http://schemas.microsoft.com/office/powerpoint/2010/main" val="2671466607"/>
+        <p14:creationId xmlns:p14="http://schemas.microsoft.com/office/powerpoint/2010/main" val="233368837"/>
       </p:ext>
     </p:extLst>
   </p:cSld>
@@ -5824,7 +9079,7 @@
 </p:sld>
 </file>
 
-<file path=ppt/slides/slide6.xml><?xml version="1.0" encoding="utf-8"?>
+<file path=ppt/slides/slide32.xml><?xml version="1.0" encoding="utf-8"?>
 <p:sld xmlns:a="http://schemas.openxmlformats.org/drawingml/2006/main" xmlns:r="http://schemas.openxmlformats.org/officeDocument/2006/relationships" xmlns:p="http://schemas.openxmlformats.org/presentationml/2006/main">
   <p:cSld>
     <p:bg>
@@ -5870,7 +9125,7 @@
           <p:cNvPr id="2" name="Title 1">
             <a:extLst>
               <a:ext uri="{FF2B5EF4-FFF2-40B4-BE49-F238E27FC236}">
-                <a16:creationId xmlns:a16="http://schemas.microsoft.com/office/drawing/2014/main" id="{E2786E95-CA8C-4DCE-A527-C36D314288B1}"/>
+                <a16:creationId xmlns:a16="http://schemas.microsoft.com/office/drawing/2014/main" id="{3AF35285-0174-4500-950A-C49FBFB29724}"/>
               </a:ext>
             </a:extLst>
           </p:cNvPr>
@@ -5888,10 +9143,7 @@
           </a:bodyPr>
           <a:lstStyle/>
           <a:p>
-            <a:r>
-              <a:rPr lang="en-GB" dirty="0"/>
-              <a:t>Testing</a:t>
-            </a:r>
+            <a:endParaRPr lang="en-GB"/>
           </a:p>
         </p:txBody>
       </p:sp>
@@ -5900,7 +9152,7 @@
           <p:cNvPr id="3" name="Content Placeholder 2">
             <a:extLst>
               <a:ext uri="{FF2B5EF4-FFF2-40B4-BE49-F238E27FC236}">
-                <a16:creationId xmlns:a16="http://schemas.microsoft.com/office/drawing/2014/main" id="{70C001B0-BB7D-4B0B-B684-355C51B5B658}"/>
+                <a16:creationId xmlns:a16="http://schemas.microsoft.com/office/drawing/2014/main" id="{52094C5E-8DDB-4097-BF3D-EB739E5234AB}"/>
               </a:ext>
             </a:extLst>
           </p:cNvPr>
@@ -5925,7 +9177,7 @@
     </p:spTree>
     <p:extLst>
       <p:ext uri="{BB962C8B-B14F-4D97-AF65-F5344CB8AC3E}">
-        <p14:creationId xmlns:p14="http://schemas.microsoft.com/office/powerpoint/2010/main" val="2980556128"/>
+        <p14:creationId xmlns:p14="http://schemas.microsoft.com/office/powerpoint/2010/main" val="742677373"/>
       </p:ext>
     </p:extLst>
   </p:cSld>
@@ -5935,7 +9187,7 @@
 </p:sld>
 </file>
 
-<file path=ppt/slides/slide7.xml><?xml version="1.0" encoding="utf-8"?>
+<file path=ppt/slides/slide33.xml><?xml version="1.0" encoding="utf-8"?>
 <p:sld xmlns:a="http://schemas.openxmlformats.org/drawingml/2006/main" xmlns:r="http://schemas.openxmlformats.org/officeDocument/2006/relationships" xmlns:p="http://schemas.openxmlformats.org/presentationml/2006/main">
   <p:cSld>
     <p:bg>
@@ -5981,7 +9233,7 @@
           <p:cNvPr id="2" name="Title 1">
             <a:extLst>
               <a:ext uri="{FF2B5EF4-FFF2-40B4-BE49-F238E27FC236}">
-                <a16:creationId xmlns:a16="http://schemas.microsoft.com/office/drawing/2014/main" id="{07C2682B-A05A-44D5-B614-9C9CD28D8B17}"/>
+                <a16:creationId xmlns:a16="http://schemas.microsoft.com/office/drawing/2014/main" id="{1D1BC341-4188-457A-AD4F-C00F412DEB2A}"/>
               </a:ext>
             </a:extLst>
           </p:cNvPr>
@@ -5999,10 +9251,7 @@
           </a:bodyPr>
           <a:lstStyle/>
           <a:p>
-            <a:r>
-              <a:rPr lang="en-GB" dirty="0"/>
-              <a:t>Demonstration</a:t>
-            </a:r>
+            <a:endParaRPr lang="en-GB"/>
           </a:p>
         </p:txBody>
       </p:sp>
@@ -6011,7 +9260,7 @@
           <p:cNvPr id="3" name="Content Placeholder 2">
             <a:extLst>
               <a:ext uri="{FF2B5EF4-FFF2-40B4-BE49-F238E27FC236}">
-                <a16:creationId xmlns:a16="http://schemas.microsoft.com/office/drawing/2014/main" id="{F28E3C8B-685F-45ED-B220-1EC04D425E65}"/>
+                <a16:creationId xmlns:a16="http://schemas.microsoft.com/office/drawing/2014/main" id="{87538A31-A611-48C3-BFCF-C777E85B6B96}"/>
               </a:ext>
             </a:extLst>
           </p:cNvPr>
@@ -6036,7 +9285,7 @@
     </p:spTree>
     <p:extLst>
       <p:ext uri="{BB962C8B-B14F-4D97-AF65-F5344CB8AC3E}">
-        <p14:creationId xmlns:p14="http://schemas.microsoft.com/office/powerpoint/2010/main" val="1138945526"/>
+        <p14:creationId xmlns:p14="http://schemas.microsoft.com/office/powerpoint/2010/main" val="475639351"/>
       </p:ext>
     </p:extLst>
   </p:cSld>
@@ -6046,7 +9295,7 @@
 </p:sld>
 </file>
 
-<file path=ppt/slides/slide8.xml><?xml version="1.0" encoding="utf-8"?>
+<file path=ppt/slides/slide34.xml><?xml version="1.0" encoding="utf-8"?>
 <p:sld xmlns:a="http://schemas.openxmlformats.org/drawingml/2006/main" xmlns:r="http://schemas.openxmlformats.org/officeDocument/2006/relationships" xmlns:p="http://schemas.openxmlformats.org/presentationml/2006/main">
   <p:cSld>
     <p:bg>
@@ -6092,7 +9341,7 @@
           <p:cNvPr id="2" name="Title 1">
             <a:extLst>
               <a:ext uri="{FF2B5EF4-FFF2-40B4-BE49-F238E27FC236}">
-                <a16:creationId xmlns:a16="http://schemas.microsoft.com/office/drawing/2014/main" id="{E54EDDD8-E14C-44E6-81F3-C9E983E5EDC2}"/>
+                <a16:creationId xmlns:a16="http://schemas.microsoft.com/office/drawing/2014/main" id="{F19F6BEA-3704-4A7A-8F26-DC32A6256BE1}"/>
               </a:ext>
             </a:extLst>
           </p:cNvPr>
@@ -6110,10 +9359,7 @@
           </a:bodyPr>
           <a:lstStyle/>
           <a:p>
-            <a:r>
-              <a:rPr lang="en-GB" dirty="0"/>
-              <a:t>Sprint review</a:t>
-            </a:r>
+            <a:endParaRPr lang="en-GB"/>
           </a:p>
         </p:txBody>
       </p:sp>
@@ -6122,7 +9368,7 @@
           <p:cNvPr id="3" name="Content Placeholder 2">
             <a:extLst>
               <a:ext uri="{FF2B5EF4-FFF2-40B4-BE49-F238E27FC236}">
-                <a16:creationId xmlns:a16="http://schemas.microsoft.com/office/drawing/2014/main" id="{FBA378BE-00FF-407C-BFC2-DD265C6F9DF6}"/>
+                <a16:creationId xmlns:a16="http://schemas.microsoft.com/office/drawing/2014/main" id="{9AFEBBC6-5AB8-4DDB-823D-7C78A93A4141}"/>
               </a:ext>
             </a:extLst>
           </p:cNvPr>
@@ -6147,7 +9393,7 @@
     </p:spTree>
     <p:extLst>
       <p:ext uri="{BB962C8B-B14F-4D97-AF65-F5344CB8AC3E}">
-        <p14:creationId xmlns:p14="http://schemas.microsoft.com/office/powerpoint/2010/main" val="2986411296"/>
+        <p14:creationId xmlns:p14="http://schemas.microsoft.com/office/powerpoint/2010/main" val="2068106069"/>
       </p:ext>
     </p:extLst>
   </p:cSld>
@@ -6157,7 +9403,7 @@
 </p:sld>
 </file>
 
-<file path=ppt/slides/slide9.xml><?xml version="1.0" encoding="utf-8"?>
+<file path=ppt/slides/slide35.xml><?xml version="1.0" encoding="utf-8"?>
 <p:sld xmlns:a="http://schemas.openxmlformats.org/drawingml/2006/main" xmlns:r="http://schemas.openxmlformats.org/officeDocument/2006/relationships" xmlns:p="http://schemas.openxmlformats.org/presentationml/2006/main">
   <p:cSld>
     <p:bg>
@@ -6203,7 +9449,7 @@
           <p:cNvPr id="2" name="Title 1">
             <a:extLst>
               <a:ext uri="{FF2B5EF4-FFF2-40B4-BE49-F238E27FC236}">
-                <a16:creationId xmlns:a16="http://schemas.microsoft.com/office/drawing/2014/main" id="{9EE87805-82AC-4B67-B4DD-E373BF918965}"/>
+                <a16:creationId xmlns:a16="http://schemas.microsoft.com/office/drawing/2014/main" id="{C7C518AE-3DE0-45ED-9BC7-85B510CF9A26}"/>
               </a:ext>
             </a:extLst>
           </p:cNvPr>
@@ -6221,10 +9467,7 @@
           </a:bodyPr>
           <a:lstStyle/>
           <a:p>
-            <a:r>
-              <a:rPr lang="en-GB" dirty="0"/>
-              <a:t>Sprint retrospective</a:t>
-            </a:r>
+            <a:endParaRPr lang="en-GB"/>
           </a:p>
         </p:txBody>
       </p:sp>
@@ -6233,7 +9476,7 @@
           <p:cNvPr id="3" name="Content Placeholder 2">
             <a:extLst>
               <a:ext uri="{FF2B5EF4-FFF2-40B4-BE49-F238E27FC236}">
-                <a16:creationId xmlns:a16="http://schemas.microsoft.com/office/drawing/2014/main" id="{D050732C-C902-42D3-8D97-EF5002FD76C0}"/>
+                <a16:creationId xmlns:a16="http://schemas.microsoft.com/office/drawing/2014/main" id="{84542781-8D9D-4167-8D2E-1B7BA57BB820}"/>
               </a:ext>
             </a:extLst>
           </p:cNvPr>
@@ -6258,12 +9501,973 @@
     </p:spTree>
     <p:extLst>
       <p:ext uri="{BB962C8B-B14F-4D97-AF65-F5344CB8AC3E}">
-        <p14:creationId xmlns:p14="http://schemas.microsoft.com/office/powerpoint/2010/main" val="3986508417"/>
+        <p14:creationId xmlns:p14="http://schemas.microsoft.com/office/powerpoint/2010/main" val="436210648"/>
       </p:ext>
     </p:extLst>
   </p:cSld>
   <p:clrMapOvr>
     <a:overrideClrMapping bg1="dk1" tx1="lt1" bg2="dk2" tx2="lt2" accent1="accent1" accent2="accent2" accent3="accent3" accent4="accent4" accent5="accent5" accent6="accent6" hlink="hlink" folHlink="folHlink"/>
+  </p:clrMapOvr>
+</p:sld>
+</file>
+
+<file path=ppt/slides/slide36.xml><?xml version="1.0" encoding="utf-8"?>
+<p:sld xmlns:a="http://schemas.openxmlformats.org/drawingml/2006/main" xmlns:r="http://schemas.openxmlformats.org/officeDocument/2006/relationships" xmlns:p="http://schemas.openxmlformats.org/presentationml/2006/main">
+  <p:cSld>
+    <p:bg>
+      <p:bgPr>
+        <a:gradFill rotWithShape="1">
+          <a:gsLst>
+            <a:gs pos="0">
+              <a:schemeClr val="bg1">
+                <a:tint val="94000"/>
+                <a:satMod val="80000"/>
+                <a:lumMod val="106000"/>
+              </a:schemeClr>
+            </a:gs>
+            <a:gs pos="100000">
+              <a:schemeClr val="bg1">
+                <a:shade val="80000"/>
+              </a:schemeClr>
+            </a:gs>
+          </a:gsLst>
+          <a:path path="circle">
+            <a:fillToRect l="50000" t="50000" r="50000" b="50000"/>
+          </a:path>
+        </a:gradFill>
+        <a:effectLst/>
+      </p:bgPr>
+    </p:bg>
+    <p:spTree>
+      <p:nvGrpSpPr>
+        <p:cNvPr id="1" name=""/>
+        <p:cNvGrpSpPr/>
+        <p:nvPr/>
+      </p:nvGrpSpPr>
+      <p:grpSpPr>
+        <a:xfrm>
+          <a:off x="0" y="0"/>
+          <a:ext cx="0" cy="0"/>
+          <a:chOff x="0" y="0"/>
+          <a:chExt cx="0" cy="0"/>
+        </a:xfrm>
+      </p:grpSpPr>
+      <p:sp>
+        <p:nvSpPr>
+          <p:cNvPr id="2" name="Title 1">
+            <a:extLst>
+              <a:ext uri="{FF2B5EF4-FFF2-40B4-BE49-F238E27FC236}">
+                <a16:creationId xmlns:a16="http://schemas.microsoft.com/office/drawing/2014/main" id="{8FD8B95D-DD50-4FA4-B14F-E126698418B8}"/>
+              </a:ext>
+            </a:extLst>
+          </p:cNvPr>
+          <p:cNvSpPr>
+            <a:spLocks noGrp="1"/>
+          </p:cNvSpPr>
+          <p:nvPr>
+            <p:ph type="title"/>
+          </p:nvPr>
+        </p:nvSpPr>
+        <p:spPr/>
+        <p:txBody>
+          <a:bodyPr>
+            <a:normAutofit/>
+          </a:bodyPr>
+          <a:lstStyle/>
+          <a:p>
+            <a:endParaRPr lang="en-GB"/>
+          </a:p>
+        </p:txBody>
+      </p:sp>
+      <p:sp>
+        <p:nvSpPr>
+          <p:cNvPr id="3" name="Content Placeholder 2">
+            <a:extLst>
+              <a:ext uri="{FF2B5EF4-FFF2-40B4-BE49-F238E27FC236}">
+                <a16:creationId xmlns:a16="http://schemas.microsoft.com/office/drawing/2014/main" id="{58E096B6-7999-40B0-9D2B-65BBA1CBD93D}"/>
+              </a:ext>
+            </a:extLst>
+          </p:cNvPr>
+          <p:cNvSpPr>
+            <a:spLocks noGrp="1"/>
+          </p:cNvSpPr>
+          <p:nvPr>
+            <p:ph idx="1"/>
+          </p:nvPr>
+        </p:nvSpPr>
+        <p:spPr/>
+        <p:txBody>
+          <a:bodyPr>
+            <a:normAutofit/>
+          </a:bodyPr>
+          <a:lstStyle/>
+          <a:p>
+            <a:endParaRPr lang="en-GB"/>
+          </a:p>
+        </p:txBody>
+      </p:sp>
+    </p:spTree>
+    <p:extLst>
+      <p:ext uri="{BB962C8B-B14F-4D97-AF65-F5344CB8AC3E}">
+        <p14:creationId xmlns:p14="http://schemas.microsoft.com/office/powerpoint/2010/main" val="1458956517"/>
+      </p:ext>
+    </p:extLst>
+  </p:cSld>
+  <p:clrMapOvr>
+    <a:overrideClrMapping bg1="dk1" tx1="lt1" bg2="dk2" tx2="lt2" accent1="accent1" accent2="accent2" accent3="accent3" accent4="accent4" accent5="accent5" accent6="accent6" hlink="hlink" folHlink="folHlink"/>
+  </p:clrMapOvr>
+</p:sld>
+</file>
+
+<file path=ppt/slides/slide37.xml><?xml version="1.0" encoding="utf-8"?>
+<p:sld xmlns:a="http://schemas.openxmlformats.org/drawingml/2006/main" xmlns:r="http://schemas.openxmlformats.org/officeDocument/2006/relationships" xmlns:p="http://schemas.openxmlformats.org/presentationml/2006/main">
+  <p:cSld>
+    <p:bg>
+      <p:bgPr>
+        <a:gradFill rotWithShape="1">
+          <a:gsLst>
+            <a:gs pos="0">
+              <a:schemeClr val="bg1">
+                <a:tint val="94000"/>
+                <a:satMod val="80000"/>
+                <a:lumMod val="106000"/>
+              </a:schemeClr>
+            </a:gs>
+            <a:gs pos="100000">
+              <a:schemeClr val="bg1">
+                <a:shade val="80000"/>
+              </a:schemeClr>
+            </a:gs>
+          </a:gsLst>
+          <a:path path="circle">
+            <a:fillToRect l="50000" t="50000" r="50000" b="50000"/>
+          </a:path>
+        </a:gradFill>
+        <a:effectLst/>
+      </p:bgPr>
+    </p:bg>
+    <p:spTree>
+      <p:nvGrpSpPr>
+        <p:cNvPr id="1" name=""/>
+        <p:cNvGrpSpPr/>
+        <p:nvPr/>
+      </p:nvGrpSpPr>
+      <p:grpSpPr>
+        <a:xfrm>
+          <a:off x="0" y="0"/>
+          <a:ext cx="0" cy="0"/>
+          <a:chOff x="0" y="0"/>
+          <a:chExt cx="0" cy="0"/>
+        </a:xfrm>
+      </p:grpSpPr>
+      <p:sp>
+        <p:nvSpPr>
+          <p:cNvPr id="2" name="Title 1">
+            <a:extLst>
+              <a:ext uri="{FF2B5EF4-FFF2-40B4-BE49-F238E27FC236}">
+                <a16:creationId xmlns:a16="http://schemas.microsoft.com/office/drawing/2014/main" id="{5F2B8E91-17C4-4014-ABC2-0675A11838A6}"/>
+              </a:ext>
+            </a:extLst>
+          </p:cNvPr>
+          <p:cNvSpPr>
+            <a:spLocks noGrp="1"/>
+          </p:cNvSpPr>
+          <p:nvPr>
+            <p:ph type="title"/>
+          </p:nvPr>
+        </p:nvSpPr>
+        <p:spPr/>
+        <p:txBody>
+          <a:bodyPr>
+            <a:normAutofit/>
+          </a:bodyPr>
+          <a:lstStyle/>
+          <a:p>
+            <a:endParaRPr lang="en-GB"/>
+          </a:p>
+        </p:txBody>
+      </p:sp>
+      <p:sp>
+        <p:nvSpPr>
+          <p:cNvPr id="3" name="Content Placeholder 2">
+            <a:extLst>
+              <a:ext uri="{FF2B5EF4-FFF2-40B4-BE49-F238E27FC236}">
+                <a16:creationId xmlns:a16="http://schemas.microsoft.com/office/drawing/2014/main" id="{1E0F060C-692C-4261-A41F-62E6B6A0160D}"/>
+              </a:ext>
+            </a:extLst>
+          </p:cNvPr>
+          <p:cNvSpPr>
+            <a:spLocks noGrp="1"/>
+          </p:cNvSpPr>
+          <p:nvPr>
+            <p:ph idx="1"/>
+          </p:nvPr>
+        </p:nvSpPr>
+        <p:spPr/>
+        <p:txBody>
+          <a:bodyPr>
+            <a:normAutofit/>
+          </a:bodyPr>
+          <a:lstStyle/>
+          <a:p>
+            <a:endParaRPr lang="en-GB"/>
+          </a:p>
+        </p:txBody>
+      </p:sp>
+    </p:spTree>
+    <p:extLst>
+      <p:ext uri="{BB962C8B-B14F-4D97-AF65-F5344CB8AC3E}">
+        <p14:creationId xmlns:p14="http://schemas.microsoft.com/office/powerpoint/2010/main" val="3683318301"/>
+      </p:ext>
+    </p:extLst>
+  </p:cSld>
+  <p:clrMapOvr>
+    <a:overrideClrMapping bg1="dk1" tx1="lt1" bg2="dk2" tx2="lt2" accent1="accent1" accent2="accent2" accent3="accent3" accent4="accent4" accent5="accent5" accent6="accent6" hlink="hlink" folHlink="folHlink"/>
+  </p:clrMapOvr>
+</p:sld>
+</file>
+
+<file path=ppt/slides/slide4.xml><?xml version="1.0" encoding="utf-8"?>
+<p:sld xmlns:a="http://schemas.openxmlformats.org/drawingml/2006/main" xmlns:r="http://schemas.openxmlformats.org/officeDocument/2006/relationships" xmlns:p="http://schemas.openxmlformats.org/presentationml/2006/main">
+  <p:cSld>
+    <p:bg>
+      <p:bgPr>
+        <a:gradFill rotWithShape="1">
+          <a:gsLst>
+            <a:gs pos="0">
+              <a:schemeClr val="bg2">
+                <a:tint val="94000"/>
+                <a:satMod val="80000"/>
+                <a:lumMod val="106000"/>
+              </a:schemeClr>
+            </a:gs>
+            <a:gs pos="100000">
+              <a:schemeClr val="bg2">
+                <a:shade val="80000"/>
+              </a:schemeClr>
+            </a:gs>
+          </a:gsLst>
+          <a:path path="circle">
+            <a:fillToRect l="43000" r="43000" b="100000"/>
+          </a:path>
+        </a:gradFill>
+        <a:effectLst/>
+      </p:bgPr>
+    </p:bg>
+    <p:spTree>
+      <p:nvGrpSpPr>
+        <p:cNvPr id="1" name=""/>
+        <p:cNvGrpSpPr/>
+        <p:nvPr/>
+      </p:nvGrpSpPr>
+      <p:grpSpPr>
+        <a:xfrm>
+          <a:off x="0" y="0"/>
+          <a:ext cx="0" cy="0"/>
+          <a:chOff x="0" y="0"/>
+          <a:chExt cx="0" cy="0"/>
+        </a:xfrm>
+      </p:grpSpPr>
+      <p:sp>
+        <p:nvSpPr>
+          <p:cNvPr id="2" name="Title 1">
+            <a:extLst>
+              <a:ext uri="{FF2B5EF4-FFF2-40B4-BE49-F238E27FC236}">
+                <a16:creationId xmlns:a16="http://schemas.microsoft.com/office/drawing/2014/main" id="{62497C80-F3C3-4781-A3CB-FAFA02B0ADA5}"/>
+              </a:ext>
+            </a:extLst>
+          </p:cNvPr>
+          <p:cNvSpPr>
+            <a:spLocks noGrp="1"/>
+          </p:cNvSpPr>
+          <p:nvPr>
+            <p:ph type="title"/>
+          </p:nvPr>
+        </p:nvSpPr>
+        <p:spPr>
+          <a:xfrm>
+            <a:off x="1451579" y="804519"/>
+            <a:ext cx="9603275" cy="1049235"/>
+          </a:xfrm>
+        </p:spPr>
+        <p:txBody>
+          <a:bodyPr>
+            <a:normAutofit/>
+          </a:bodyPr>
+          <a:lstStyle/>
+          <a:p>
+            <a:r>
+              <a:rPr lang="en-GB" dirty="0"/>
+              <a:t>Jira</a:t>
+            </a:r>
+          </a:p>
+        </p:txBody>
+      </p:sp>
+      <p:sp>
+        <p:nvSpPr>
+          <p:cNvPr id="8" name="Content Placeholder 7">
+            <a:extLst>
+              <a:ext uri="{FF2B5EF4-FFF2-40B4-BE49-F238E27FC236}">
+                <a16:creationId xmlns:a16="http://schemas.microsoft.com/office/drawing/2014/main" id="{BD0A8E85-8CF2-4FAC-91F8-4F81CCB1E430}"/>
+              </a:ext>
+            </a:extLst>
+          </p:cNvPr>
+          <p:cNvSpPr>
+            <a:spLocks noGrp="1"/>
+          </p:cNvSpPr>
+          <p:nvPr>
+            <p:ph idx="1"/>
+          </p:nvPr>
+        </p:nvSpPr>
+        <p:spPr>
+          <a:xfrm>
+            <a:off x="1451579" y="2015734"/>
+            <a:ext cx="4162555" cy="3450613"/>
+          </a:xfrm>
+        </p:spPr>
+        <p:txBody>
+          <a:bodyPr>
+            <a:normAutofit/>
+          </a:bodyPr>
+          <a:lstStyle/>
+          <a:p>
+            <a:r>
+              <a:rPr lang="en-US" dirty="0"/>
+              <a:t>Jira is made up of Epics, User Stories, Tasks and various values/descriptions that can be applied</a:t>
+            </a:r>
+          </a:p>
+        </p:txBody>
+      </p:sp>
+      <p:pic>
+        <p:nvPicPr>
+          <p:cNvPr id="4" name="Content Placeholder 3">
+            <a:extLst>
+              <a:ext uri="{FF2B5EF4-FFF2-40B4-BE49-F238E27FC236}">
+                <a16:creationId xmlns:a16="http://schemas.microsoft.com/office/drawing/2014/main" id="{2564D8D8-0BD1-4981-ABE3-F966DA9E3979}"/>
+              </a:ext>
+            </a:extLst>
+          </p:cNvPr>
+          <p:cNvPicPr>
+            <a:picLocks/>
+          </p:cNvPicPr>
+          <p:nvPr/>
+        </p:nvPicPr>
+        <p:blipFill>
+          <a:blip r:embed="rId3"/>
+          <a:stretch>
+            <a:fillRect/>
+          </a:stretch>
+        </p:blipFill>
+        <p:spPr>
+          <a:xfrm>
+            <a:off x="5861989" y="2015735"/>
+            <a:ext cx="5759335" cy="3450612"/>
+          </a:xfrm>
+          <a:prstGeom prst="rect">
+            <a:avLst/>
+          </a:prstGeom>
+        </p:spPr>
+      </p:pic>
+    </p:spTree>
+    <p:extLst>
+      <p:ext uri="{BB962C8B-B14F-4D97-AF65-F5344CB8AC3E}">
+        <p14:creationId xmlns:p14="http://schemas.microsoft.com/office/powerpoint/2010/main" val="2117054621"/>
+      </p:ext>
+    </p:extLst>
+  </p:cSld>
+  <p:clrMapOvr>
+    <a:masterClrMapping/>
+  </p:clrMapOvr>
+</p:sld>
+</file>
+
+<file path=ppt/slides/slide5.xml><?xml version="1.0" encoding="utf-8"?>
+<p:sld xmlns:a="http://schemas.openxmlformats.org/drawingml/2006/main" xmlns:r="http://schemas.openxmlformats.org/officeDocument/2006/relationships" xmlns:p="http://schemas.openxmlformats.org/presentationml/2006/main">
+  <p:cSld>
+    <p:spTree>
+      <p:nvGrpSpPr>
+        <p:cNvPr id="1" name=""/>
+        <p:cNvGrpSpPr/>
+        <p:nvPr/>
+      </p:nvGrpSpPr>
+      <p:grpSpPr>
+        <a:xfrm>
+          <a:off x="0" y="0"/>
+          <a:ext cx="0" cy="0"/>
+          <a:chOff x="0" y="0"/>
+          <a:chExt cx="0" cy="0"/>
+        </a:xfrm>
+      </p:grpSpPr>
+      <p:sp>
+        <p:nvSpPr>
+          <p:cNvPr id="2" name="Title 1">
+            <a:extLst>
+              <a:ext uri="{FF2B5EF4-FFF2-40B4-BE49-F238E27FC236}">
+                <a16:creationId xmlns:a16="http://schemas.microsoft.com/office/drawing/2014/main" id="{2E82B0F3-02D2-4745-8D2B-3DE6F32E9CD8}"/>
+              </a:ext>
+            </a:extLst>
+          </p:cNvPr>
+          <p:cNvSpPr>
+            <a:spLocks noGrp="1"/>
+          </p:cNvSpPr>
+          <p:nvPr>
+            <p:ph type="title"/>
+          </p:nvPr>
+        </p:nvSpPr>
+        <p:spPr/>
+        <p:txBody>
+          <a:bodyPr/>
+          <a:lstStyle/>
+          <a:p>
+            <a:r>
+              <a:rPr lang="en-GB" dirty="0"/>
+              <a:t>Breaking down  the code</a:t>
+            </a:r>
+          </a:p>
+        </p:txBody>
+      </p:sp>
+      <p:sp>
+        <p:nvSpPr>
+          <p:cNvPr id="3" name="Content Placeholder 2">
+            <a:extLst>
+              <a:ext uri="{FF2B5EF4-FFF2-40B4-BE49-F238E27FC236}">
+                <a16:creationId xmlns:a16="http://schemas.microsoft.com/office/drawing/2014/main" id="{3AA85223-5C78-499B-8CF9-4F31C4EC4F59}"/>
+              </a:ext>
+            </a:extLst>
+          </p:cNvPr>
+          <p:cNvSpPr>
+            <a:spLocks noGrp="1"/>
+          </p:cNvSpPr>
+          <p:nvPr>
+            <p:ph idx="1"/>
+          </p:nvPr>
+        </p:nvSpPr>
+        <p:spPr/>
+        <p:txBody>
+          <a:bodyPr/>
+          <a:lstStyle/>
+          <a:p>
+            <a:pPr lvl="1"/>
+            <a:r>
+              <a:rPr lang="en-GB" dirty="0"/>
+              <a:t>My first step was break down the specification into smaller logical steps.</a:t>
+            </a:r>
+          </a:p>
+          <a:p>
+            <a:pPr lvl="1"/>
+            <a:r>
+              <a:rPr lang="en-GB" dirty="0"/>
+              <a:t>For example, ‘Add a Item to the system’. I took this requirement and broke it down into the steps that I would take to accomplish this task. </a:t>
+            </a:r>
+          </a:p>
+          <a:p>
+            <a:pPr lvl="1"/>
+            <a:r>
+              <a:rPr lang="en-GB" dirty="0"/>
+              <a:t>I would need to be able to: create an object in Java, pass that object through an SQL query, add it to the database and then read the row back from the database, including the primary key.</a:t>
+            </a:r>
+          </a:p>
+          <a:p>
+            <a:endParaRPr lang="en-GB" dirty="0"/>
+          </a:p>
+        </p:txBody>
+      </p:sp>
+    </p:spTree>
+    <p:extLst>
+      <p:ext uri="{BB962C8B-B14F-4D97-AF65-F5344CB8AC3E}">
+        <p14:creationId xmlns:p14="http://schemas.microsoft.com/office/powerpoint/2010/main" val="244737475"/>
+      </p:ext>
+    </p:extLst>
+  </p:cSld>
+  <p:clrMapOvr>
+    <a:masterClrMapping/>
+  </p:clrMapOvr>
+</p:sld>
+</file>
+
+<file path=ppt/slides/slide6.xml><?xml version="1.0" encoding="utf-8"?>
+<p:sld xmlns:a="http://schemas.openxmlformats.org/drawingml/2006/main" xmlns:r="http://schemas.openxmlformats.org/officeDocument/2006/relationships" xmlns:p="http://schemas.openxmlformats.org/presentationml/2006/main">
+  <p:cSld>
+    <p:spTree>
+      <p:nvGrpSpPr>
+        <p:cNvPr id="1" name=""/>
+        <p:cNvGrpSpPr/>
+        <p:nvPr/>
+      </p:nvGrpSpPr>
+      <p:grpSpPr>
+        <a:xfrm>
+          <a:off x="0" y="0"/>
+          <a:ext cx="0" cy="0"/>
+          <a:chOff x="0" y="0"/>
+          <a:chExt cx="0" cy="0"/>
+        </a:xfrm>
+      </p:grpSpPr>
+      <p:sp>
+        <p:nvSpPr>
+          <p:cNvPr id="2" name="Title 1">
+            <a:extLst>
+              <a:ext uri="{FF2B5EF4-FFF2-40B4-BE49-F238E27FC236}">
+                <a16:creationId xmlns:a16="http://schemas.microsoft.com/office/drawing/2014/main" id="{1BAC919D-894E-458F-8840-9AF6F1D91E36}"/>
+              </a:ext>
+            </a:extLst>
+          </p:cNvPr>
+          <p:cNvSpPr>
+            <a:spLocks noGrp="1"/>
+          </p:cNvSpPr>
+          <p:nvPr>
+            <p:ph type="title"/>
+          </p:nvPr>
+        </p:nvSpPr>
+        <p:spPr/>
+        <p:txBody>
+          <a:bodyPr/>
+          <a:lstStyle/>
+          <a:p>
+            <a:r>
+              <a:rPr lang="en-GB" dirty="0"/>
+              <a:t>Consultant journey</a:t>
+            </a:r>
+          </a:p>
+        </p:txBody>
+      </p:sp>
+      <p:sp>
+        <p:nvSpPr>
+          <p:cNvPr id="3" name="Content Placeholder 2">
+            <a:extLst>
+              <a:ext uri="{FF2B5EF4-FFF2-40B4-BE49-F238E27FC236}">
+                <a16:creationId xmlns:a16="http://schemas.microsoft.com/office/drawing/2014/main" id="{CCB00B7B-312E-4BBA-8C19-5383AC2A692E}"/>
+              </a:ext>
+            </a:extLst>
+          </p:cNvPr>
+          <p:cNvSpPr>
+            <a:spLocks noGrp="1"/>
+          </p:cNvSpPr>
+          <p:nvPr>
+            <p:ph idx="1"/>
+          </p:nvPr>
+        </p:nvSpPr>
+        <p:spPr/>
+        <p:txBody>
+          <a:bodyPr>
+            <a:normAutofit fontScale="92500" lnSpcReduction="20000"/>
+          </a:bodyPr>
+          <a:lstStyle/>
+          <a:p>
+            <a:r>
+              <a:rPr lang="en-GB" dirty="0"/>
+              <a:t>Technologies:</a:t>
+            </a:r>
+          </a:p>
+          <a:p>
+            <a:pPr lvl="1"/>
+            <a:r>
+              <a:rPr lang="en-GB" dirty="0"/>
+              <a:t>Eclipse/ Java</a:t>
+            </a:r>
+          </a:p>
+          <a:p>
+            <a:pPr lvl="1"/>
+            <a:r>
+              <a:rPr lang="en-GB" dirty="0"/>
+              <a:t>Jira</a:t>
+            </a:r>
+          </a:p>
+          <a:p>
+            <a:pPr lvl="1"/>
+            <a:r>
+              <a:rPr lang="en-GB" dirty="0"/>
+              <a:t>GitHub</a:t>
+            </a:r>
+          </a:p>
+          <a:p>
+            <a:pPr lvl="1"/>
+            <a:r>
+              <a:rPr lang="en-GB" dirty="0"/>
+              <a:t>SonarQube</a:t>
+            </a:r>
+          </a:p>
+          <a:p>
+            <a:pPr lvl="1"/>
+            <a:r>
+              <a:rPr lang="en-GB" dirty="0"/>
+              <a:t>Junit</a:t>
+            </a:r>
+          </a:p>
+          <a:p>
+            <a:pPr lvl="1"/>
+            <a:r>
+              <a:rPr lang="en-GB" dirty="0"/>
+              <a:t>Mockito</a:t>
+            </a:r>
+          </a:p>
+          <a:p>
+            <a:pPr lvl="1"/>
+            <a:r>
+              <a:rPr lang="en-GB" dirty="0"/>
+              <a:t>SQL</a:t>
+            </a:r>
+          </a:p>
+          <a:p>
+            <a:pPr marL="457200" lvl="1" indent="0">
+              <a:buNone/>
+            </a:pPr>
+            <a:endParaRPr lang="en-GB" dirty="0"/>
+          </a:p>
+          <a:p>
+            <a:pPr lvl="1"/>
+            <a:r>
+              <a:rPr lang="en-GB" dirty="0"/>
+              <a:t>Research</a:t>
+            </a:r>
+          </a:p>
+          <a:p>
+            <a:pPr lvl="1"/>
+            <a:endParaRPr lang="en-GB" dirty="0"/>
+          </a:p>
+        </p:txBody>
+      </p:sp>
+    </p:spTree>
+    <p:extLst>
+      <p:ext uri="{BB962C8B-B14F-4D97-AF65-F5344CB8AC3E}">
+        <p14:creationId xmlns:p14="http://schemas.microsoft.com/office/powerpoint/2010/main" val="2105335757"/>
+      </p:ext>
+    </p:extLst>
+  </p:cSld>
+  <p:clrMapOvr>
+    <a:masterClrMapping/>
+  </p:clrMapOvr>
+</p:sld>
+</file>
+
+<file path=ppt/slides/slide7.xml><?xml version="1.0" encoding="utf-8"?>
+<p:sld xmlns:a="http://schemas.openxmlformats.org/drawingml/2006/main" xmlns:r="http://schemas.openxmlformats.org/officeDocument/2006/relationships" xmlns:p="http://schemas.openxmlformats.org/presentationml/2006/main">
+  <p:cSld>
+    <p:spTree>
+      <p:nvGrpSpPr>
+        <p:cNvPr id="1" name=""/>
+        <p:cNvGrpSpPr/>
+        <p:nvPr/>
+      </p:nvGrpSpPr>
+      <p:grpSpPr>
+        <a:xfrm>
+          <a:off x="0" y="0"/>
+          <a:ext cx="0" cy="0"/>
+          <a:chOff x="0" y="0"/>
+          <a:chExt cx="0" cy="0"/>
+        </a:xfrm>
+      </p:grpSpPr>
+      <p:sp>
+        <p:nvSpPr>
+          <p:cNvPr id="2" name="Title 1">
+            <a:extLst>
+              <a:ext uri="{FF2B5EF4-FFF2-40B4-BE49-F238E27FC236}">
+                <a16:creationId xmlns:a16="http://schemas.microsoft.com/office/drawing/2014/main" id="{CCEEF5CA-32B5-42A5-BBC0-AB60D001CE00}"/>
+              </a:ext>
+            </a:extLst>
+          </p:cNvPr>
+          <p:cNvSpPr>
+            <a:spLocks noGrp="1"/>
+          </p:cNvSpPr>
+          <p:nvPr>
+            <p:ph type="title"/>
+          </p:nvPr>
+        </p:nvSpPr>
+        <p:spPr/>
+        <p:txBody>
+          <a:bodyPr/>
+          <a:lstStyle/>
+          <a:p>
+            <a:r>
+              <a:rPr lang="en-GB" dirty="0"/>
+              <a:t>Eclipse / </a:t>
+            </a:r>
+            <a:r>
+              <a:rPr lang="en-GB" dirty="0" err="1"/>
+              <a:t>JAva</a:t>
+            </a:r>
+            <a:endParaRPr lang="en-GB" dirty="0"/>
+          </a:p>
+        </p:txBody>
+      </p:sp>
+      <p:sp>
+        <p:nvSpPr>
+          <p:cNvPr id="3" name="Content Placeholder 2">
+            <a:extLst>
+              <a:ext uri="{FF2B5EF4-FFF2-40B4-BE49-F238E27FC236}">
+                <a16:creationId xmlns:a16="http://schemas.microsoft.com/office/drawing/2014/main" id="{95966B84-1EC5-4808-844B-057356D1F23F}"/>
+              </a:ext>
+            </a:extLst>
+          </p:cNvPr>
+          <p:cNvSpPr>
+            <a:spLocks noGrp="1"/>
+          </p:cNvSpPr>
+          <p:nvPr>
+            <p:ph idx="1"/>
+          </p:nvPr>
+        </p:nvSpPr>
+        <p:spPr/>
+        <p:txBody>
+          <a:bodyPr/>
+          <a:lstStyle/>
+          <a:p>
+            <a:r>
+              <a:rPr lang="en-GB" dirty="0"/>
+              <a:t>Eclipse is an integrated development environment used in computer programming. It contains a base workspace and an extensible plug-in system for customising the environment.</a:t>
+            </a:r>
+          </a:p>
+          <a:p>
+            <a:endParaRPr lang="en-GB" dirty="0"/>
+          </a:p>
+        </p:txBody>
+      </p:sp>
+    </p:spTree>
+    <p:extLst>
+      <p:ext uri="{BB962C8B-B14F-4D97-AF65-F5344CB8AC3E}">
+        <p14:creationId xmlns:p14="http://schemas.microsoft.com/office/powerpoint/2010/main" val="2498266780"/>
+      </p:ext>
+    </p:extLst>
+  </p:cSld>
+  <p:clrMapOvr>
+    <a:masterClrMapping/>
+  </p:clrMapOvr>
+</p:sld>
+</file>
+
+<file path=ppt/slides/slide8.xml><?xml version="1.0" encoding="utf-8"?>
+<p:sld xmlns:a="http://schemas.openxmlformats.org/drawingml/2006/main" xmlns:r="http://schemas.openxmlformats.org/officeDocument/2006/relationships" xmlns:p="http://schemas.openxmlformats.org/presentationml/2006/main">
+  <p:cSld>
+    <p:spTree>
+      <p:nvGrpSpPr>
+        <p:cNvPr id="1" name=""/>
+        <p:cNvGrpSpPr/>
+        <p:nvPr/>
+      </p:nvGrpSpPr>
+      <p:grpSpPr>
+        <a:xfrm>
+          <a:off x="0" y="0"/>
+          <a:ext cx="0" cy="0"/>
+          <a:chOff x="0" y="0"/>
+          <a:chExt cx="0" cy="0"/>
+        </a:xfrm>
+      </p:grpSpPr>
+      <p:sp>
+        <p:nvSpPr>
+          <p:cNvPr id="2" name="Title 1">
+            <a:extLst>
+              <a:ext uri="{FF2B5EF4-FFF2-40B4-BE49-F238E27FC236}">
+                <a16:creationId xmlns:a16="http://schemas.microsoft.com/office/drawing/2014/main" id="{781351A1-4829-493C-900C-F8B6BE6D58C2}"/>
+              </a:ext>
+            </a:extLst>
+          </p:cNvPr>
+          <p:cNvSpPr>
+            <a:spLocks noGrp="1"/>
+          </p:cNvSpPr>
+          <p:nvPr>
+            <p:ph type="title"/>
+          </p:nvPr>
+        </p:nvSpPr>
+        <p:spPr/>
+        <p:txBody>
+          <a:bodyPr/>
+          <a:lstStyle/>
+          <a:p>
+            <a:r>
+              <a:rPr lang="en-GB" dirty="0"/>
+              <a:t>Object oriented programming principles</a:t>
+            </a:r>
+          </a:p>
+        </p:txBody>
+      </p:sp>
+      <p:sp>
+        <p:nvSpPr>
+          <p:cNvPr id="3" name="Content Placeholder 2">
+            <a:extLst>
+              <a:ext uri="{FF2B5EF4-FFF2-40B4-BE49-F238E27FC236}">
+                <a16:creationId xmlns:a16="http://schemas.microsoft.com/office/drawing/2014/main" id="{129743A4-76B4-46D7-9480-670A7F8D9B16}"/>
+              </a:ext>
+            </a:extLst>
+          </p:cNvPr>
+          <p:cNvSpPr>
+            <a:spLocks noGrp="1"/>
+          </p:cNvSpPr>
+          <p:nvPr>
+            <p:ph idx="1"/>
+          </p:nvPr>
+        </p:nvSpPr>
+        <p:spPr/>
+        <p:txBody>
+          <a:bodyPr/>
+          <a:lstStyle/>
+          <a:p>
+            <a:r>
+              <a:rPr lang="en-GB" dirty="0"/>
+              <a:t>I have attempted to stick to the OOP principles throughout my project, making understandable, clean and efficient code under this structure.</a:t>
+            </a:r>
+          </a:p>
+          <a:p>
+            <a:endParaRPr lang="en-GB" dirty="0"/>
+          </a:p>
+          <a:p>
+            <a:r>
+              <a:rPr lang="en-GB" dirty="0"/>
+              <a:t>Encapsulation</a:t>
+            </a:r>
+          </a:p>
+          <a:p>
+            <a:r>
+              <a:rPr lang="en-GB" dirty="0"/>
+              <a:t>Inheritance</a:t>
+            </a:r>
+          </a:p>
+          <a:p>
+            <a:r>
+              <a:rPr lang="en-GB" dirty="0"/>
+              <a:t>Polymorphism</a:t>
+            </a:r>
+          </a:p>
+          <a:p>
+            <a:r>
+              <a:rPr lang="en-GB" dirty="0"/>
+              <a:t>Abstraction</a:t>
+            </a:r>
+          </a:p>
+        </p:txBody>
+      </p:sp>
+    </p:spTree>
+    <p:extLst>
+      <p:ext uri="{BB962C8B-B14F-4D97-AF65-F5344CB8AC3E}">
+        <p14:creationId xmlns:p14="http://schemas.microsoft.com/office/powerpoint/2010/main" val="3953790515"/>
+      </p:ext>
+    </p:extLst>
+  </p:cSld>
+  <p:clrMapOvr>
+    <a:masterClrMapping/>
+  </p:clrMapOvr>
+</p:sld>
+</file>
+
+<file path=ppt/slides/slide9.xml><?xml version="1.0" encoding="utf-8"?>
+<p:sld xmlns:a="http://schemas.openxmlformats.org/drawingml/2006/main" xmlns:r="http://schemas.openxmlformats.org/officeDocument/2006/relationships" xmlns:p="http://schemas.openxmlformats.org/presentationml/2006/main">
+  <p:cSld>
+    <p:spTree>
+      <p:nvGrpSpPr>
+        <p:cNvPr id="1" name=""/>
+        <p:cNvGrpSpPr/>
+        <p:nvPr/>
+      </p:nvGrpSpPr>
+      <p:grpSpPr>
+        <a:xfrm>
+          <a:off x="0" y="0"/>
+          <a:ext cx="0" cy="0"/>
+          <a:chOff x="0" y="0"/>
+          <a:chExt cx="0" cy="0"/>
+        </a:xfrm>
+      </p:grpSpPr>
+      <p:sp>
+        <p:nvSpPr>
+          <p:cNvPr id="2" name="Title 1">
+            <a:extLst>
+              <a:ext uri="{FF2B5EF4-FFF2-40B4-BE49-F238E27FC236}">
+                <a16:creationId xmlns:a16="http://schemas.microsoft.com/office/drawing/2014/main" id="{902D4543-2FD4-467F-A012-65E3FDCB7098}"/>
+              </a:ext>
+            </a:extLst>
+          </p:cNvPr>
+          <p:cNvSpPr>
+            <a:spLocks noGrp="1"/>
+          </p:cNvSpPr>
+          <p:nvPr>
+            <p:ph type="title"/>
+          </p:nvPr>
+        </p:nvSpPr>
+        <p:spPr/>
+        <p:txBody>
+          <a:bodyPr/>
+          <a:lstStyle/>
+          <a:p>
+            <a:r>
+              <a:rPr lang="en-GB" dirty="0"/>
+              <a:t>Solid </a:t>
+            </a:r>
+            <a:r>
+              <a:rPr lang="en-GB" dirty="0" err="1"/>
+              <a:t>prinicples</a:t>
+            </a:r>
+            <a:endParaRPr lang="en-GB" dirty="0"/>
+          </a:p>
+        </p:txBody>
+      </p:sp>
+      <p:sp>
+        <p:nvSpPr>
+          <p:cNvPr id="3" name="Content Placeholder 2">
+            <a:extLst>
+              <a:ext uri="{FF2B5EF4-FFF2-40B4-BE49-F238E27FC236}">
+                <a16:creationId xmlns:a16="http://schemas.microsoft.com/office/drawing/2014/main" id="{76224710-366F-4BC1-94AD-70DE2DCC78FD}"/>
+              </a:ext>
+            </a:extLst>
+          </p:cNvPr>
+          <p:cNvSpPr>
+            <a:spLocks noGrp="1"/>
+          </p:cNvSpPr>
+          <p:nvPr>
+            <p:ph idx="1"/>
+          </p:nvPr>
+        </p:nvSpPr>
+        <p:spPr/>
+        <p:txBody>
+          <a:bodyPr/>
+          <a:lstStyle/>
+          <a:p>
+            <a:r>
+              <a:rPr lang="en-GB" dirty="0"/>
+              <a:t>S – single responsibility</a:t>
+            </a:r>
+          </a:p>
+          <a:p>
+            <a:r>
+              <a:rPr lang="en-GB" dirty="0"/>
+              <a:t>O – open for extension, closed for modification</a:t>
+            </a:r>
+          </a:p>
+          <a:p>
+            <a:r>
+              <a:rPr lang="en-GB" dirty="0"/>
+              <a:t>L – </a:t>
+            </a:r>
+            <a:r>
+              <a:rPr lang="en-GB" dirty="0" err="1"/>
+              <a:t>liskov</a:t>
+            </a:r>
+            <a:r>
+              <a:rPr lang="en-GB" dirty="0"/>
+              <a:t> substitution</a:t>
+            </a:r>
+          </a:p>
+          <a:p>
+            <a:r>
+              <a:rPr lang="en-GB" dirty="0"/>
+              <a:t>I – interface segregation </a:t>
+            </a:r>
+          </a:p>
+          <a:p>
+            <a:r>
+              <a:rPr lang="en-GB" dirty="0"/>
+              <a:t>D – dependency inversion</a:t>
+            </a:r>
+          </a:p>
+          <a:p>
+            <a:endParaRPr lang="en-GB" dirty="0"/>
+          </a:p>
+        </p:txBody>
+      </p:sp>
+    </p:spTree>
+    <p:extLst>
+      <p:ext uri="{BB962C8B-B14F-4D97-AF65-F5344CB8AC3E}">
+        <p14:creationId xmlns:p14="http://schemas.microsoft.com/office/powerpoint/2010/main" val="581056946"/>
+      </p:ext>
+    </p:extLst>
+  </p:cSld>
+  <p:clrMapOvr>
+    <a:masterClrMapping/>
   </p:clrMapOvr>
 </p:sld>
 </file>
@@ -6519,4 +10723,299 @@
     </a:ext>
   </a:extLst>
 </a:theme>
+</file>
+
+<file path=ppt/theme/theme2.xml><?xml version="1.0" encoding="utf-8"?>
+<a:theme xmlns:a="http://schemas.openxmlformats.org/drawingml/2006/main" name="Office Theme">
+  <a:themeElements>
+    <a:clrScheme name="Office">
+      <a:dk1>
+        <a:sysClr val="windowText" lastClr="000000"/>
+      </a:dk1>
+      <a:lt1>
+        <a:sysClr val="window" lastClr="FFFFFF"/>
+      </a:lt1>
+      <a:dk2>
+        <a:srgbClr val="44546A"/>
+      </a:dk2>
+      <a:lt2>
+        <a:srgbClr val="E7E6E6"/>
+      </a:lt2>
+      <a:accent1>
+        <a:srgbClr val="4472C4"/>
+      </a:accent1>
+      <a:accent2>
+        <a:srgbClr val="ED7D31"/>
+      </a:accent2>
+      <a:accent3>
+        <a:srgbClr val="A5A5A5"/>
+      </a:accent3>
+      <a:accent4>
+        <a:srgbClr val="FFC000"/>
+      </a:accent4>
+      <a:accent5>
+        <a:srgbClr val="5B9BD5"/>
+      </a:accent5>
+      <a:accent6>
+        <a:srgbClr val="70AD47"/>
+      </a:accent6>
+      <a:hlink>
+        <a:srgbClr val="0563C1"/>
+      </a:hlink>
+      <a:folHlink>
+        <a:srgbClr val="954F72"/>
+      </a:folHlink>
+    </a:clrScheme>
+    <a:fontScheme name="Office">
+      <a:majorFont>
+        <a:latin typeface="Calibri Light" panose="020F0302020204030204"/>
+        <a:ea typeface=""/>
+        <a:cs typeface=""/>
+        <a:font script="Jpan" typeface="游ゴシック Light"/>
+        <a:font script="Hang" typeface="맑은 고딕"/>
+        <a:font script="Hans" typeface="等线 Light"/>
+        <a:font script="Hant" typeface="新細明體"/>
+        <a:font script="Arab" typeface="Times New Roman"/>
+        <a:font script="Hebr" typeface="Times New Roman"/>
+        <a:font script="Thai" typeface="Angsana New"/>
+        <a:font script="Ethi" typeface="Nyala"/>
+        <a:font script="Beng" typeface="Vrinda"/>
+        <a:font script="Gujr" typeface="Shruti"/>
+        <a:font script="Khmr" typeface="MoolBoran"/>
+        <a:font script="Knda" typeface="Tunga"/>
+        <a:font script="Guru" typeface="Raavi"/>
+        <a:font script="Cans" typeface="Euphemia"/>
+        <a:font script="Cher" typeface="Plantagenet Cherokee"/>
+        <a:font script="Yiii" typeface="Microsoft Yi Baiti"/>
+        <a:font script="Tibt" typeface="Microsoft Himalaya"/>
+        <a:font script="Thaa" typeface="MV Boli"/>
+        <a:font script="Deva" typeface="Mangal"/>
+        <a:font script="Telu" typeface="Gautami"/>
+        <a:font script="Taml" typeface="Latha"/>
+        <a:font script="Syrc" typeface="Estrangelo Edessa"/>
+        <a:font script="Orya" typeface="Kalinga"/>
+        <a:font script="Mlym" typeface="Kartika"/>
+        <a:font script="Laoo" typeface="DokChampa"/>
+        <a:font script="Sinh" typeface="Iskoola Pota"/>
+        <a:font script="Mong" typeface="Mongolian Baiti"/>
+        <a:font script="Viet" typeface="Times New Roman"/>
+        <a:font script="Uigh" typeface="Microsoft Uighur"/>
+        <a:font script="Geor" typeface="Sylfaen"/>
+        <a:font script="Armn" typeface="Arial"/>
+        <a:font script="Bugi" typeface="Leelawadee UI"/>
+        <a:font script="Bopo" typeface="Microsoft JhengHei"/>
+        <a:font script="Java" typeface="Javanese Text"/>
+        <a:font script="Lisu" typeface="Segoe UI"/>
+        <a:font script="Mymr" typeface="Myanmar Text"/>
+        <a:font script="Nkoo" typeface="Ebrima"/>
+        <a:font script="Olck" typeface="Nirmala UI"/>
+        <a:font script="Osma" typeface="Ebrima"/>
+        <a:font script="Phag" typeface="Phagspa"/>
+        <a:font script="Syrn" typeface="Estrangelo Edessa"/>
+        <a:font script="Syrj" typeface="Estrangelo Edessa"/>
+        <a:font script="Syre" typeface="Estrangelo Edessa"/>
+        <a:font script="Sora" typeface="Nirmala UI"/>
+        <a:font script="Tale" typeface="Microsoft Tai Le"/>
+        <a:font script="Talu" typeface="Microsoft New Tai Lue"/>
+        <a:font script="Tfng" typeface="Ebrima"/>
+      </a:majorFont>
+      <a:minorFont>
+        <a:latin typeface="Calibri" panose="020F0502020204030204"/>
+        <a:ea typeface=""/>
+        <a:cs typeface=""/>
+        <a:font script="Jpan" typeface="游ゴシック"/>
+        <a:font script="Hang" typeface="맑은 고딕"/>
+        <a:font script="Hans" typeface="等线"/>
+        <a:font script="Hant" typeface="新細明體"/>
+        <a:font script="Arab" typeface="Arial"/>
+        <a:font script="Hebr" typeface="Arial"/>
+        <a:font script="Thai" typeface="Cordia New"/>
+        <a:font script="Ethi" typeface="Nyala"/>
+        <a:font script="Beng" typeface="Vrinda"/>
+        <a:font script="Gujr" typeface="Shruti"/>
+        <a:font script="Khmr" typeface="DaunPenh"/>
+        <a:font script="Knda" typeface="Tunga"/>
+        <a:font script="Guru" typeface="Raavi"/>
+        <a:font script="Cans" typeface="Euphemia"/>
+        <a:font script="Cher" typeface="Plantagenet Cherokee"/>
+        <a:font script="Yiii" typeface="Microsoft Yi Baiti"/>
+        <a:font script="Tibt" typeface="Microsoft Himalaya"/>
+        <a:font script="Thaa" typeface="MV Boli"/>
+        <a:font script="Deva" typeface="Mangal"/>
+        <a:font script="Telu" typeface="Gautami"/>
+        <a:font script="Taml" typeface="Latha"/>
+        <a:font script="Syrc" typeface="Estrangelo Edessa"/>
+        <a:font script="Orya" typeface="Kalinga"/>
+        <a:font script="Mlym" typeface="Kartika"/>
+        <a:font script="Laoo" typeface="DokChampa"/>
+        <a:font script="Sinh" typeface="Iskoola Pota"/>
+        <a:font script="Mong" typeface="Mongolian Baiti"/>
+        <a:font script="Viet" typeface="Arial"/>
+        <a:font script="Uigh" typeface="Microsoft Uighur"/>
+        <a:font script="Geor" typeface="Sylfaen"/>
+        <a:font script="Armn" typeface="Arial"/>
+        <a:font script="Bugi" typeface="Leelawadee UI"/>
+        <a:font script="Bopo" typeface="Microsoft JhengHei"/>
+        <a:font script="Java" typeface="Javanese Text"/>
+        <a:font script="Lisu" typeface="Segoe UI"/>
+        <a:font script="Mymr" typeface="Myanmar Text"/>
+        <a:font script="Nkoo" typeface="Ebrima"/>
+        <a:font script="Olck" typeface="Nirmala UI"/>
+        <a:font script="Osma" typeface="Ebrima"/>
+        <a:font script="Phag" typeface="Phagspa"/>
+        <a:font script="Syrn" typeface="Estrangelo Edessa"/>
+        <a:font script="Syrj" typeface="Estrangelo Edessa"/>
+        <a:font script="Syre" typeface="Estrangelo Edessa"/>
+        <a:font script="Sora" typeface="Nirmala UI"/>
+        <a:font script="Tale" typeface="Microsoft Tai Le"/>
+        <a:font script="Talu" typeface="Microsoft New Tai Lue"/>
+        <a:font script="Tfng" typeface="Ebrima"/>
+      </a:minorFont>
+    </a:fontScheme>
+    <a:fmtScheme name="Office">
+      <a:fillStyleLst>
+        <a:solidFill>
+          <a:schemeClr val="phClr"/>
+        </a:solidFill>
+        <a:gradFill rotWithShape="1">
+          <a:gsLst>
+            <a:gs pos="0">
+              <a:schemeClr val="phClr">
+                <a:lumMod val="110000"/>
+                <a:satMod val="105000"/>
+                <a:tint val="67000"/>
+              </a:schemeClr>
+            </a:gs>
+            <a:gs pos="50000">
+              <a:schemeClr val="phClr">
+                <a:lumMod val="105000"/>
+                <a:satMod val="103000"/>
+                <a:tint val="73000"/>
+              </a:schemeClr>
+            </a:gs>
+            <a:gs pos="100000">
+              <a:schemeClr val="phClr">
+                <a:lumMod val="105000"/>
+                <a:satMod val="109000"/>
+                <a:tint val="81000"/>
+              </a:schemeClr>
+            </a:gs>
+          </a:gsLst>
+          <a:lin ang="5400000" scaled="0"/>
+        </a:gradFill>
+        <a:gradFill rotWithShape="1">
+          <a:gsLst>
+            <a:gs pos="0">
+              <a:schemeClr val="phClr">
+                <a:satMod val="103000"/>
+                <a:lumMod val="102000"/>
+                <a:tint val="94000"/>
+              </a:schemeClr>
+            </a:gs>
+            <a:gs pos="50000">
+              <a:schemeClr val="phClr">
+                <a:satMod val="110000"/>
+                <a:lumMod val="100000"/>
+                <a:shade val="100000"/>
+              </a:schemeClr>
+            </a:gs>
+            <a:gs pos="100000">
+              <a:schemeClr val="phClr">
+                <a:lumMod val="99000"/>
+                <a:satMod val="120000"/>
+                <a:shade val="78000"/>
+              </a:schemeClr>
+            </a:gs>
+          </a:gsLst>
+          <a:lin ang="5400000" scaled="0"/>
+        </a:gradFill>
+      </a:fillStyleLst>
+      <a:lnStyleLst>
+        <a:ln w="6350" cap="flat" cmpd="sng" algn="ctr">
+          <a:solidFill>
+            <a:schemeClr val="phClr"/>
+          </a:solidFill>
+          <a:prstDash val="solid"/>
+          <a:miter lim="800000"/>
+        </a:ln>
+        <a:ln w="12700" cap="flat" cmpd="sng" algn="ctr">
+          <a:solidFill>
+            <a:schemeClr val="phClr"/>
+          </a:solidFill>
+          <a:prstDash val="solid"/>
+          <a:miter lim="800000"/>
+        </a:ln>
+        <a:ln w="19050" cap="flat" cmpd="sng" algn="ctr">
+          <a:solidFill>
+            <a:schemeClr val="phClr"/>
+          </a:solidFill>
+          <a:prstDash val="solid"/>
+          <a:miter lim="800000"/>
+        </a:ln>
+      </a:lnStyleLst>
+      <a:effectStyleLst>
+        <a:effectStyle>
+          <a:effectLst/>
+        </a:effectStyle>
+        <a:effectStyle>
+          <a:effectLst/>
+        </a:effectStyle>
+        <a:effectStyle>
+          <a:effectLst>
+            <a:outerShdw blurRad="57150" dist="19050" dir="5400000" algn="ctr" rotWithShape="0">
+              <a:srgbClr val="000000">
+                <a:alpha val="63000"/>
+              </a:srgbClr>
+            </a:outerShdw>
+          </a:effectLst>
+        </a:effectStyle>
+      </a:effectStyleLst>
+      <a:bgFillStyleLst>
+        <a:solidFill>
+          <a:schemeClr val="phClr"/>
+        </a:solidFill>
+        <a:solidFill>
+          <a:schemeClr val="phClr">
+            <a:tint val="95000"/>
+            <a:satMod val="170000"/>
+          </a:schemeClr>
+        </a:solidFill>
+        <a:gradFill rotWithShape="1">
+          <a:gsLst>
+            <a:gs pos="0">
+              <a:schemeClr val="phClr">
+                <a:tint val="93000"/>
+                <a:satMod val="150000"/>
+                <a:shade val="98000"/>
+                <a:lumMod val="102000"/>
+              </a:schemeClr>
+            </a:gs>
+            <a:gs pos="50000">
+              <a:schemeClr val="phClr">
+                <a:tint val="98000"/>
+                <a:satMod val="130000"/>
+                <a:shade val="90000"/>
+                <a:lumMod val="103000"/>
+              </a:schemeClr>
+            </a:gs>
+            <a:gs pos="100000">
+              <a:schemeClr val="phClr">
+                <a:shade val="63000"/>
+                <a:satMod val="120000"/>
+              </a:schemeClr>
+            </a:gs>
+          </a:gsLst>
+          <a:lin ang="5400000" scaled="0"/>
+        </a:gradFill>
+      </a:bgFillStyleLst>
+    </a:fmtScheme>
+  </a:themeElements>
+  <a:objectDefaults/>
+  <a:extraClrSchemeLst/>
+  <a:extLst>
+    <a:ext uri="{05A4C25C-085E-4340-85A3-A5531E510DB2}">
+      <thm15:themeFamily xmlns:thm15="http://schemas.microsoft.com/office/thememl/2012/main" name="Office Theme" id="{62F939B6-93AF-4DB8-9C6B-D6C7DFDC589F}" vid="{4A3C46E8-61CC-4603-A589-7422A47A8E4A}"/>
+    </a:ext>
+  </a:extLst>
+</a:theme>
 </file>